--- a/thesis_v1/Pictures/chapt5.pptx
+++ b/thesis_v1/Pictures/chapt5.pptx
@@ -5,18 +5,14 @@
     <p:sldMasterId id="2147483648" r:id="rId1"/>
   </p:sldMasterIdLst>
   <p:notesMasterIdLst>
-    <p:notesMasterId r:id="rId11"/>
+    <p:notesMasterId r:id="rId7"/>
   </p:notesMasterIdLst>
   <p:sldIdLst>
     <p:sldId id="269" r:id="rId2"/>
-    <p:sldId id="256" r:id="rId3"/>
-    <p:sldId id="260" r:id="rId4"/>
+    <p:sldId id="270" r:id="rId3"/>
+    <p:sldId id="271" r:id="rId4"/>
     <p:sldId id="262" r:id="rId5"/>
     <p:sldId id="263" r:id="rId6"/>
-    <p:sldId id="264" r:id="rId7"/>
-    <p:sldId id="267" r:id="rId8"/>
-    <p:sldId id="266" r:id="rId9"/>
-    <p:sldId id="268" r:id="rId10"/>
   </p:sldIdLst>
   <p:sldSz cx="9144000" cy="6858000" type="screen4x3"/>
   <p:notesSz cx="6858000" cy="9144000"/>
@@ -216,7 +212,7 @@
           <a:p>
             <a:fld id="{5ECCE904-37E7-444A-AE1F-5AC75D85A842}" type="datetimeFigureOut">
               <a:rPr lang="zh-CN" altLang="en-US" smtClean="0"/>
-              <a:t>2016/3/25</a:t>
+              <a:t>2016/3/27</a:t>
             </a:fld>
             <a:endParaRPr lang="zh-CN" altLang="en-US"/>
           </a:p>
@@ -482,90 +478,6 @@
     </a:lvl9pPr>
   </p:notesStyle>
 </p:notesMaster>
-</file>
-
-<file path=ppt/notesSlides/notesSlide1.xml><?xml version="1.0" encoding="utf-8"?>
-<p:notes xmlns:a="http://schemas.openxmlformats.org/drawingml/2006/main" xmlns:r="http://schemas.openxmlformats.org/officeDocument/2006/relationships" xmlns:p="http://schemas.openxmlformats.org/presentationml/2006/main">
-  <p:cSld>
-    <p:spTree>
-      <p:nvGrpSpPr>
-        <p:cNvPr id="1" name=""/>
-        <p:cNvGrpSpPr/>
-        <p:nvPr/>
-      </p:nvGrpSpPr>
-      <p:grpSpPr>
-        <a:xfrm>
-          <a:off x="0" y="0"/>
-          <a:ext cx="0" cy="0"/>
-          <a:chOff x="0" y="0"/>
-          <a:chExt cx="0" cy="0"/>
-        </a:xfrm>
-      </p:grpSpPr>
-      <p:sp>
-        <p:nvSpPr>
-          <p:cNvPr id="2" name="幻灯片图像占位符 1"/>
-          <p:cNvSpPr>
-            <a:spLocks noGrp="1" noRot="1" noChangeAspect="1"/>
-          </p:cNvSpPr>
-          <p:nvPr>
-            <p:ph type="sldImg"/>
-          </p:nvPr>
-        </p:nvSpPr>
-        <p:spPr/>
-      </p:sp>
-      <p:sp>
-        <p:nvSpPr>
-          <p:cNvPr id="3" name="备注占位符 2"/>
-          <p:cNvSpPr>
-            <a:spLocks noGrp="1"/>
-          </p:cNvSpPr>
-          <p:nvPr>
-            <p:ph type="body" idx="1"/>
-          </p:nvPr>
-        </p:nvSpPr>
-        <p:spPr/>
-        <p:txBody>
-          <a:bodyPr/>
-          <a:lstStyle/>
-          <a:p>
-            <a:endParaRPr lang="zh-CN" altLang="en-US" dirty="0"/>
-          </a:p>
-        </p:txBody>
-      </p:sp>
-      <p:sp>
-        <p:nvSpPr>
-          <p:cNvPr id="4" name="灯片编号占位符 3"/>
-          <p:cNvSpPr>
-            <a:spLocks noGrp="1"/>
-          </p:cNvSpPr>
-          <p:nvPr>
-            <p:ph type="sldNum" sz="quarter" idx="10"/>
-          </p:nvPr>
-        </p:nvSpPr>
-        <p:spPr/>
-        <p:txBody>
-          <a:bodyPr/>
-          <a:lstStyle/>
-          <a:p>
-            <a:fld id="{3D6A2C77-7D43-4D6E-AB83-F784D2935FE2}" type="slidenum">
-              <a:rPr lang="zh-CN" altLang="en-US" smtClean="0"/>
-              <a:t>2</a:t>
-            </a:fld>
-            <a:endParaRPr lang="zh-CN" altLang="en-US"/>
-          </a:p>
-        </p:txBody>
-      </p:sp>
-    </p:spTree>
-    <p:extLst>
-      <p:ext uri="{BB962C8B-B14F-4D97-AF65-F5344CB8AC3E}">
-        <p14:creationId xmlns:p14="http://schemas.microsoft.com/office/powerpoint/2010/main" val="2146540632"/>
-      </p:ext>
-    </p:extLst>
-  </p:cSld>
-  <p:clrMapOvr>
-    <a:masterClrMapping/>
-  </p:clrMapOvr>
-</p:notes>
 </file>
 
 <file path=ppt/slideLayouts/slideLayout1.xml><?xml version="1.0" encoding="utf-8"?>
@@ -749,7 +661,7 @@
           <a:p>
             <a:fld id="{6809881B-9790-4914-B6BF-9C77C8806DC6}" type="datetimeFigureOut">
               <a:rPr lang="zh-CN" altLang="en-US" smtClean="0"/>
-              <a:t>2016/3/25</a:t>
+              <a:t>2016/3/27</a:t>
             </a:fld>
             <a:endParaRPr lang="zh-CN" altLang="en-US"/>
           </a:p>
@@ -926,7 +838,7 @@
           <a:p>
             <a:fld id="{6809881B-9790-4914-B6BF-9C77C8806DC6}" type="datetimeFigureOut">
               <a:rPr lang="zh-CN" altLang="en-US" smtClean="0"/>
-              <a:t>2016/3/25</a:t>
+              <a:t>2016/3/27</a:t>
             </a:fld>
             <a:endParaRPr lang="zh-CN" altLang="en-US"/>
           </a:p>
@@ -1106,7 +1018,7 @@
           <a:p>
             <a:fld id="{6809881B-9790-4914-B6BF-9C77C8806DC6}" type="datetimeFigureOut">
               <a:rPr lang="zh-CN" altLang="en-US" smtClean="0"/>
-              <a:t>2016/3/25</a:t>
+              <a:t>2016/3/27</a:t>
             </a:fld>
             <a:endParaRPr lang="zh-CN" altLang="en-US"/>
           </a:p>
@@ -1276,7 +1188,7 @@
           <a:p>
             <a:fld id="{6809881B-9790-4914-B6BF-9C77C8806DC6}" type="datetimeFigureOut">
               <a:rPr lang="zh-CN" altLang="en-US" smtClean="0"/>
-              <a:t>2016/3/25</a:t>
+              <a:t>2016/3/27</a:t>
             </a:fld>
             <a:endParaRPr lang="zh-CN" altLang="en-US"/>
           </a:p>
@@ -1522,7 +1434,7 @@
           <a:p>
             <a:fld id="{6809881B-9790-4914-B6BF-9C77C8806DC6}" type="datetimeFigureOut">
               <a:rPr lang="zh-CN" altLang="en-US" smtClean="0"/>
-              <a:t>2016/3/25</a:t>
+              <a:t>2016/3/27</a:t>
             </a:fld>
             <a:endParaRPr lang="zh-CN" altLang="en-US"/>
           </a:p>
@@ -1810,7 +1722,7 @@
           <a:p>
             <a:fld id="{6809881B-9790-4914-B6BF-9C77C8806DC6}" type="datetimeFigureOut">
               <a:rPr lang="zh-CN" altLang="en-US" smtClean="0"/>
-              <a:t>2016/3/25</a:t>
+              <a:t>2016/3/27</a:t>
             </a:fld>
             <a:endParaRPr lang="zh-CN" altLang="en-US"/>
           </a:p>
@@ -2232,7 +2144,7 @@
           <a:p>
             <a:fld id="{6809881B-9790-4914-B6BF-9C77C8806DC6}" type="datetimeFigureOut">
               <a:rPr lang="zh-CN" altLang="en-US" smtClean="0"/>
-              <a:t>2016/3/25</a:t>
+              <a:t>2016/3/27</a:t>
             </a:fld>
             <a:endParaRPr lang="zh-CN" altLang="en-US"/>
           </a:p>
@@ -2350,7 +2262,7 @@
           <a:p>
             <a:fld id="{6809881B-9790-4914-B6BF-9C77C8806DC6}" type="datetimeFigureOut">
               <a:rPr lang="zh-CN" altLang="en-US" smtClean="0"/>
-              <a:t>2016/3/25</a:t>
+              <a:t>2016/3/27</a:t>
             </a:fld>
             <a:endParaRPr lang="zh-CN" altLang="en-US"/>
           </a:p>
@@ -2445,7 +2357,7 @@
           <a:p>
             <a:fld id="{6809881B-9790-4914-B6BF-9C77C8806DC6}" type="datetimeFigureOut">
               <a:rPr lang="zh-CN" altLang="en-US" smtClean="0"/>
-              <a:t>2016/3/25</a:t>
+              <a:t>2016/3/27</a:t>
             </a:fld>
             <a:endParaRPr lang="zh-CN" altLang="en-US"/>
           </a:p>
@@ -2722,7 +2634,7 @@
           <a:p>
             <a:fld id="{6809881B-9790-4914-B6BF-9C77C8806DC6}" type="datetimeFigureOut">
               <a:rPr lang="zh-CN" altLang="en-US" smtClean="0"/>
-              <a:t>2016/3/25</a:t>
+              <a:t>2016/3/27</a:t>
             </a:fld>
             <a:endParaRPr lang="zh-CN" altLang="en-US"/>
           </a:p>
@@ -2975,7 +2887,7 @@
           <a:p>
             <a:fld id="{6809881B-9790-4914-B6BF-9C77C8806DC6}" type="datetimeFigureOut">
               <a:rPr lang="zh-CN" altLang="en-US" smtClean="0"/>
-              <a:t>2016/3/25</a:t>
+              <a:t>2016/3/27</a:t>
             </a:fld>
             <a:endParaRPr lang="zh-CN" altLang="en-US"/>
           </a:p>
@@ -3188,7 +3100,7 @@
           <a:p>
             <a:fld id="{6809881B-9790-4914-B6BF-9C77C8806DC6}" type="datetimeFigureOut">
               <a:rPr lang="zh-CN" altLang="en-US" smtClean="0"/>
-              <a:t>2016/3/25</a:t>
+              <a:t>2016/3/27</a:t>
             </a:fld>
             <a:endParaRPr lang="zh-CN" altLang="en-US"/>
           </a:p>
@@ -4194,71 +4106,35 @@
       </p:grpSpPr>
       <p:grpSp>
         <p:nvGrpSpPr>
-          <p:cNvPr id="6" name="组合 5"/>
+          <p:cNvPr id="81" name="Group 80"/>
           <p:cNvGrpSpPr/>
           <p:nvPr/>
         </p:nvGrpSpPr>
         <p:grpSpPr>
           <a:xfrm>
-            <a:off x="1072196" y="497167"/>
-            <a:ext cx="6747072" cy="5430627"/>
-            <a:chOff x="1072196" y="497167"/>
-            <a:chExt cx="6747072" cy="5430627"/>
+            <a:off x="1403648" y="1196752"/>
+            <a:ext cx="6518720" cy="3025303"/>
+            <a:chOff x="1415976" y="1412776"/>
+            <a:chExt cx="6518720" cy="3025303"/>
           </a:xfrm>
         </p:grpSpPr>
         <p:grpSp>
           <p:nvGrpSpPr>
-            <p:cNvPr id="15" name="组合 14"/>
+            <p:cNvPr id="4" name="Group 3"/>
             <p:cNvGrpSpPr/>
             <p:nvPr/>
           </p:nvGrpSpPr>
           <p:grpSpPr>
             <a:xfrm>
-              <a:off x="1072196" y="497167"/>
-              <a:ext cx="6747072" cy="5430627"/>
-              <a:chOff x="1072196" y="497167"/>
-              <a:chExt cx="6747072" cy="5430627"/>
+              <a:off x="1415976" y="1412776"/>
+              <a:ext cx="6518720" cy="3025303"/>
+              <a:chOff x="1300548" y="497167"/>
+              <a:chExt cx="6518720" cy="3025303"/>
             </a:xfrm>
           </p:grpSpPr>
-          <p:sp>
-            <p:nvSpPr>
-              <p:cNvPr id="16" name="文本框 37"/>
-              <p:cNvSpPr txBox="1"/>
-              <p:nvPr/>
-            </p:nvSpPr>
-            <p:spPr>
-              <a:xfrm>
-                <a:off x="1072196" y="642174"/>
-                <a:ext cx="467544" cy="338554"/>
-              </a:xfrm>
-              <a:prstGeom prst="rect">
-                <a:avLst/>
-              </a:prstGeom>
-              <a:noFill/>
-            </p:spPr>
-            <p:txBody>
-              <a:bodyPr wrap="square" rtlCol="0">
-                <a:spAutoFit/>
-              </a:bodyPr>
-              <a:lstStyle/>
-              <a:p>
-                <a:r>
-                  <a:rPr lang="en-US" altLang="zh-CN" sz="1600" dirty="0" smtClean="0">
-                    <a:latin typeface="Times New Roman" panose="02020603050405020304" pitchFamily="18" charset="0"/>
-                    <a:cs typeface="Times New Roman" panose="02020603050405020304" pitchFamily="18" charset="0"/>
-                  </a:rPr>
-                  <a:t>(a)</a:t>
-                </a:r>
-                <a:endParaRPr lang="zh-CN" altLang="en-US" sz="1600" dirty="0">
-                  <a:latin typeface="Times New Roman" panose="02020603050405020304" pitchFamily="18" charset="0"/>
-                  <a:cs typeface="Times New Roman" panose="02020603050405020304" pitchFamily="18" charset="0"/>
-                </a:endParaRPr>
-              </a:p>
-            </p:txBody>
-          </p:sp>
           <p:grpSp>
             <p:nvGrpSpPr>
-              <p:cNvPr id="19" name="组合 18"/>
+              <p:cNvPr id="6" name="组合 18"/>
               <p:cNvGrpSpPr/>
               <p:nvPr/>
             </p:nvGrpSpPr>
@@ -4272,7 +4148,7 @@
             </p:grpSpPr>
             <p:sp>
               <p:nvSpPr>
-                <p:cNvPr id="41" name="ring2"/>
+                <p:cNvPr id="47" name="ring2"/>
                 <p:cNvSpPr/>
                 <p:nvPr/>
               </p:nvSpPr>
@@ -4318,7 +4194,7 @@
             </p:sp>
             <p:cxnSp>
               <p:nvCxnSpPr>
-                <p:cNvPr id="42" name="line2"/>
+                <p:cNvPr id="48" name="line2"/>
                 <p:cNvCxnSpPr/>
                 <p:nvPr/>
               </p:nvCxnSpPr>
@@ -4353,7 +4229,7 @@
             </p:cxnSp>
             <p:sp>
               <p:nvSpPr>
-                <p:cNvPr id="43" name="1"/>
+                <p:cNvPr id="49" name="1"/>
                 <p:cNvSpPr/>
                 <p:nvPr/>
               </p:nvSpPr>
@@ -4399,7 +4275,7 @@
             </p:sp>
             <p:sp>
               <p:nvSpPr>
-                <p:cNvPr id="44" name="2"/>
+                <p:cNvPr id="50" name="2"/>
                 <p:cNvSpPr/>
                 <p:nvPr/>
               </p:nvSpPr>
@@ -4445,7 +4321,7 @@
             </p:sp>
             <p:sp>
               <p:nvSpPr>
-                <p:cNvPr id="45" name="3"/>
+                <p:cNvPr id="51" name="3"/>
                 <p:cNvSpPr/>
                 <p:nvPr/>
               </p:nvSpPr>
@@ -4491,7 +4367,7 @@
             </p:sp>
             <p:sp>
               <p:nvSpPr>
-                <p:cNvPr id="46" name="4"/>
+                <p:cNvPr id="52" name="4"/>
                 <p:cNvSpPr/>
                 <p:nvPr/>
               </p:nvSpPr>
@@ -4537,7 +4413,7 @@
             </p:sp>
             <p:sp>
               <p:nvSpPr>
-                <p:cNvPr id="47" name="5"/>
+                <p:cNvPr id="53" name="5"/>
                 <p:cNvSpPr/>
                 <p:nvPr/>
               </p:nvSpPr>
@@ -4583,7 +4459,7 @@
             </p:sp>
             <p:sp>
               <p:nvSpPr>
-                <p:cNvPr id="48" name="6"/>
+                <p:cNvPr id="54" name="6"/>
                 <p:cNvSpPr/>
                 <p:nvPr/>
               </p:nvSpPr>
@@ -4629,7 +4505,7 @@
             </p:sp>
             <p:sp>
               <p:nvSpPr>
-                <p:cNvPr id="49" name="7"/>
+                <p:cNvPr id="55" name="7"/>
                 <p:cNvSpPr/>
                 <p:nvPr/>
               </p:nvSpPr>
@@ -4675,7 +4551,7 @@
             </p:sp>
             <p:sp>
               <p:nvSpPr>
-                <p:cNvPr id="50" name="8"/>
+                <p:cNvPr id="56" name="8"/>
                 <p:cNvSpPr/>
                 <p:nvPr/>
               </p:nvSpPr>
@@ -4721,7 +4597,7 @@
             </p:sp>
             <p:sp>
               <p:nvSpPr>
-                <p:cNvPr id="51" name="9"/>
+                <p:cNvPr id="57" name="9"/>
                 <p:cNvSpPr/>
                 <p:nvPr/>
               </p:nvSpPr>
@@ -4767,7 +4643,7 @@
             </p:sp>
             <p:sp>
               <p:nvSpPr>
-                <p:cNvPr id="52" name="10"/>
+                <p:cNvPr id="58" name="10"/>
                 <p:cNvSpPr/>
                 <p:nvPr/>
               </p:nvSpPr>
@@ -4813,7 +4689,7 @@
             </p:sp>
             <p:sp>
               <p:nvSpPr>
-                <p:cNvPr id="53" name="11"/>
+                <p:cNvPr id="59" name="11"/>
                 <p:cNvSpPr/>
                 <p:nvPr/>
               </p:nvSpPr>
@@ -4859,7 +4735,7 @@
             </p:sp>
             <p:sp>
               <p:nvSpPr>
-                <p:cNvPr id="54" name="12"/>
+                <p:cNvPr id="60" name="12"/>
                 <p:cNvSpPr/>
                 <p:nvPr/>
               </p:nvSpPr>
@@ -4905,7 +4781,7 @@
             </p:sp>
             <p:sp>
               <p:nvSpPr>
-                <p:cNvPr id="55" name="13"/>
+                <p:cNvPr id="61" name="13"/>
                 <p:cNvSpPr/>
                 <p:nvPr/>
               </p:nvSpPr>
@@ -4951,7 +4827,7 @@
             </p:sp>
             <p:sp>
               <p:nvSpPr>
-                <p:cNvPr id="56" name="14"/>
+                <p:cNvPr id="62" name="14"/>
                 <p:cNvSpPr/>
                 <p:nvPr/>
               </p:nvSpPr>
@@ -4997,7 +4873,7 @@
             </p:sp>
             <p:sp>
               <p:nvSpPr>
-                <p:cNvPr id="57" name="15"/>
+                <p:cNvPr id="63" name="15"/>
                 <p:cNvSpPr/>
                 <p:nvPr/>
               </p:nvSpPr>
@@ -5043,7 +4919,7 @@
             </p:sp>
             <p:sp>
               <p:nvSpPr>
-                <p:cNvPr id="58" name="16"/>
+                <p:cNvPr id="64" name="16"/>
                 <p:cNvSpPr/>
                 <p:nvPr/>
               </p:nvSpPr>
@@ -5089,7 +4965,7 @@
             </p:sp>
             <p:sp>
               <p:nvSpPr>
-                <p:cNvPr id="59" name="17"/>
+                <p:cNvPr id="65" name="17"/>
                 <p:cNvSpPr/>
                 <p:nvPr/>
               </p:nvSpPr>
@@ -5135,7 +5011,7 @@
             </p:sp>
             <p:sp>
               <p:nvSpPr>
-                <p:cNvPr id="60" name="18"/>
+                <p:cNvPr id="66" name="18"/>
                 <p:cNvSpPr/>
                 <p:nvPr/>
               </p:nvSpPr>
@@ -5181,7 +5057,7 @@
             </p:sp>
             <p:sp>
               <p:nvSpPr>
-                <p:cNvPr id="61" name="19"/>
+                <p:cNvPr id="67" name="19"/>
                 <p:cNvSpPr/>
                 <p:nvPr/>
               </p:nvSpPr>
@@ -5227,7 +5103,7 @@
             </p:sp>
             <p:sp>
               <p:nvSpPr>
-                <p:cNvPr id="62" name="20"/>
+                <p:cNvPr id="68" name="20"/>
                 <p:cNvSpPr/>
                 <p:nvPr/>
               </p:nvSpPr>
@@ -5273,7 +5149,7 @@
             </p:sp>
             <p:sp>
               <p:nvSpPr>
-                <p:cNvPr id="63" name="21"/>
+                <p:cNvPr id="69" name="21"/>
                 <p:cNvSpPr/>
                 <p:nvPr/>
               </p:nvSpPr>
@@ -5319,7 +5195,7 @@
             </p:sp>
             <p:sp>
               <p:nvSpPr>
-                <p:cNvPr id="64" name="22"/>
+                <p:cNvPr id="70" name="22"/>
                 <p:cNvSpPr/>
                 <p:nvPr/>
               </p:nvSpPr>
@@ -5365,7 +5241,7 @@
             </p:sp>
             <p:sp>
               <p:nvSpPr>
-                <p:cNvPr id="65" name="23"/>
+                <p:cNvPr id="71" name="23"/>
                 <p:cNvSpPr/>
                 <p:nvPr/>
               </p:nvSpPr>
@@ -5411,7 +5287,7 @@
             </p:sp>
             <p:sp>
               <p:nvSpPr>
-                <p:cNvPr id="66" name="24"/>
+                <p:cNvPr id="72" name="24"/>
                 <p:cNvSpPr/>
                 <p:nvPr/>
               </p:nvSpPr>
@@ -5457,7 +5333,7 @@
             </p:sp>
             <p:sp>
               <p:nvSpPr>
-                <p:cNvPr id="67" name="25"/>
+                <p:cNvPr id="73" name="25"/>
                 <p:cNvSpPr/>
                 <p:nvPr/>
               </p:nvSpPr>
@@ -5503,7 +5379,7 @@
             </p:sp>
             <p:sp>
               <p:nvSpPr>
-                <p:cNvPr id="68" name="26"/>
+                <p:cNvPr id="74" name="26"/>
                 <p:cNvSpPr/>
                 <p:nvPr/>
               </p:nvSpPr>
@@ -5549,7 +5425,7 @@
             </p:sp>
             <p:sp>
               <p:nvSpPr>
-                <p:cNvPr id="69" name="27"/>
+                <p:cNvPr id="75" name="27"/>
                 <p:cNvSpPr/>
                 <p:nvPr/>
               </p:nvSpPr>
@@ -5595,7 +5471,7 @@
             </p:sp>
             <p:sp>
               <p:nvSpPr>
-                <p:cNvPr id="70" name="28"/>
+                <p:cNvPr id="76" name="28"/>
                 <p:cNvSpPr/>
                 <p:nvPr/>
               </p:nvSpPr>
@@ -5641,7 +5517,7 @@
             </p:sp>
             <p:sp>
               <p:nvSpPr>
-                <p:cNvPr id="71" name="29"/>
+                <p:cNvPr id="77" name="29"/>
                 <p:cNvSpPr/>
                 <p:nvPr/>
               </p:nvSpPr>
@@ -5687,7 +5563,7 @@
             </p:sp>
             <p:sp>
               <p:nvSpPr>
-                <p:cNvPr id="72" name="30"/>
+                <p:cNvPr id="78" name="30"/>
                 <p:cNvSpPr/>
                 <p:nvPr/>
               </p:nvSpPr>
@@ -5734,7 +5610,7 @@
           </p:grpSp>
           <p:cxnSp>
             <p:nvCxnSpPr>
-              <p:cNvPr id="20" name="直接箭头连接符 19"/>
+              <p:cNvPr id="7" name="直接箭头连接符 19"/>
               <p:cNvCxnSpPr/>
               <p:nvPr/>
             </p:nvCxnSpPr>
@@ -5771,7 +5647,7 @@
           </p:cxnSp>
           <p:sp>
             <p:nvSpPr>
-              <p:cNvPr id="21" name="任意多边形 20"/>
+              <p:cNvPr id="8" name="任意多边形 20"/>
               <p:cNvSpPr/>
               <p:nvPr/>
             </p:nvSpPr>
@@ -5857,7 +5733,7 @@
           </p:sp>
           <p:sp>
             <p:nvSpPr>
-              <p:cNvPr id="22" name="任意多边形 21"/>
+              <p:cNvPr id="9" name="任意多边形 21"/>
               <p:cNvSpPr/>
               <p:nvPr/>
             </p:nvSpPr>
@@ -5943,7 +5819,7 @@
           </p:sp>
           <p:sp>
             <p:nvSpPr>
-              <p:cNvPr id="25" name="任意多边形 24"/>
+              <p:cNvPr id="10" name="任意多边形 24"/>
               <p:cNvSpPr/>
               <p:nvPr/>
             </p:nvSpPr>
@@ -6039,7 +5915,7 @@
           </p:sp>
           <p:sp>
             <p:nvSpPr>
-              <p:cNvPr id="27" name="任意多边形 26"/>
+              <p:cNvPr id="11" name="任意多边形 26"/>
               <p:cNvSpPr/>
               <p:nvPr/>
             </p:nvSpPr>
@@ -6135,14 +6011,14 @@
           </p:sp>
           <p:sp>
             <p:nvSpPr>
-              <p:cNvPr id="30" name="TextBox 29"/>
+              <p:cNvPr id="12" name="TextBox 11"/>
               <p:cNvSpPr txBox="1"/>
               <p:nvPr/>
             </p:nvSpPr>
             <p:spPr>
               <a:xfrm>
-                <a:off x="3219513" y="589675"/>
-                <a:ext cx="411072" cy="307777"/>
+                <a:off x="3352134" y="591769"/>
+                <a:ext cx="385004" cy="307777"/>
               </a:xfrm>
               <a:prstGeom prst="rect">
                 <a:avLst/>
@@ -6160,9 +6036,16 @@
                     <a:latin typeface="Times New Roman" pitchFamily="18" charset="0"/>
                     <a:cs typeface="Times New Roman" pitchFamily="18" charset="0"/>
                   </a:rPr>
-                  <a:t>T</a:t>
+                  <a:t>S</a:t>
                 </a:r>
-                <a:endParaRPr lang="zh-CN" altLang="en-US" sz="1400" i="1" dirty="0">
+                <a:r>
+                  <a:rPr lang="en-US" altLang="zh-CN" sz="1400" i="1" baseline="-25000" dirty="0" smtClean="0">
+                    <a:latin typeface="Times New Roman" pitchFamily="18" charset="0"/>
+                    <a:cs typeface="Times New Roman" pitchFamily="18" charset="0"/>
+                  </a:rPr>
+                  <a:t>t</a:t>
+                </a:r>
+                <a:endParaRPr lang="zh-CN" altLang="en-US" sz="1400" i="1" baseline="-25000" dirty="0">
                   <a:latin typeface="Times New Roman" pitchFamily="18" charset="0"/>
                   <a:cs typeface="Times New Roman" pitchFamily="18" charset="0"/>
                 </a:endParaRPr>
@@ -6171,7 +6054,7 @@
           </p:sp>
           <p:sp>
             <p:nvSpPr>
-              <p:cNvPr id="31" name="TextBox 30"/>
+              <p:cNvPr id="13" name="TextBox 12"/>
               <p:cNvSpPr txBox="1"/>
               <p:nvPr/>
             </p:nvSpPr>
@@ -6207,7 +6090,7 @@
           </p:sp>
           <p:sp>
             <p:nvSpPr>
-              <p:cNvPr id="33" name="TextBox 32"/>
+              <p:cNvPr id="14" name="TextBox 13"/>
               <p:cNvSpPr txBox="1"/>
               <p:nvPr/>
             </p:nvSpPr>
@@ -6243,7 +6126,7 @@
           </p:sp>
           <p:sp>
             <p:nvSpPr>
-              <p:cNvPr id="34" name="TextBox 33"/>
+              <p:cNvPr id="15" name="TextBox 14"/>
               <p:cNvSpPr txBox="1"/>
               <p:nvPr/>
             </p:nvSpPr>
@@ -6286,7 +6169,7 @@
           </p:sp>
           <p:sp>
             <p:nvSpPr>
-              <p:cNvPr id="36" name="TextBox 35"/>
+              <p:cNvPr id="16" name="TextBox 15"/>
               <p:cNvSpPr txBox="1"/>
               <p:nvPr/>
             </p:nvSpPr>
@@ -6329,7 +6212,7 @@
           </p:sp>
           <p:sp>
             <p:nvSpPr>
-              <p:cNvPr id="37" name="TextBox 36"/>
+              <p:cNvPr id="17" name="TextBox 16"/>
               <p:cNvSpPr txBox="1"/>
               <p:nvPr/>
             </p:nvSpPr>
@@ -6372,7 +6255,7 @@
           </p:sp>
           <p:sp>
             <p:nvSpPr>
-              <p:cNvPr id="38" name="TextBox 37"/>
+              <p:cNvPr id="18" name="TextBox 17"/>
               <p:cNvSpPr txBox="1"/>
               <p:nvPr/>
             </p:nvSpPr>
@@ -6415,7 +6298,7 @@
           </p:sp>
           <p:sp>
             <p:nvSpPr>
-              <p:cNvPr id="39" name="TextBox 38"/>
+              <p:cNvPr id="19" name="TextBox 18"/>
               <p:cNvSpPr txBox="1"/>
               <p:nvPr/>
             </p:nvSpPr>
@@ -6451,7 +6334,7 @@
           </p:sp>
           <p:sp>
             <p:nvSpPr>
-              <p:cNvPr id="40" name="TextBox 39"/>
+              <p:cNvPr id="20" name="TextBox 19"/>
               <p:cNvSpPr txBox="1"/>
               <p:nvPr/>
             </p:nvSpPr>
@@ -6487,7 +6370,7 @@
           </p:sp>
           <p:sp>
             <p:nvSpPr>
-              <p:cNvPr id="93" name="圆角矩形 92"/>
+              <p:cNvPr id="21" name="圆角矩形 92"/>
               <p:cNvSpPr/>
               <p:nvPr/>
             </p:nvSpPr>
@@ -6534,7 +6417,7 @@
           </p:sp>
           <p:cxnSp>
             <p:nvCxnSpPr>
-              <p:cNvPr id="95" name="直接箭头连接符 94"/>
+              <p:cNvPr id="22" name="直接箭头连接符 94"/>
               <p:cNvCxnSpPr/>
               <p:nvPr/>
             </p:nvCxnSpPr>
@@ -6571,7 +6454,7 @@
           </p:cxnSp>
           <p:grpSp>
             <p:nvGrpSpPr>
-              <p:cNvPr id="102" name="组合 101"/>
+              <p:cNvPr id="23" name="组合 101"/>
               <p:cNvGrpSpPr/>
               <p:nvPr/>
             </p:nvGrpSpPr>
@@ -6585,7 +6468,7 @@
             </p:grpSpPr>
             <p:cxnSp>
               <p:nvCxnSpPr>
-                <p:cNvPr id="74" name="line2"/>
+                <p:cNvPr id="26" name="line2"/>
                 <p:cNvCxnSpPr/>
                 <p:nvPr/>
               </p:nvCxnSpPr>
@@ -6620,7 +6503,7 @@
             </p:cxnSp>
             <p:sp>
               <p:nvSpPr>
-                <p:cNvPr id="5" name="椭圆 4"/>
+                <p:cNvPr id="27" name="椭圆 4"/>
                 <p:cNvSpPr/>
                 <p:nvPr/>
               </p:nvSpPr>
@@ -6666,7 +6549,7 @@
             </p:sp>
             <p:sp>
               <p:nvSpPr>
-                <p:cNvPr id="75" name="椭圆 74"/>
+                <p:cNvPr id="28" name="椭圆 74"/>
                 <p:cNvSpPr/>
                 <p:nvPr/>
               </p:nvSpPr>
@@ -6712,7 +6595,7 @@
             </p:sp>
             <p:cxnSp>
               <p:nvCxnSpPr>
-                <p:cNvPr id="9" name="直接连接符 8"/>
+                <p:cNvPr id="29" name="直接连接符 8"/>
                 <p:cNvCxnSpPr/>
                 <p:nvPr/>
               </p:nvCxnSpPr>
@@ -6747,7 +6630,7 @@
             </p:cxnSp>
             <p:cxnSp>
               <p:nvCxnSpPr>
-                <p:cNvPr id="76" name="直接连接符 75"/>
+                <p:cNvPr id="30" name="直接连接符 75"/>
                 <p:cNvCxnSpPr/>
                 <p:nvPr/>
               </p:nvCxnSpPr>
@@ -6782,7 +6665,7 @@
             </p:cxnSp>
             <p:cxnSp>
               <p:nvCxnSpPr>
-                <p:cNvPr id="77" name="直接箭头连接符 76"/>
+                <p:cNvPr id="31" name="直接箭头连接符 76"/>
                 <p:cNvCxnSpPr/>
                 <p:nvPr/>
               </p:nvCxnSpPr>
@@ -6819,7 +6702,7 @@
             </p:cxnSp>
             <p:sp>
               <p:nvSpPr>
-                <p:cNvPr id="78" name="TextBox 77"/>
+                <p:cNvPr id="32" name="TextBox 31"/>
                 <p:cNvSpPr txBox="1"/>
                 <p:nvPr/>
               </p:nvSpPr>
@@ -6853,7 +6736,7 @@
             </p:sp>
             <p:cxnSp>
               <p:nvCxnSpPr>
-                <p:cNvPr id="82" name="直接箭头连接符 81"/>
+                <p:cNvPr id="33" name="直接箭头连接符 81"/>
                 <p:cNvCxnSpPr/>
                 <p:nvPr/>
               </p:nvCxnSpPr>
@@ -6890,7 +6773,7 @@
             </p:cxnSp>
             <p:sp>
               <p:nvSpPr>
-                <p:cNvPr id="83" name="TextBox 82"/>
+                <p:cNvPr id="34" name="TextBox 33"/>
                 <p:cNvSpPr txBox="1"/>
                 <p:nvPr/>
               </p:nvSpPr>
@@ -6933,7 +6816,7 @@
             </p:sp>
             <p:cxnSp>
               <p:nvCxnSpPr>
-                <p:cNvPr id="85" name="直接箭头连接符 84"/>
+                <p:cNvPr id="35" name="直接箭头连接符 84"/>
                 <p:cNvCxnSpPr/>
                 <p:nvPr/>
               </p:nvCxnSpPr>
@@ -6970,7 +6853,7 @@
             </p:cxnSp>
             <p:sp>
               <p:nvSpPr>
-                <p:cNvPr id="86" name="TextBox 85"/>
+                <p:cNvPr id="36" name="TextBox 35"/>
                 <p:cNvSpPr txBox="1"/>
                 <p:nvPr/>
               </p:nvSpPr>
@@ -7013,7 +6896,7 @@
             </p:sp>
             <p:cxnSp>
               <p:nvCxnSpPr>
-                <p:cNvPr id="88" name="直接箭头连接符 87"/>
+                <p:cNvPr id="37" name="直接箭头连接符 87"/>
                 <p:cNvCxnSpPr/>
                 <p:nvPr/>
               </p:nvCxnSpPr>
@@ -7050,7 +6933,7 @@
             </p:cxnSp>
             <p:sp>
               <p:nvSpPr>
-                <p:cNvPr id="89" name="TextBox 88"/>
+                <p:cNvPr id="38" name="TextBox 37"/>
                 <p:cNvSpPr txBox="1"/>
                 <p:nvPr/>
               </p:nvSpPr>
@@ -7093,7 +6976,7 @@
             </p:sp>
             <p:cxnSp>
               <p:nvCxnSpPr>
-                <p:cNvPr id="90" name="直接箭头连接符 89"/>
+                <p:cNvPr id="39" name="直接箭头连接符 89"/>
                 <p:cNvCxnSpPr/>
                 <p:nvPr/>
               </p:nvCxnSpPr>
@@ -7130,7 +7013,7 @@
             </p:cxnSp>
             <p:sp>
               <p:nvSpPr>
-                <p:cNvPr id="91" name="TextBox 90"/>
+                <p:cNvPr id="40" name="TextBox 39"/>
                 <p:cNvSpPr txBox="1"/>
                 <p:nvPr/>
               </p:nvSpPr>
@@ -7173,7 +7056,7 @@
             </p:sp>
             <p:sp>
               <p:nvSpPr>
-                <p:cNvPr id="96" name="圆角矩形 95"/>
+                <p:cNvPr id="41" name="圆角矩形 95"/>
                 <p:cNvSpPr/>
                 <p:nvPr/>
               </p:nvSpPr>
@@ -7220,7 +7103,7 @@
             </p:sp>
             <p:cxnSp>
               <p:nvCxnSpPr>
-                <p:cNvPr id="100" name="直接连接符 99"/>
+                <p:cNvPr id="42" name="直接连接符 99"/>
                 <p:cNvCxnSpPr/>
                 <p:nvPr/>
               </p:nvCxnSpPr>
@@ -7256,7 +7139,7 @@
             </p:cxnSp>
             <p:sp>
               <p:nvSpPr>
-                <p:cNvPr id="101" name="TextBox 100"/>
+                <p:cNvPr id="43" name="TextBox 42"/>
                 <p:cNvSpPr txBox="1"/>
                 <p:nvPr/>
               </p:nvSpPr>
@@ -7292,7 +7175,7 @@
             </p:sp>
             <p:cxnSp>
               <p:nvCxnSpPr>
-                <p:cNvPr id="81" name="直接箭头连接符 80"/>
+                <p:cNvPr id="44" name="直接箭头连接符 80"/>
                 <p:cNvCxnSpPr/>
                 <p:nvPr/>
               </p:nvCxnSpPr>
@@ -7329,7 +7212,7 @@
             </p:cxnSp>
             <p:sp>
               <p:nvSpPr>
-                <p:cNvPr id="87" name="TextBox 77"/>
+                <p:cNvPr id="45" name="TextBox 77"/>
                 <p:cNvSpPr txBox="1"/>
                 <p:nvPr/>
               </p:nvSpPr>
@@ -7373,7 +7256,7 @@
             </p:sp>
             <p:sp>
               <p:nvSpPr>
-                <p:cNvPr id="92" name="TextBox 77"/>
+                <p:cNvPr id="46" name="TextBox 77"/>
                 <p:cNvSpPr txBox="1"/>
                 <p:nvPr/>
               </p:nvSpPr>
@@ -7416,273 +7299,9 @@
               </p:txBody>
             </p:sp>
           </p:grpSp>
-          <p:grpSp>
-            <p:nvGrpSpPr>
-              <p:cNvPr id="119" name="组合 118"/>
-              <p:cNvGrpSpPr/>
-              <p:nvPr/>
-            </p:nvGrpSpPr>
-            <p:grpSpPr>
-              <a:xfrm>
-                <a:off x="1072196" y="3284984"/>
-                <a:ext cx="6651589" cy="2642810"/>
-                <a:chOff x="1232779" y="3738518"/>
-                <a:chExt cx="6651589" cy="2642810"/>
-              </a:xfrm>
-            </p:grpSpPr>
-            <p:sp>
-              <p:nvSpPr>
-                <p:cNvPr id="111" name="文本框 37"/>
-                <p:cNvSpPr txBox="1"/>
-                <p:nvPr/>
-              </p:nvSpPr>
-              <p:spPr>
-                <a:xfrm>
-                  <a:off x="1232779" y="3738518"/>
-                  <a:ext cx="467544" cy="338554"/>
-                </a:xfrm>
-                <a:prstGeom prst="rect">
-                  <a:avLst/>
-                </a:prstGeom>
-                <a:noFill/>
-              </p:spPr>
-              <p:txBody>
-                <a:bodyPr wrap="square" rtlCol="0">
-                  <a:spAutoFit/>
-                </a:bodyPr>
-                <a:lstStyle/>
-                <a:p>
-                  <a:r>
-                    <a:rPr lang="en-US" altLang="zh-CN" sz="1600" dirty="0" smtClean="0">
-                      <a:latin typeface="Times New Roman" panose="02020603050405020304" pitchFamily="18" charset="0"/>
-                      <a:cs typeface="Times New Roman" panose="02020603050405020304" pitchFamily="18" charset="0"/>
-                    </a:rPr>
-                    <a:t>(b)</a:t>
-                  </a:r>
-                  <a:endParaRPr lang="zh-CN" altLang="en-US" sz="1600" dirty="0">
-                    <a:latin typeface="Times New Roman" panose="02020603050405020304" pitchFamily="18" charset="0"/>
-                    <a:cs typeface="Times New Roman" panose="02020603050405020304" pitchFamily="18" charset="0"/>
-                  </a:endParaRPr>
-                </a:p>
-              </p:txBody>
-            </p:sp>
-            <p:pic>
-              <p:nvPicPr>
-                <p:cNvPr id="1027" name="Picture 3" descr="D:\BaiduTongBu\OE\fig1\fig1b_origin.jpg"/>
-                <p:cNvPicPr>
-                  <a:picLocks noChangeAspect="1" noChangeArrowheads="1"/>
-                </p:cNvPicPr>
-                <p:nvPr/>
-              </p:nvPicPr>
-              <p:blipFill>
-                <a:blip r:embed="rId3" cstate="print">
-                  <a:extLst>
-                    <a:ext uri="{28A0092B-C50C-407E-A947-70E740481C1C}">
-                      <a14:useLocalDpi xmlns:a14="http://schemas.microsoft.com/office/drawing/2010/main" val="0"/>
-                    </a:ext>
-                  </a:extLst>
-                </a:blip>
-                <a:srcRect/>
-                <a:stretch>
-                  <a:fillRect/>
-                </a:stretch>
-              </p:blipFill>
-              <p:spPr bwMode="auto">
-                <a:xfrm>
-                  <a:off x="1338522" y="4077072"/>
-                  <a:ext cx="2976330" cy="2232248"/>
-                </a:xfrm>
-                <a:prstGeom prst="rect">
-                  <a:avLst/>
-                </a:prstGeom>
-                <a:noFill/>
-                <a:extLst>
-                  <a:ext uri="{909E8E84-426E-40DD-AFC4-6F175D3DCCD1}">
-                    <a14:hiddenFill xmlns:a14="http://schemas.microsoft.com/office/drawing/2010/main">
-                      <a:solidFill>
-                        <a:srgbClr val="FFFFFF"/>
-                      </a:solidFill>
-                    </a14:hiddenFill>
-                  </a:ext>
-                </a:extLst>
-              </p:spPr>
-            </p:pic>
-            <p:pic>
-              <p:nvPicPr>
-                <p:cNvPr id="1028" name="Picture 4" descr="D:\BaiduTongBu\OE\fig1\fig1b_origin_small_part.jpg"/>
-                <p:cNvPicPr>
-                  <a:picLocks noChangeAspect="1" noChangeArrowheads="1"/>
-                </p:cNvPicPr>
-                <p:nvPr/>
-              </p:nvPicPr>
-              <p:blipFill>
-                <a:blip r:embed="rId4" cstate="print">
-                  <a:extLst>
-                    <a:ext uri="{28A0092B-C50C-407E-A947-70E740481C1C}">
-                      <a14:useLocalDpi xmlns:a14="http://schemas.microsoft.com/office/drawing/2010/main" val="0"/>
-                    </a:ext>
-                  </a:extLst>
-                </a:blip>
-                <a:srcRect/>
-                <a:stretch>
-                  <a:fillRect/>
-                </a:stretch>
-              </p:blipFill>
-              <p:spPr bwMode="auto">
-                <a:xfrm>
-                  <a:off x="4773146" y="4063212"/>
-                  <a:ext cx="2965755" cy="2224316"/>
-                </a:xfrm>
-                <a:prstGeom prst="rect">
-                  <a:avLst/>
-                </a:prstGeom>
-                <a:noFill/>
-                <a:extLst>
-                  <a:ext uri="{909E8E84-426E-40DD-AFC4-6F175D3DCCD1}">
-                    <a14:hiddenFill xmlns:a14="http://schemas.microsoft.com/office/drawing/2010/main">
-                      <a:solidFill>
-                        <a:srgbClr val="FFFFFF"/>
-                      </a:solidFill>
-                    </a14:hiddenFill>
-                  </a:ext>
-                </a:extLst>
-              </p:spPr>
-            </p:pic>
-            <p:sp>
-              <p:nvSpPr>
-                <p:cNvPr id="115" name="圆角矩形 114"/>
-                <p:cNvSpPr/>
-                <p:nvPr/>
-              </p:nvSpPr>
-              <p:spPr>
-                <a:xfrm>
-                  <a:off x="2577004" y="4133923"/>
-                  <a:ext cx="482828" cy="231181"/>
-                </a:xfrm>
-                <a:prstGeom prst="roundRect">
-                  <a:avLst/>
-                </a:prstGeom>
-                <a:noFill/>
-                <a:ln w="6350">
-                  <a:solidFill>
-                    <a:schemeClr val="tx1"/>
-                  </a:solidFill>
-                  <a:prstDash val="solid"/>
-                </a:ln>
-              </p:spPr>
-              <p:style>
-                <a:lnRef idx="2">
-                  <a:schemeClr val="accent1">
-                    <a:shade val="50000"/>
-                  </a:schemeClr>
-                </a:lnRef>
-                <a:fillRef idx="1">
-                  <a:schemeClr val="accent1"/>
-                </a:fillRef>
-                <a:effectRef idx="0">
-                  <a:schemeClr val="accent1"/>
-                </a:effectRef>
-                <a:fontRef idx="minor">
-                  <a:schemeClr val="lt1"/>
-                </a:fontRef>
-              </p:style>
-              <p:txBody>
-                <a:bodyPr rtlCol="0" anchor="ctr"/>
-                <a:lstStyle/>
-                <a:p>
-                  <a:pPr algn="ctr"/>
-                  <a:endParaRPr lang="zh-CN" altLang="en-US"/>
-                </a:p>
-              </p:txBody>
-            </p:sp>
-            <p:cxnSp>
-              <p:nvCxnSpPr>
-                <p:cNvPr id="116" name="直接箭头连接符 115"/>
-                <p:cNvCxnSpPr/>
-                <p:nvPr/>
-              </p:nvCxnSpPr>
-              <p:spPr>
-                <a:xfrm>
-                  <a:off x="3080105" y="4282721"/>
-                  <a:ext cx="1527533" cy="914441"/>
-                </a:xfrm>
-                <a:prstGeom prst="straightConnector1">
-                  <a:avLst/>
-                </a:prstGeom>
-                <a:ln w="6350">
-                  <a:solidFill>
-                    <a:schemeClr val="tx1"/>
-                  </a:solidFill>
-                  <a:headEnd type="none" w="med" len="med"/>
-                  <a:tailEnd type="triangle" w="med" len="med"/>
-                </a:ln>
-              </p:spPr>
-              <p:style>
-                <a:lnRef idx="1">
-                  <a:schemeClr val="accent1"/>
-                </a:lnRef>
-                <a:fillRef idx="0">
-                  <a:schemeClr val="accent1"/>
-                </a:fillRef>
-                <a:effectRef idx="0">
-                  <a:schemeClr val="accent1"/>
-                </a:effectRef>
-                <a:fontRef idx="minor">
-                  <a:schemeClr val="tx1"/>
-                </a:fontRef>
-              </p:style>
-            </p:cxnSp>
-            <p:sp>
-              <p:nvSpPr>
-                <p:cNvPr id="122" name="圆角矩形 121"/>
-                <p:cNvSpPr/>
-                <p:nvPr/>
-              </p:nvSpPr>
-              <p:spPr>
-                <a:xfrm>
-                  <a:off x="4607638" y="3969413"/>
-                  <a:ext cx="3276730" cy="2411915"/>
-                </a:xfrm>
-                <a:prstGeom prst="roundRect">
-                  <a:avLst/>
-                </a:prstGeom>
-                <a:noFill/>
-                <a:ln w="6350">
-                  <a:solidFill>
-                    <a:schemeClr val="tx1"/>
-                  </a:solidFill>
-                  <a:prstDash val="solid"/>
-                </a:ln>
-              </p:spPr>
-              <p:style>
-                <a:lnRef idx="2">
-                  <a:schemeClr val="accent1">
-                    <a:shade val="50000"/>
-                  </a:schemeClr>
-                </a:lnRef>
-                <a:fillRef idx="1">
-                  <a:schemeClr val="accent1"/>
-                </a:fillRef>
-                <a:effectRef idx="0">
-                  <a:schemeClr val="accent1"/>
-                </a:effectRef>
-                <a:fontRef idx="minor">
-                  <a:schemeClr val="lt1"/>
-                </a:fontRef>
-              </p:style>
-              <p:txBody>
-                <a:bodyPr rtlCol="0" anchor="ctr"/>
-                <a:lstStyle/>
-                <a:p>
-                  <a:pPr algn="ctr"/>
-                  <a:endParaRPr lang="zh-CN" altLang="en-US"/>
-                </a:p>
-              </p:txBody>
-            </p:sp>
-          </p:grpSp>
           <p:cxnSp>
             <p:nvCxnSpPr>
-              <p:cNvPr id="11" name="直接连接符 10"/>
+              <p:cNvPr id="24" name="直接连接符 10"/>
               <p:cNvCxnSpPr/>
               <p:nvPr/>
             </p:nvCxnSpPr>
@@ -7717,60 +7336,156 @@
               </a:fontRef>
             </p:style>
           </p:cxnSp>
+          <p:cxnSp>
+            <p:nvCxnSpPr>
+              <p:cNvPr id="25" name="直接连接符 83"/>
+              <p:cNvCxnSpPr/>
+              <p:nvPr/>
+            </p:nvCxnSpPr>
+            <p:spPr>
+              <a:xfrm>
+                <a:off x="6021909" y="2040910"/>
+                <a:ext cx="180000" cy="3254"/>
+              </a:xfrm>
+              <a:prstGeom prst="line">
+                <a:avLst/>
+              </a:prstGeom>
+              <a:ln>
+                <a:solidFill>
+                  <a:schemeClr val="tx1"/>
+                </a:solidFill>
+              </a:ln>
+            </p:spPr>
+            <p:style>
+              <a:lnRef idx="1">
+                <a:schemeClr val="accent1"/>
+              </a:lnRef>
+              <a:fillRef idx="0">
+                <a:schemeClr val="accent1"/>
+              </a:fillRef>
+              <a:effectRef idx="0">
+                <a:schemeClr val="accent1"/>
+              </a:effectRef>
+              <a:fontRef idx="minor">
+                <a:schemeClr val="tx1"/>
+              </a:fontRef>
+            </p:style>
+          </p:cxnSp>
+          <p:sp>
+            <p:nvSpPr>
+              <p:cNvPr id="82" name="TextBox 81"/>
+              <p:cNvSpPr txBox="1"/>
+              <p:nvPr/>
+            </p:nvSpPr>
+            <p:spPr>
+              <a:xfrm>
+                <a:off x="1437912" y="588482"/>
+                <a:ext cx="411072" cy="307777"/>
+              </a:xfrm>
+              <a:prstGeom prst="rect">
+                <a:avLst/>
+              </a:prstGeom>
+              <a:noFill/>
+            </p:spPr>
+            <p:txBody>
+              <a:bodyPr wrap="square" rtlCol="0">
+                <a:spAutoFit/>
+              </a:bodyPr>
+              <a:lstStyle/>
+              <a:p>
+                <a:r>
+                  <a:rPr lang="en-US" altLang="zh-CN" sz="1400" i="1" dirty="0" smtClean="0">
+                    <a:latin typeface="Times New Roman" pitchFamily="18" charset="0"/>
+                    <a:cs typeface="Times New Roman" pitchFamily="18" charset="0"/>
+                  </a:rPr>
+                  <a:t>S</a:t>
+                </a:r>
+                <a:r>
+                  <a:rPr lang="en-US" altLang="zh-CN" sz="1400" i="1" baseline="-25000" dirty="0" smtClean="0">
+                    <a:latin typeface="Times New Roman" pitchFamily="18" charset="0"/>
+                    <a:cs typeface="Times New Roman" pitchFamily="18" charset="0"/>
+                  </a:rPr>
+                  <a:t>i</a:t>
+                </a:r>
+                <a:endParaRPr lang="zh-CN" altLang="en-US" sz="1400" i="1" baseline="-25000" dirty="0">
+                  <a:latin typeface="Times New Roman" pitchFamily="18" charset="0"/>
+                  <a:cs typeface="Times New Roman" pitchFamily="18" charset="0"/>
+                </a:endParaRPr>
+              </a:p>
+            </p:txBody>
+          </p:sp>
         </p:grpSp>
-        <p:cxnSp>
-          <p:nvCxnSpPr>
-            <p:cNvPr id="84" name="直接连接符 83"/>
-            <p:cNvCxnSpPr/>
+        <p:sp>
+          <p:nvSpPr>
+            <p:cNvPr id="79" name="TextBox 78"/>
+            <p:cNvSpPr txBox="1"/>
             <p:nvPr/>
-          </p:nvCxnSpPr>
+          </p:nvSpPr>
           <p:spPr>
             <a:xfrm>
-              <a:off x="6021909" y="2040910"/>
-              <a:ext cx="180000" cy="3254"/>
+              <a:off x="2682868" y="4066751"/>
+              <a:ext cx="131020" cy="307777"/>
             </a:xfrm>
-            <a:prstGeom prst="line">
+            <a:prstGeom prst="rect">
               <a:avLst/>
             </a:prstGeom>
-            <a:ln>
-              <a:solidFill>
-                <a:schemeClr val="tx1"/>
-              </a:solidFill>
-            </a:ln>
+            <a:noFill/>
           </p:spPr>
-          <p:style>
-            <a:lnRef idx="1">
-              <a:schemeClr val="accent1"/>
-            </a:lnRef>
-            <a:fillRef idx="0">
-              <a:schemeClr val="accent1"/>
-            </a:fillRef>
-            <a:effectRef idx="0">
-              <a:schemeClr val="accent1"/>
-            </a:effectRef>
-            <a:fontRef idx="minor">
-              <a:schemeClr val="tx1"/>
-            </a:fontRef>
-          </p:style>
-        </p:cxnSp>
+          <p:txBody>
+            <a:bodyPr wrap="square" rtlCol="0">
+              <a:spAutoFit/>
+            </a:bodyPr>
+            <a:lstStyle/>
+            <a:p>
+              <a:r>
+                <a:rPr lang="en-US" sz="1400" i="1" dirty="0" err="1" smtClean="0"/>
+                <a:t>i</a:t>
+              </a:r>
+              <a:endParaRPr lang="en-US" sz="1400" i="1" dirty="0"/>
+            </a:p>
+          </p:txBody>
+        </p:sp>
+        <p:sp>
+          <p:nvSpPr>
+            <p:cNvPr id="80" name="TextBox 79"/>
+            <p:cNvSpPr txBox="1"/>
+            <p:nvPr/>
+          </p:nvSpPr>
+          <p:spPr>
+            <a:xfrm>
+              <a:off x="4761622" y="2275457"/>
+              <a:ext cx="131020" cy="307777"/>
+            </a:xfrm>
+            <a:prstGeom prst="rect">
+              <a:avLst/>
+            </a:prstGeom>
+            <a:noFill/>
+          </p:spPr>
+          <p:txBody>
+            <a:bodyPr wrap="square" rtlCol="0">
+              <a:spAutoFit/>
+            </a:bodyPr>
+            <a:lstStyle/>
+            <a:p>
+              <a:r>
+                <a:rPr lang="en-US" sz="1400" i="1" dirty="0" err="1" smtClean="0"/>
+                <a:t>i</a:t>
+              </a:r>
+              <a:endParaRPr lang="en-US" sz="1400" i="1" dirty="0"/>
+            </a:p>
+          </p:txBody>
+        </p:sp>
       </p:grpSp>
     </p:spTree>
     <p:extLst>
       <p:ext uri="{BB962C8B-B14F-4D97-AF65-F5344CB8AC3E}">
-        <p14:creationId xmlns:p14="http://schemas.microsoft.com/office/powerpoint/2010/main" val="1006018623"/>
+        <p14:creationId xmlns:p14="http://schemas.microsoft.com/office/powerpoint/2010/main" val="3491150987"/>
       </p:ext>
     </p:extLst>
   </p:cSld>
   <p:clrMapOvr>
     <a:masterClrMapping/>
   </p:clrMapOvr>
-  <p:timing>
-    <p:tnLst>
-      <p:par>
-        <p:cTn id="1" dur="indefinite" restart="never" nodeType="tmRoot"/>
-      </p:par>
-    </p:tnLst>
-  </p:timing>
 </p:sld>
 </file>
 
@@ -7793,28 +7508,28 @@
       </p:grpSpPr>
       <p:grpSp>
         <p:nvGrpSpPr>
-          <p:cNvPr id="11" name="组合 10"/>
+          <p:cNvPr id="4" name="组合 118"/>
           <p:cNvGrpSpPr/>
           <p:nvPr/>
         </p:nvGrpSpPr>
         <p:grpSpPr>
           <a:xfrm>
-            <a:off x="1907704" y="2138763"/>
-            <a:ext cx="4794597" cy="2191937"/>
-            <a:chOff x="1907704" y="2138763"/>
-            <a:chExt cx="4794597" cy="2191937"/>
+            <a:off x="1187624" y="1628800"/>
+            <a:ext cx="6545846" cy="2411915"/>
+            <a:chOff x="1338522" y="3969413"/>
+            <a:chExt cx="6545846" cy="2411915"/>
           </a:xfrm>
         </p:grpSpPr>
         <p:pic>
           <p:nvPicPr>
-            <p:cNvPr id="2054" name="Picture 6" descr="fig2(a)"/>
+            <p:cNvPr id="6" name="Picture 3" descr="D:\BaiduTongBu\OE\fig1\fig1b_origin.jpg"/>
             <p:cNvPicPr>
               <a:picLocks noChangeAspect="1" noChangeArrowheads="1"/>
             </p:cNvPicPr>
             <p:nvPr/>
           </p:nvPicPr>
           <p:blipFill>
-            <a:blip r:embed="rId2">
+            <a:blip r:embed="rId2" cstate="print">
               <a:extLst>
                 <a:ext uri="{28A0092B-C50C-407E-A947-70E740481C1C}">
                   <a14:useLocalDpi xmlns:a14="http://schemas.microsoft.com/office/drawing/2010/main" val="0"/>
@@ -7828,16 +7543,13 @@
           </p:blipFill>
           <p:spPr bwMode="auto">
             <a:xfrm>
-              <a:off x="1907704" y="2165350"/>
-              <a:ext cx="2346325" cy="2165350"/>
+              <a:off x="1338522" y="4077072"/>
+              <a:ext cx="2976330" cy="2232248"/>
             </a:xfrm>
             <a:prstGeom prst="rect">
               <a:avLst/>
             </a:prstGeom>
             <a:noFill/>
-            <a:ln>
-              <a:noFill/>
-            </a:ln>
             <a:extLst>
               <a:ext uri="{909E8E84-426E-40DD-AFC4-6F175D3DCCD1}">
                 <a14:hiddenFill xmlns:a14="http://schemas.microsoft.com/office/drawing/2010/main">
@@ -7846,29 +7558,19 @@
                   </a:solidFill>
                 </a14:hiddenFill>
               </a:ext>
-              <a:ext uri="{91240B29-F687-4F45-9708-019B960494DF}">
-                <a14:hiddenLine xmlns:a14="http://schemas.microsoft.com/office/drawing/2010/main" w="9525">
-                  <a:solidFill>
-                    <a:srgbClr val="000000"/>
-                  </a:solidFill>
-                  <a:miter lim="800000"/>
-                  <a:headEnd/>
-                  <a:tailEnd/>
-                </a14:hiddenLine>
-              </a:ext>
             </a:extLst>
           </p:spPr>
         </p:pic>
         <p:pic>
           <p:nvPicPr>
-            <p:cNvPr id="2055" name="Picture 7" descr="fig2(b)"/>
+            <p:cNvPr id="7" name="Picture 4" descr="D:\BaiduTongBu\OE\fig1\fig1b_origin_small_part.jpg"/>
             <p:cNvPicPr>
               <a:picLocks noChangeAspect="1" noChangeArrowheads="1"/>
             </p:cNvPicPr>
             <p:nvPr/>
           </p:nvPicPr>
           <p:blipFill>
-            <a:blip r:embed="rId3">
+            <a:blip r:embed="rId3" cstate="print">
               <a:extLst>
                 <a:ext uri="{28A0092B-C50C-407E-A947-70E740481C1C}">
                   <a14:useLocalDpi xmlns:a14="http://schemas.microsoft.com/office/drawing/2010/main" val="0"/>
@@ -7882,16 +7584,13 @@
           </p:blipFill>
           <p:spPr bwMode="auto">
             <a:xfrm>
-              <a:off x="4355976" y="2138763"/>
-              <a:ext cx="2346325" cy="2165350"/>
+              <a:off x="4773146" y="4063212"/>
+              <a:ext cx="2965755" cy="2224316"/>
             </a:xfrm>
             <a:prstGeom prst="rect">
               <a:avLst/>
             </a:prstGeom>
             <a:noFill/>
-            <a:ln>
-              <a:noFill/>
-            </a:ln>
             <a:extLst>
               <a:ext uri="{909E8E84-426E-40DD-AFC4-6F175D3DCCD1}">
                 <a14:hiddenFill xmlns:a14="http://schemas.microsoft.com/office/drawing/2010/main">
@@ -7900,88 +7599,137 @@
                   </a:solidFill>
                 </a14:hiddenFill>
               </a:ext>
-              <a:ext uri="{91240B29-F687-4F45-9708-019B960494DF}">
-                <a14:hiddenLine xmlns:a14="http://schemas.microsoft.com/office/drawing/2010/main" w="9525">
-                  <a:solidFill>
-                    <a:srgbClr val="000000"/>
-                  </a:solidFill>
-                  <a:miter lim="800000"/>
-                  <a:headEnd/>
-                  <a:tailEnd/>
-                </a14:hiddenLine>
-              </a:ext>
             </a:extLst>
           </p:spPr>
         </p:pic>
         <p:sp>
           <p:nvSpPr>
-            <p:cNvPr id="24" name="文本框 37"/>
-            <p:cNvSpPr txBox="1"/>
+            <p:cNvPr id="8" name="圆角矩形 114"/>
+            <p:cNvSpPr/>
             <p:nvPr/>
           </p:nvSpPr>
           <p:spPr>
             <a:xfrm>
-              <a:off x="2411760" y="2164282"/>
-              <a:ext cx="343844" cy="248339"/>
+              <a:off x="2577004" y="4133923"/>
+              <a:ext cx="482828" cy="231181"/>
             </a:xfrm>
-            <a:prstGeom prst="rect">
+            <a:prstGeom prst="roundRect">
               <a:avLst/>
             </a:prstGeom>
             <a:noFill/>
+            <a:ln w="6350">
+              <a:solidFill>
+                <a:schemeClr val="tx1"/>
+              </a:solidFill>
+              <a:prstDash val="solid"/>
+            </a:ln>
           </p:spPr>
+          <p:style>
+            <a:lnRef idx="2">
+              <a:schemeClr val="accent1">
+                <a:shade val="50000"/>
+              </a:schemeClr>
+            </a:lnRef>
+            <a:fillRef idx="1">
+              <a:schemeClr val="accent1"/>
+            </a:fillRef>
+            <a:effectRef idx="0">
+              <a:schemeClr val="accent1"/>
+            </a:effectRef>
+            <a:fontRef idx="minor">
+              <a:schemeClr val="lt1"/>
+            </a:fontRef>
+          </p:style>
           <p:txBody>
-            <a:bodyPr wrap="square" rtlCol="0">
-              <a:spAutoFit/>
-            </a:bodyPr>
+            <a:bodyPr rtlCol="0" anchor="ctr"/>
             <a:lstStyle/>
             <a:p>
-              <a:r>
-                <a:rPr lang="en-US" altLang="zh-CN" sz="1000" dirty="0" smtClean="0">
-                  <a:latin typeface="Times New Roman" panose="02020603050405020304" pitchFamily="18" charset="0"/>
-                  <a:cs typeface="Times New Roman" panose="02020603050405020304" pitchFamily="18" charset="0"/>
-                </a:rPr>
-                <a:t>(a)</a:t>
-              </a:r>
-              <a:endParaRPr lang="zh-CN" altLang="en-US" sz="1000" dirty="0">
-                <a:latin typeface="Times New Roman" panose="02020603050405020304" pitchFamily="18" charset="0"/>
-                <a:cs typeface="Times New Roman" panose="02020603050405020304" pitchFamily="18" charset="0"/>
-              </a:endParaRPr>
+              <a:pPr algn="ctr"/>
+              <a:endParaRPr lang="zh-CN" altLang="en-US"/>
             </a:p>
           </p:txBody>
         </p:sp>
+        <p:cxnSp>
+          <p:nvCxnSpPr>
+            <p:cNvPr id="9" name="直接箭头连接符 115"/>
+            <p:cNvCxnSpPr/>
+            <p:nvPr/>
+          </p:nvCxnSpPr>
+          <p:spPr>
+            <a:xfrm>
+              <a:off x="3080105" y="4282721"/>
+              <a:ext cx="1527533" cy="914441"/>
+            </a:xfrm>
+            <a:prstGeom prst="straightConnector1">
+              <a:avLst/>
+            </a:prstGeom>
+            <a:ln w="6350">
+              <a:solidFill>
+                <a:schemeClr val="tx1"/>
+              </a:solidFill>
+              <a:headEnd type="none" w="med" len="med"/>
+              <a:tailEnd type="triangle" w="med" len="med"/>
+            </a:ln>
+          </p:spPr>
+          <p:style>
+            <a:lnRef idx="1">
+              <a:schemeClr val="accent1"/>
+            </a:lnRef>
+            <a:fillRef idx="0">
+              <a:schemeClr val="accent1"/>
+            </a:fillRef>
+            <a:effectRef idx="0">
+              <a:schemeClr val="accent1"/>
+            </a:effectRef>
+            <a:fontRef idx="minor">
+              <a:schemeClr val="tx1"/>
+            </a:fontRef>
+          </p:style>
+        </p:cxnSp>
         <p:sp>
           <p:nvSpPr>
-            <p:cNvPr id="26" name="文本框 37"/>
-            <p:cNvSpPr txBox="1"/>
+            <p:cNvPr id="10" name="圆角矩形 121"/>
+            <p:cNvSpPr/>
             <p:nvPr/>
           </p:nvSpPr>
           <p:spPr>
             <a:xfrm>
-              <a:off x="4788024" y="2164282"/>
-              <a:ext cx="343844" cy="248339"/>
+              <a:off x="4607638" y="3969413"/>
+              <a:ext cx="3276730" cy="2411915"/>
             </a:xfrm>
-            <a:prstGeom prst="rect">
+            <a:prstGeom prst="roundRect">
               <a:avLst/>
             </a:prstGeom>
             <a:noFill/>
+            <a:ln w="6350">
+              <a:solidFill>
+                <a:schemeClr val="tx1"/>
+              </a:solidFill>
+              <a:prstDash val="solid"/>
+            </a:ln>
           </p:spPr>
+          <p:style>
+            <a:lnRef idx="2">
+              <a:schemeClr val="accent1">
+                <a:shade val="50000"/>
+              </a:schemeClr>
+            </a:lnRef>
+            <a:fillRef idx="1">
+              <a:schemeClr val="accent1"/>
+            </a:fillRef>
+            <a:effectRef idx="0">
+              <a:schemeClr val="accent1"/>
+            </a:effectRef>
+            <a:fontRef idx="minor">
+              <a:schemeClr val="lt1"/>
+            </a:fontRef>
+          </p:style>
           <p:txBody>
-            <a:bodyPr wrap="square" rtlCol="0">
-              <a:spAutoFit/>
-            </a:bodyPr>
+            <a:bodyPr rtlCol="0" anchor="ctr"/>
             <a:lstStyle/>
             <a:p>
-              <a:r>
-                <a:rPr lang="en-US" altLang="zh-CN" sz="1000" dirty="0" smtClean="0">
-                  <a:latin typeface="Times New Roman" panose="02020603050405020304" pitchFamily="18" charset="0"/>
-                  <a:cs typeface="Times New Roman" panose="02020603050405020304" pitchFamily="18" charset="0"/>
-                </a:rPr>
-                <a:t>(b)</a:t>
-              </a:r>
-              <a:endParaRPr lang="zh-CN" altLang="en-US" sz="1000" dirty="0">
-                <a:latin typeface="Times New Roman" panose="02020603050405020304" pitchFamily="18" charset="0"/>
-                <a:cs typeface="Times New Roman" panose="02020603050405020304" pitchFamily="18" charset="0"/>
-              </a:endParaRPr>
+              <a:pPr algn="ctr"/>
+              <a:endParaRPr lang="zh-CN" altLang="en-US"/>
             </a:p>
           </p:txBody>
         </p:sp>
@@ -7989,20 +7737,13 @@
     </p:spTree>
     <p:extLst>
       <p:ext uri="{BB962C8B-B14F-4D97-AF65-F5344CB8AC3E}">
-        <p14:creationId xmlns:p14="http://schemas.microsoft.com/office/powerpoint/2010/main" val="2195804120"/>
+        <p14:creationId xmlns:p14="http://schemas.microsoft.com/office/powerpoint/2010/main" val="1339033760"/>
       </p:ext>
     </p:extLst>
   </p:cSld>
   <p:clrMapOvr>
     <a:masterClrMapping/>
   </p:clrMapOvr>
-  <p:timing>
-    <p:tnLst>
-      <p:par>
-        <p:cTn id="1" dur="indefinite" restart="never" nodeType="tmRoot"/>
-      </p:par>
-    </p:tnLst>
-  </p:timing>
 </p:sld>
 </file>
 
@@ -8025,195 +7766,626 @@
       </p:grpSpPr>
       <p:grpSp>
         <p:nvGrpSpPr>
-          <p:cNvPr id="5" name="组合 4"/>
+          <p:cNvPr id="8" name="Group 7"/>
           <p:cNvGrpSpPr/>
           <p:nvPr/>
         </p:nvGrpSpPr>
         <p:grpSpPr>
           <a:xfrm>
-            <a:off x="2339752" y="1884515"/>
-            <a:ext cx="4680520" cy="3300247"/>
-            <a:chOff x="2339752" y="1884515"/>
-            <a:chExt cx="4680520" cy="3300247"/>
+            <a:off x="1835696" y="1124744"/>
+            <a:ext cx="4706677" cy="3355208"/>
+            <a:chOff x="1835696" y="1124744"/>
+            <a:chExt cx="4706677" cy="3355208"/>
           </a:xfrm>
         </p:grpSpPr>
-        <p:pic>
-          <p:nvPicPr>
-            <p:cNvPr id="4102" name="Picture 6" descr="fig3 c"/>
-            <p:cNvPicPr>
-              <a:picLocks noChangeAspect="1" noChangeArrowheads="1"/>
-            </p:cNvPicPr>
+        <p:grpSp>
+          <p:nvGrpSpPr>
+            <p:cNvPr id="6" name="Group 5"/>
+            <p:cNvGrpSpPr/>
             <p:nvPr/>
-          </p:nvPicPr>
-          <p:blipFill>
-            <a:blip r:embed="rId2">
-              <a:extLst>
-                <a:ext uri="{28A0092B-C50C-407E-A947-70E740481C1C}">
-                  <a14:useLocalDpi xmlns:a14="http://schemas.microsoft.com/office/drawing/2010/main" val="0"/>
-                </a:ext>
-              </a:extLst>
-            </a:blip>
-            <a:srcRect/>
-            <a:stretch>
-              <a:fillRect/>
-            </a:stretch>
-          </p:blipFill>
-          <p:spPr bwMode="auto">
+          </p:nvGrpSpPr>
+          <p:grpSpPr>
             <a:xfrm>
-              <a:off x="4673947" y="3563925"/>
-              <a:ext cx="2346325" cy="1620837"/>
+              <a:off x="1835696" y="1124744"/>
+              <a:ext cx="4706677" cy="3297071"/>
+              <a:chOff x="1835696" y="1124744"/>
+              <a:chExt cx="4706677" cy="3297071"/>
             </a:xfrm>
-            <a:prstGeom prst="rect">
-              <a:avLst/>
-            </a:prstGeom>
-            <a:noFill/>
-            <a:ln>
-              <a:noFill/>
-            </a:ln>
-            <a:extLst>
-              <a:ext uri="{909E8E84-426E-40DD-AFC4-6F175D3DCCD1}">
-                <a14:hiddenFill xmlns:a14="http://schemas.microsoft.com/office/drawing/2010/main">
-                  <a:solidFill>
-                    <a:srgbClr val="FFFFFF"/>
-                  </a:solidFill>
-                </a14:hiddenFill>
-              </a:ext>
-              <a:ext uri="{91240B29-F687-4F45-9708-019B960494DF}">
-                <a14:hiddenLine xmlns:a14="http://schemas.microsoft.com/office/drawing/2010/main" w="9525">
-                  <a:solidFill>
-                    <a:srgbClr val="000000"/>
-                  </a:solidFill>
-                  <a:miter lim="800000"/>
-                  <a:headEnd/>
-                  <a:tailEnd/>
-                </a14:hiddenLine>
-              </a:ext>
-            </a:extLst>
-          </p:spPr>
-        </p:pic>
-        <p:pic>
-          <p:nvPicPr>
-            <p:cNvPr id="4098" name="Picture 2" descr="fig3(a)"/>
-            <p:cNvPicPr>
-              <a:picLocks noChangeAspect="1" noChangeArrowheads="1"/>
-            </p:cNvPicPr>
-            <p:nvPr/>
-          </p:nvPicPr>
-          <p:blipFill>
-            <a:blip r:embed="rId3">
-              <a:extLst>
-                <a:ext uri="{28A0092B-C50C-407E-A947-70E740481C1C}">
-                  <a14:useLocalDpi xmlns:a14="http://schemas.microsoft.com/office/drawing/2010/main" val="0"/>
-                </a:ext>
-              </a:extLst>
-            </a:blip>
-            <a:srcRect/>
-            <a:stretch>
-              <a:fillRect/>
-            </a:stretch>
-          </p:blipFill>
-          <p:spPr bwMode="auto">
-            <a:xfrm>
-              <a:off x="2339752" y="1946263"/>
-              <a:ext cx="2346325" cy="3235325"/>
-            </a:xfrm>
-            <a:prstGeom prst="rect">
-              <a:avLst/>
-            </a:prstGeom>
-            <a:noFill/>
-            <a:ln>
-              <a:noFill/>
-            </a:ln>
-            <a:extLst>
-              <a:ext uri="{909E8E84-426E-40DD-AFC4-6F175D3DCCD1}">
-                <a14:hiddenFill xmlns:a14="http://schemas.microsoft.com/office/drawing/2010/main">
-                  <a:solidFill>
-                    <a:srgbClr val="FFFFFF"/>
-                  </a:solidFill>
-                </a14:hiddenFill>
-              </a:ext>
-              <a:ext uri="{91240B29-F687-4F45-9708-019B960494DF}">
-                <a14:hiddenLine xmlns:a14="http://schemas.microsoft.com/office/drawing/2010/main" w="9525">
-                  <a:solidFill>
-                    <a:srgbClr val="000000"/>
-                  </a:solidFill>
-                  <a:miter lim="800000"/>
-                  <a:headEnd/>
-                  <a:tailEnd/>
-                </a14:hiddenLine>
-              </a:ext>
-            </a:extLst>
-          </p:spPr>
-        </p:pic>
-        <p:pic>
-          <p:nvPicPr>
-            <p:cNvPr id="4100" name="Picture 4" descr="fig3 b"/>
-            <p:cNvPicPr>
-              <a:picLocks noChangeAspect="1" noChangeArrowheads="1"/>
-            </p:cNvPicPr>
-            <p:nvPr/>
-          </p:nvPicPr>
-          <p:blipFill>
-            <a:blip r:embed="rId4">
-              <a:extLst>
-                <a:ext uri="{28A0092B-C50C-407E-A947-70E740481C1C}">
-                  <a14:useLocalDpi xmlns:a14="http://schemas.microsoft.com/office/drawing/2010/main" val="0"/>
-                </a:ext>
-              </a:extLst>
-            </a:blip>
-            <a:srcRect/>
-            <a:stretch>
-              <a:fillRect/>
-            </a:stretch>
-          </p:blipFill>
-          <p:spPr bwMode="auto">
-            <a:xfrm>
-              <a:off x="4673947" y="1884515"/>
-              <a:ext cx="2346325" cy="1622425"/>
-            </a:xfrm>
-            <a:prstGeom prst="rect">
-              <a:avLst/>
-            </a:prstGeom>
-            <a:noFill/>
-            <a:ln>
-              <a:noFill/>
-            </a:ln>
-            <a:extLst>
-              <a:ext uri="{909E8E84-426E-40DD-AFC4-6F175D3DCCD1}">
-                <a14:hiddenFill xmlns:a14="http://schemas.microsoft.com/office/drawing/2010/main">
-                  <a:solidFill>
-                    <a:srgbClr val="FFFFFF"/>
-                  </a:solidFill>
-                </a14:hiddenFill>
-              </a:ext>
-              <a:ext uri="{91240B29-F687-4F45-9708-019B960494DF}">
-                <a14:hiddenLine xmlns:a14="http://schemas.microsoft.com/office/drawing/2010/main" w="9525">
-                  <a:solidFill>
-                    <a:srgbClr val="000000"/>
-                  </a:solidFill>
-                  <a:miter lim="800000"/>
-                  <a:headEnd/>
-                  <a:tailEnd/>
-                </a14:hiddenLine>
-              </a:ext>
-            </a:extLst>
-          </p:spPr>
-        </p:pic>
+          </p:grpSpPr>
+          <p:grpSp>
+            <p:nvGrpSpPr>
+              <p:cNvPr id="2" name="Group 1"/>
+              <p:cNvGrpSpPr/>
+              <p:nvPr/>
+            </p:nvGrpSpPr>
+            <p:grpSpPr>
+              <a:xfrm>
+                <a:off x="1835696" y="1124744"/>
+                <a:ext cx="4706677" cy="3297071"/>
+                <a:chOff x="2339752" y="1884517"/>
+                <a:chExt cx="4706677" cy="3297071"/>
+              </a:xfrm>
+            </p:grpSpPr>
+            <p:pic>
+              <p:nvPicPr>
+                <p:cNvPr id="4102" name="Picture 6" descr="fig3 c"/>
+                <p:cNvPicPr>
+                  <a:picLocks noChangeAspect="1" noChangeArrowheads="1"/>
+                </p:cNvPicPr>
+                <p:nvPr/>
+              </p:nvPicPr>
+              <p:blipFill>
+                <a:blip r:embed="rId2">
+                  <a:extLst>
+                    <a:ext uri="{28A0092B-C50C-407E-A947-70E740481C1C}">
+                      <a14:useLocalDpi xmlns:a14="http://schemas.microsoft.com/office/drawing/2010/main" val="0"/>
+                    </a:ext>
+                  </a:extLst>
+                </a:blip>
+                <a:srcRect/>
+                <a:stretch>
+                  <a:fillRect/>
+                </a:stretch>
+              </p:blipFill>
+              <p:spPr bwMode="auto">
+                <a:xfrm>
+                  <a:off x="4679716" y="1943088"/>
+                  <a:ext cx="2346325" cy="1620837"/>
+                </a:xfrm>
+                <a:prstGeom prst="rect">
+                  <a:avLst/>
+                </a:prstGeom>
+                <a:noFill/>
+                <a:ln>
+                  <a:noFill/>
+                </a:ln>
+                <a:extLst>
+                  <a:ext uri="{909E8E84-426E-40DD-AFC4-6F175D3DCCD1}">
+                    <a14:hiddenFill xmlns:a14="http://schemas.microsoft.com/office/drawing/2010/main">
+                      <a:solidFill>
+                        <a:srgbClr val="FFFFFF"/>
+                      </a:solidFill>
+                    </a14:hiddenFill>
+                  </a:ext>
+                  <a:ext uri="{91240B29-F687-4F45-9708-019B960494DF}">
+                    <a14:hiddenLine xmlns:a14="http://schemas.microsoft.com/office/drawing/2010/main" w="9525">
+                      <a:solidFill>
+                        <a:srgbClr val="000000"/>
+                      </a:solidFill>
+                      <a:miter lim="800000"/>
+                      <a:headEnd/>
+                      <a:tailEnd/>
+                    </a14:hiddenLine>
+                  </a:ext>
+                </a:extLst>
+              </p:spPr>
+            </p:pic>
+            <p:pic>
+              <p:nvPicPr>
+                <p:cNvPr id="4098" name="Picture 2" descr="fig3(a)"/>
+                <p:cNvPicPr>
+                  <a:picLocks noChangeAspect="1" noChangeArrowheads="1"/>
+                </p:cNvPicPr>
+                <p:nvPr/>
+              </p:nvPicPr>
+              <p:blipFill>
+                <a:blip r:embed="rId3">
+                  <a:extLst>
+                    <a:ext uri="{28A0092B-C50C-407E-A947-70E740481C1C}">
+                      <a14:useLocalDpi xmlns:a14="http://schemas.microsoft.com/office/drawing/2010/main" val="0"/>
+                    </a:ext>
+                  </a:extLst>
+                </a:blip>
+                <a:srcRect/>
+                <a:stretch>
+                  <a:fillRect/>
+                </a:stretch>
+              </p:blipFill>
+              <p:spPr bwMode="auto">
+                <a:xfrm>
+                  <a:off x="2339752" y="1946263"/>
+                  <a:ext cx="2346325" cy="3235325"/>
+                </a:xfrm>
+                <a:prstGeom prst="rect">
+                  <a:avLst/>
+                </a:prstGeom>
+                <a:noFill/>
+                <a:ln>
+                  <a:noFill/>
+                </a:ln>
+                <a:extLst>
+                  <a:ext uri="{909E8E84-426E-40DD-AFC4-6F175D3DCCD1}">
+                    <a14:hiddenFill xmlns:a14="http://schemas.microsoft.com/office/drawing/2010/main">
+                      <a:solidFill>
+                        <a:srgbClr val="FFFFFF"/>
+                      </a:solidFill>
+                    </a14:hiddenFill>
+                  </a:ext>
+                  <a:ext uri="{91240B29-F687-4F45-9708-019B960494DF}">
+                    <a14:hiddenLine xmlns:a14="http://schemas.microsoft.com/office/drawing/2010/main" w="9525">
+                      <a:solidFill>
+                        <a:srgbClr val="000000"/>
+                      </a:solidFill>
+                      <a:miter lim="800000"/>
+                      <a:headEnd/>
+                      <a:tailEnd/>
+                    </a14:hiddenLine>
+                  </a:ext>
+                </a:extLst>
+              </p:spPr>
+            </p:pic>
+            <p:pic>
+              <p:nvPicPr>
+                <p:cNvPr id="4100" name="Picture 4" descr="fig3 b"/>
+                <p:cNvPicPr>
+                  <a:picLocks noChangeAspect="1" noChangeArrowheads="1"/>
+                </p:cNvPicPr>
+                <p:nvPr/>
+              </p:nvPicPr>
+              <p:blipFill>
+                <a:blip r:embed="rId4">
+                  <a:extLst>
+                    <a:ext uri="{28A0092B-C50C-407E-A947-70E740481C1C}">
+                      <a14:useLocalDpi xmlns:a14="http://schemas.microsoft.com/office/drawing/2010/main" val="0"/>
+                    </a:ext>
+                  </a:extLst>
+                </a:blip>
+                <a:srcRect/>
+                <a:stretch>
+                  <a:fillRect/>
+                </a:stretch>
+              </p:blipFill>
+              <p:spPr bwMode="auto">
+                <a:xfrm>
+                  <a:off x="4700104" y="3541500"/>
+                  <a:ext cx="2346325" cy="1622425"/>
+                </a:xfrm>
+                <a:prstGeom prst="rect">
+                  <a:avLst/>
+                </a:prstGeom>
+                <a:noFill/>
+                <a:ln>
+                  <a:noFill/>
+                </a:ln>
+                <a:extLst>
+                  <a:ext uri="{909E8E84-426E-40DD-AFC4-6F175D3DCCD1}">
+                    <a14:hiddenFill xmlns:a14="http://schemas.microsoft.com/office/drawing/2010/main">
+                      <a:solidFill>
+                        <a:srgbClr val="FFFFFF"/>
+                      </a:solidFill>
+                    </a14:hiddenFill>
+                  </a:ext>
+                  <a:ext uri="{91240B29-F687-4F45-9708-019B960494DF}">
+                    <a14:hiddenLine xmlns:a14="http://schemas.microsoft.com/office/drawing/2010/main" w="9525">
+                      <a:solidFill>
+                        <a:srgbClr val="000000"/>
+                      </a:solidFill>
+                      <a:miter lim="800000"/>
+                      <a:headEnd/>
+                      <a:tailEnd/>
+                    </a14:hiddenLine>
+                  </a:ext>
+                </a:extLst>
+              </p:spPr>
+            </p:pic>
+            <p:sp>
+              <p:nvSpPr>
+                <p:cNvPr id="19" name="文本框 37"/>
+                <p:cNvSpPr txBox="1"/>
+                <p:nvPr/>
+              </p:nvSpPr>
+              <p:spPr>
+                <a:xfrm>
+                  <a:off x="2789314" y="1884517"/>
+                  <a:ext cx="343844" cy="248339"/>
+                </a:xfrm>
+                <a:prstGeom prst="rect">
+                  <a:avLst/>
+                </a:prstGeom>
+                <a:noFill/>
+              </p:spPr>
+              <p:txBody>
+                <a:bodyPr wrap="square" rtlCol="0">
+                  <a:spAutoFit/>
+                </a:bodyPr>
+                <a:lstStyle/>
+                <a:p>
+                  <a:r>
+                    <a:rPr lang="en-US" altLang="zh-CN" sz="1000" dirty="0" smtClean="0">
+                      <a:latin typeface="Times New Roman" panose="02020603050405020304" pitchFamily="18" charset="0"/>
+                      <a:cs typeface="Times New Roman" panose="02020603050405020304" pitchFamily="18" charset="0"/>
+                    </a:rPr>
+                    <a:t>(a)</a:t>
+                  </a:r>
+                  <a:endParaRPr lang="zh-CN" altLang="en-US" sz="1000" dirty="0">
+                    <a:latin typeface="Times New Roman" panose="02020603050405020304" pitchFamily="18" charset="0"/>
+                    <a:cs typeface="Times New Roman" panose="02020603050405020304" pitchFamily="18" charset="0"/>
+                  </a:endParaRPr>
+                </a:p>
+              </p:txBody>
+            </p:sp>
+            <p:sp>
+              <p:nvSpPr>
+                <p:cNvPr id="20" name="文本框 37"/>
+                <p:cNvSpPr txBox="1"/>
+                <p:nvPr/>
+              </p:nvSpPr>
+              <p:spPr>
+                <a:xfrm>
+                  <a:off x="5220072" y="1949770"/>
+                  <a:ext cx="343844" cy="248339"/>
+                </a:xfrm>
+                <a:prstGeom prst="rect">
+                  <a:avLst/>
+                </a:prstGeom>
+                <a:noFill/>
+              </p:spPr>
+              <p:txBody>
+                <a:bodyPr wrap="square" rtlCol="0">
+                  <a:spAutoFit/>
+                </a:bodyPr>
+                <a:lstStyle/>
+                <a:p>
+                  <a:r>
+                    <a:rPr lang="en-US" altLang="zh-CN" sz="1000" dirty="0" smtClean="0">
+                      <a:latin typeface="Times New Roman" panose="02020603050405020304" pitchFamily="18" charset="0"/>
+                      <a:cs typeface="Times New Roman" panose="02020603050405020304" pitchFamily="18" charset="0"/>
+                    </a:rPr>
+                    <a:t>(b)</a:t>
+                  </a:r>
+                  <a:endParaRPr lang="zh-CN" altLang="en-US" sz="1000" dirty="0">
+                    <a:latin typeface="Times New Roman" panose="02020603050405020304" pitchFamily="18" charset="0"/>
+                    <a:cs typeface="Times New Roman" panose="02020603050405020304" pitchFamily="18" charset="0"/>
+                  </a:endParaRPr>
+                </a:p>
+              </p:txBody>
+            </p:sp>
+            <p:sp>
+              <p:nvSpPr>
+                <p:cNvPr id="21" name="文本框 37"/>
+                <p:cNvSpPr txBox="1"/>
+                <p:nvPr/>
+              </p:nvSpPr>
+              <p:spPr>
+                <a:xfrm>
+                  <a:off x="5220072" y="3563925"/>
+                  <a:ext cx="343844" cy="248339"/>
+                </a:xfrm>
+                <a:prstGeom prst="rect">
+                  <a:avLst/>
+                </a:prstGeom>
+                <a:noFill/>
+              </p:spPr>
+              <p:txBody>
+                <a:bodyPr wrap="square" rtlCol="0">
+                  <a:spAutoFit/>
+                </a:bodyPr>
+                <a:lstStyle/>
+                <a:p>
+                  <a:r>
+                    <a:rPr lang="en-US" altLang="zh-CN" sz="1000" dirty="0" smtClean="0">
+                      <a:latin typeface="Times New Roman" panose="02020603050405020304" pitchFamily="18" charset="0"/>
+                      <a:cs typeface="Times New Roman" panose="02020603050405020304" pitchFamily="18" charset="0"/>
+                    </a:rPr>
+                    <a:t>(c)</a:t>
+                  </a:r>
+                  <a:endParaRPr lang="zh-CN" altLang="en-US" sz="1000" dirty="0">
+                    <a:latin typeface="Times New Roman" panose="02020603050405020304" pitchFamily="18" charset="0"/>
+                    <a:cs typeface="Times New Roman" panose="02020603050405020304" pitchFamily="18" charset="0"/>
+                  </a:endParaRPr>
+                </a:p>
+              </p:txBody>
+            </p:sp>
+            <p:sp>
+              <p:nvSpPr>
+                <p:cNvPr id="4" name="TextBox 3"/>
+                <p:cNvSpPr txBox="1"/>
+                <p:nvPr/>
+              </p:nvSpPr>
+              <p:spPr>
+                <a:xfrm>
+                  <a:off x="2795828" y="2111336"/>
+                  <a:ext cx="674660" cy="215444"/>
+                </a:xfrm>
+                <a:prstGeom prst="rect">
+                  <a:avLst/>
+                </a:prstGeom>
+                <a:noFill/>
+              </p:spPr>
+              <p:txBody>
+                <a:bodyPr wrap="square" rtlCol="0">
+                  <a:spAutoFit/>
+                </a:bodyPr>
+                <a:lstStyle/>
+                <a:p>
+                  <a:r>
+                    <a:rPr lang="en-US" altLang="zh-CN" sz="800" i="1" dirty="0" smtClean="0">
+                      <a:latin typeface="Times New Roman" pitchFamily="18" charset="0"/>
+                      <a:cs typeface="Times New Roman" pitchFamily="18" charset="0"/>
+                    </a:rPr>
+                    <a:t>r </a:t>
+                  </a:r>
+                  <a:r>
+                    <a:rPr lang="en-US" altLang="zh-CN" sz="800" dirty="0" smtClean="0">
+                      <a:latin typeface="Times New Roman" pitchFamily="18" charset="0"/>
+                      <a:cs typeface="Times New Roman" pitchFamily="18" charset="0"/>
+                    </a:rPr>
+                    <a:t>= 0.00132</a:t>
+                  </a:r>
+                  <a:endParaRPr lang="zh-CN" altLang="en-US" sz="800" dirty="0">
+                    <a:latin typeface="Times New Roman" pitchFamily="18" charset="0"/>
+                    <a:cs typeface="Times New Roman" pitchFamily="18" charset="0"/>
+                  </a:endParaRPr>
+                </a:p>
+              </p:txBody>
+            </p:sp>
+            <p:sp>
+              <p:nvSpPr>
+                <p:cNvPr id="25" name="TextBox 24"/>
+                <p:cNvSpPr txBox="1"/>
+                <p:nvPr/>
+              </p:nvSpPr>
+              <p:spPr>
+                <a:xfrm>
+                  <a:off x="2795828" y="2565484"/>
+                  <a:ext cx="674660" cy="215444"/>
+                </a:xfrm>
+                <a:prstGeom prst="rect">
+                  <a:avLst/>
+                </a:prstGeom>
+                <a:noFill/>
+              </p:spPr>
+              <p:txBody>
+                <a:bodyPr wrap="square" rtlCol="0">
+                  <a:spAutoFit/>
+                </a:bodyPr>
+                <a:lstStyle/>
+                <a:p>
+                  <a:r>
+                    <a:rPr lang="en-US" altLang="zh-CN" sz="800" i="1" dirty="0" smtClean="0">
+                      <a:latin typeface="Times New Roman" pitchFamily="18" charset="0"/>
+                      <a:cs typeface="Times New Roman" pitchFamily="18" charset="0"/>
+                    </a:rPr>
+                    <a:t>r </a:t>
+                  </a:r>
+                  <a:r>
+                    <a:rPr lang="en-US" altLang="zh-CN" sz="800" dirty="0" smtClean="0">
+                      <a:latin typeface="Times New Roman" pitchFamily="18" charset="0"/>
+                      <a:cs typeface="Times New Roman" pitchFamily="18" charset="0"/>
+                    </a:rPr>
+                    <a:t>= 0.001</a:t>
+                  </a:r>
+                  <a:endParaRPr lang="zh-CN" altLang="en-US" sz="800" dirty="0">
+                    <a:latin typeface="Times New Roman" pitchFamily="18" charset="0"/>
+                    <a:cs typeface="Times New Roman" pitchFamily="18" charset="0"/>
+                  </a:endParaRPr>
+                </a:p>
+              </p:txBody>
+            </p:sp>
+            <p:sp>
+              <p:nvSpPr>
+                <p:cNvPr id="26" name="TextBox 25"/>
+                <p:cNvSpPr txBox="1"/>
+                <p:nvPr/>
+              </p:nvSpPr>
+              <p:spPr>
+                <a:xfrm>
+                  <a:off x="2795828" y="2996952"/>
+                  <a:ext cx="674660" cy="215444"/>
+                </a:xfrm>
+                <a:prstGeom prst="rect">
+                  <a:avLst/>
+                </a:prstGeom>
+                <a:noFill/>
+              </p:spPr>
+              <p:txBody>
+                <a:bodyPr wrap="square" rtlCol="0">
+                  <a:spAutoFit/>
+                </a:bodyPr>
+                <a:lstStyle/>
+                <a:p>
+                  <a:r>
+                    <a:rPr lang="en-US" altLang="zh-CN" sz="800" i="1" dirty="0" smtClean="0">
+                      <a:latin typeface="Times New Roman" pitchFamily="18" charset="0"/>
+                      <a:cs typeface="Times New Roman" pitchFamily="18" charset="0"/>
+                    </a:rPr>
+                    <a:t>r </a:t>
+                  </a:r>
+                  <a:r>
+                    <a:rPr lang="en-US" altLang="zh-CN" sz="800" dirty="0" smtClean="0">
+                      <a:latin typeface="Times New Roman" pitchFamily="18" charset="0"/>
+                      <a:cs typeface="Times New Roman" pitchFamily="18" charset="0"/>
+                    </a:rPr>
+                    <a:t>= 0.00078</a:t>
+                  </a:r>
+                  <a:endParaRPr lang="zh-CN" altLang="en-US" sz="800" dirty="0">
+                    <a:latin typeface="Times New Roman" pitchFamily="18" charset="0"/>
+                    <a:cs typeface="Times New Roman" pitchFamily="18" charset="0"/>
+                  </a:endParaRPr>
+                </a:p>
+              </p:txBody>
+            </p:sp>
+            <p:sp>
+              <p:nvSpPr>
+                <p:cNvPr id="27" name="TextBox 26"/>
+                <p:cNvSpPr txBox="1"/>
+                <p:nvPr/>
+              </p:nvSpPr>
+              <p:spPr>
+                <a:xfrm>
+                  <a:off x="2795828" y="3480836"/>
+                  <a:ext cx="674660" cy="215444"/>
+                </a:xfrm>
+                <a:prstGeom prst="rect">
+                  <a:avLst/>
+                </a:prstGeom>
+                <a:noFill/>
+              </p:spPr>
+              <p:txBody>
+                <a:bodyPr wrap="square" rtlCol="0">
+                  <a:spAutoFit/>
+                </a:bodyPr>
+                <a:lstStyle/>
+                <a:p>
+                  <a:r>
+                    <a:rPr lang="en-US" altLang="zh-CN" sz="800" i="1" dirty="0" smtClean="0">
+                      <a:latin typeface="Times New Roman" pitchFamily="18" charset="0"/>
+                      <a:cs typeface="Times New Roman" pitchFamily="18" charset="0"/>
+                    </a:rPr>
+                    <a:t>r </a:t>
+                  </a:r>
+                  <a:r>
+                    <a:rPr lang="en-US" altLang="zh-CN" sz="800" dirty="0" smtClean="0">
+                      <a:latin typeface="Times New Roman" pitchFamily="18" charset="0"/>
+                      <a:cs typeface="Times New Roman" pitchFamily="18" charset="0"/>
+                    </a:rPr>
+                    <a:t>= 0.00054</a:t>
+                  </a:r>
+                  <a:endParaRPr lang="zh-CN" altLang="en-US" sz="800" dirty="0">
+                    <a:latin typeface="Times New Roman" pitchFamily="18" charset="0"/>
+                    <a:cs typeface="Times New Roman" pitchFamily="18" charset="0"/>
+                  </a:endParaRPr>
+                </a:p>
+              </p:txBody>
+            </p:sp>
+            <p:sp>
+              <p:nvSpPr>
+                <p:cNvPr id="32" name="TextBox 31"/>
+                <p:cNvSpPr txBox="1"/>
+                <p:nvPr/>
+              </p:nvSpPr>
+              <p:spPr>
+                <a:xfrm>
+                  <a:off x="3635896" y="3934192"/>
+                  <a:ext cx="720080" cy="215444"/>
+                </a:xfrm>
+                <a:prstGeom prst="rect">
+                  <a:avLst/>
+                </a:prstGeom>
+                <a:noFill/>
+              </p:spPr>
+              <p:txBody>
+                <a:bodyPr wrap="square" rtlCol="0">
+                  <a:spAutoFit/>
+                </a:bodyPr>
+                <a:lstStyle/>
+                <a:p>
+                  <a:r>
+                    <a:rPr lang="en-US" altLang="zh-CN" sz="800" i="1" dirty="0" smtClean="0">
+                      <a:latin typeface="Times New Roman" pitchFamily="18" charset="0"/>
+                      <a:cs typeface="Times New Roman" pitchFamily="18" charset="0"/>
+                    </a:rPr>
+                    <a:t>r </a:t>
+                  </a:r>
+                  <a:r>
+                    <a:rPr lang="en-US" altLang="zh-CN" sz="800" dirty="0" smtClean="0">
+                      <a:latin typeface="Times New Roman" pitchFamily="18" charset="0"/>
+                      <a:cs typeface="Times New Roman" pitchFamily="18" charset="0"/>
+                    </a:rPr>
+                    <a:t>= 0.000335</a:t>
+                  </a:r>
+                  <a:endParaRPr lang="zh-CN" altLang="en-US" sz="800" dirty="0">
+                    <a:latin typeface="Times New Roman" pitchFamily="18" charset="0"/>
+                    <a:cs typeface="Times New Roman" pitchFamily="18" charset="0"/>
+                  </a:endParaRPr>
+                </a:p>
+              </p:txBody>
+            </p:sp>
+            <p:sp>
+              <p:nvSpPr>
+                <p:cNvPr id="33" name="TextBox 32"/>
+                <p:cNvSpPr txBox="1"/>
+                <p:nvPr/>
+              </p:nvSpPr>
+              <p:spPr>
+                <a:xfrm>
+                  <a:off x="3635896" y="4374343"/>
+                  <a:ext cx="792088" cy="215444"/>
+                </a:xfrm>
+                <a:prstGeom prst="rect">
+                  <a:avLst/>
+                </a:prstGeom>
+                <a:noFill/>
+              </p:spPr>
+              <p:txBody>
+                <a:bodyPr wrap="square" rtlCol="0">
+                  <a:spAutoFit/>
+                </a:bodyPr>
+                <a:lstStyle/>
+                <a:p>
+                  <a:r>
+                    <a:rPr lang="en-US" altLang="zh-CN" sz="800" i="1" dirty="0" smtClean="0">
+                      <a:latin typeface="Times New Roman" pitchFamily="18" charset="0"/>
+                      <a:cs typeface="Times New Roman" pitchFamily="18" charset="0"/>
+                    </a:rPr>
+                    <a:t>r </a:t>
+                  </a:r>
+                  <a:r>
+                    <a:rPr lang="en-US" altLang="zh-CN" sz="800" dirty="0" smtClean="0">
+                      <a:latin typeface="Times New Roman" pitchFamily="18" charset="0"/>
+                      <a:cs typeface="Times New Roman" pitchFamily="18" charset="0"/>
+                    </a:rPr>
+                    <a:t>= 0.0001736</a:t>
+                  </a:r>
+                  <a:endParaRPr lang="zh-CN" altLang="en-US" sz="800" dirty="0">
+                    <a:latin typeface="Times New Roman" pitchFamily="18" charset="0"/>
+                    <a:cs typeface="Times New Roman" pitchFamily="18" charset="0"/>
+                  </a:endParaRPr>
+                </a:p>
+              </p:txBody>
+            </p:sp>
+          </p:grpSp>
+          <p:sp>
+            <p:nvSpPr>
+              <p:cNvPr id="3" name="TextBox 2"/>
+              <p:cNvSpPr txBox="1"/>
+              <p:nvPr/>
+            </p:nvSpPr>
+            <p:spPr>
+              <a:xfrm rot="16200000">
+                <a:off x="944107" y="2472623"/>
+                <a:ext cx="2088232" cy="276999"/>
+              </a:xfrm>
+              <a:prstGeom prst="rect">
+                <a:avLst/>
+              </a:prstGeom>
+              <a:solidFill>
+                <a:schemeClr val="bg1"/>
+              </a:solidFill>
+            </p:spPr>
+            <p:txBody>
+              <a:bodyPr wrap="square" rtlCol="0">
+                <a:spAutoFit/>
+              </a:bodyPr>
+              <a:lstStyle/>
+              <a:p>
+                <a:pPr algn="ctr"/>
+                <a:r>
+                  <a:rPr lang="en-US" sz="1200" dirty="0" smtClean="0"/>
+                  <a:t>Transmission (dB)</a:t>
+                </a:r>
+                <a:endParaRPr lang="en-US" sz="1200" dirty="0"/>
+              </a:p>
+            </p:txBody>
+          </p:sp>
+        </p:grpSp>
         <p:sp>
           <p:nvSpPr>
-            <p:cNvPr id="19" name="文本框 37"/>
+            <p:cNvPr id="7" name="TextBox 6"/>
             <p:cNvSpPr txBox="1"/>
             <p:nvPr/>
           </p:nvSpPr>
           <p:spPr>
             <a:xfrm>
-              <a:off x="2789314" y="1884517"/>
-              <a:ext cx="343844" cy="248339"/>
+              <a:off x="2614792" y="4202953"/>
+              <a:ext cx="1222818" cy="276999"/>
             </a:xfrm>
             <a:prstGeom prst="rect">
               <a:avLst/>
             </a:prstGeom>
-            <a:noFill/>
+            <a:solidFill>
+              <a:schemeClr val="bg1"/>
+            </a:solidFill>
           </p:spPr>
           <p:txBody>
             <a:bodyPr wrap="square" rtlCol="0">
@@ -8221,35 +8393,40 @@
             </a:bodyPr>
             <a:lstStyle/>
             <a:p>
+              <a:pPr algn="ctr"/>
               <a:r>
-                <a:rPr lang="en-US" altLang="zh-CN" sz="1000" dirty="0" smtClean="0">
-                  <a:latin typeface="Times New Roman" panose="02020603050405020304" pitchFamily="18" charset="0"/>
-                  <a:cs typeface="Times New Roman" panose="02020603050405020304" pitchFamily="18" charset="0"/>
-                </a:rPr>
-                <a:t>(a)</a:t>
+                <a:rPr lang="en-US" sz="1200" dirty="0" smtClean="0"/>
+                <a:t>λ (</a:t>
               </a:r>
-              <a:endParaRPr lang="zh-CN" altLang="en-US" sz="1000" dirty="0">
-                <a:latin typeface="Times New Roman" panose="02020603050405020304" pitchFamily="18" charset="0"/>
-                <a:cs typeface="Times New Roman" panose="02020603050405020304" pitchFamily="18" charset="0"/>
-              </a:endParaRPr>
+              <a:r>
+                <a:rPr lang="el-GR" sz="1200" dirty="0" smtClean="0"/>
+                <a:t>μ</a:t>
+              </a:r>
+              <a:r>
+                <a:rPr lang="en-US" sz="1200" dirty="0" smtClean="0"/>
+                <a:t>m)</a:t>
+              </a:r>
+              <a:endParaRPr lang="en-US" sz="1200" dirty="0"/>
             </a:p>
           </p:txBody>
         </p:sp>
         <p:sp>
           <p:nvSpPr>
-            <p:cNvPr id="20" name="文本框 37"/>
+            <p:cNvPr id="22" name="TextBox 21"/>
             <p:cNvSpPr txBox="1"/>
             <p:nvPr/>
           </p:nvSpPr>
           <p:spPr>
             <a:xfrm>
-              <a:off x="5220072" y="1949770"/>
-              <a:ext cx="343844" cy="248339"/>
+              <a:off x="4980275" y="2565053"/>
+              <a:ext cx="1127351" cy="276999"/>
             </a:xfrm>
             <a:prstGeom prst="rect">
               <a:avLst/>
             </a:prstGeom>
-            <a:noFill/>
+            <a:solidFill>
+              <a:schemeClr val="bg1"/>
+            </a:solidFill>
           </p:spPr>
           <p:txBody>
             <a:bodyPr wrap="square" rtlCol="0">
@@ -8257,35 +8434,31 @@
             </a:bodyPr>
             <a:lstStyle/>
             <a:p>
+              <a:pPr algn="ctr"/>
               <a:r>
-                <a:rPr lang="en-US" altLang="zh-CN" sz="1000" dirty="0" smtClean="0">
-                  <a:latin typeface="Times New Roman" panose="02020603050405020304" pitchFamily="18" charset="0"/>
-                  <a:cs typeface="Times New Roman" panose="02020603050405020304" pitchFamily="18" charset="0"/>
-                </a:rPr>
-                <a:t>(b)</a:t>
+                <a:rPr lang="en-US" sz="1200" i="1" dirty="0"/>
+                <a:t>r</a:t>
               </a:r>
-              <a:endParaRPr lang="zh-CN" altLang="en-US" sz="1000" dirty="0">
-                <a:latin typeface="Times New Roman" panose="02020603050405020304" pitchFamily="18" charset="0"/>
-                <a:cs typeface="Times New Roman" panose="02020603050405020304" pitchFamily="18" charset="0"/>
-              </a:endParaRPr>
             </a:p>
           </p:txBody>
         </p:sp>
         <p:sp>
           <p:nvSpPr>
-            <p:cNvPr id="21" name="文本框 37"/>
+            <p:cNvPr id="23" name="TextBox 22"/>
             <p:cNvSpPr txBox="1"/>
             <p:nvPr/>
           </p:nvSpPr>
           <p:spPr>
             <a:xfrm>
-              <a:off x="5220072" y="3563925"/>
-              <a:ext cx="343844" cy="248339"/>
+              <a:off x="4980275" y="4202953"/>
+              <a:ext cx="1127351" cy="276999"/>
             </a:xfrm>
             <a:prstGeom prst="rect">
               <a:avLst/>
             </a:prstGeom>
-            <a:noFill/>
+            <a:solidFill>
+              <a:schemeClr val="bg1"/>
+            </a:solidFill>
           </p:spPr>
           <p:txBody>
             <a:bodyPr wrap="square" rtlCol="0">
@@ -8293,275 +8466,11 @@
             </a:bodyPr>
             <a:lstStyle/>
             <a:p>
+              <a:pPr algn="ctr"/>
               <a:r>
-                <a:rPr lang="en-US" altLang="zh-CN" sz="1000" dirty="0" smtClean="0">
-                  <a:latin typeface="Times New Roman" panose="02020603050405020304" pitchFamily="18" charset="0"/>
-                  <a:cs typeface="Times New Roman" panose="02020603050405020304" pitchFamily="18" charset="0"/>
-                </a:rPr>
-                <a:t>(c)</a:t>
+                <a:rPr lang="en-US" sz="1200" i="1" dirty="0"/>
+                <a:t>r</a:t>
               </a:r>
-              <a:endParaRPr lang="zh-CN" altLang="en-US" sz="1000" dirty="0">
-                <a:latin typeface="Times New Roman" panose="02020603050405020304" pitchFamily="18" charset="0"/>
-                <a:cs typeface="Times New Roman" panose="02020603050405020304" pitchFamily="18" charset="0"/>
-              </a:endParaRPr>
-            </a:p>
-          </p:txBody>
-        </p:sp>
-        <p:sp>
-          <p:nvSpPr>
-            <p:cNvPr id="4" name="TextBox 3"/>
-            <p:cNvSpPr txBox="1"/>
-            <p:nvPr/>
-          </p:nvSpPr>
-          <p:spPr>
-            <a:xfrm>
-              <a:off x="2795828" y="2111336"/>
-              <a:ext cx="674660" cy="215444"/>
-            </a:xfrm>
-            <a:prstGeom prst="rect">
-              <a:avLst/>
-            </a:prstGeom>
-            <a:noFill/>
-          </p:spPr>
-          <p:txBody>
-            <a:bodyPr wrap="square" rtlCol="0">
-              <a:spAutoFit/>
-            </a:bodyPr>
-            <a:lstStyle/>
-            <a:p>
-              <a:r>
-                <a:rPr lang="en-US" altLang="zh-CN" sz="800" i="1" dirty="0" smtClean="0">
-                  <a:latin typeface="Times New Roman" pitchFamily="18" charset="0"/>
-                  <a:cs typeface="Times New Roman" pitchFamily="18" charset="0"/>
-                </a:rPr>
-                <a:t>r </a:t>
-              </a:r>
-              <a:r>
-                <a:rPr lang="en-US" altLang="zh-CN" sz="800" dirty="0" smtClean="0">
-                  <a:latin typeface="Times New Roman" pitchFamily="18" charset="0"/>
-                  <a:cs typeface="Times New Roman" pitchFamily="18" charset="0"/>
-                </a:rPr>
-                <a:t>= 0.00132</a:t>
-              </a:r>
-              <a:endParaRPr lang="zh-CN" altLang="en-US" sz="800" dirty="0">
-                <a:latin typeface="Times New Roman" pitchFamily="18" charset="0"/>
-                <a:cs typeface="Times New Roman" pitchFamily="18" charset="0"/>
-              </a:endParaRPr>
-            </a:p>
-          </p:txBody>
-        </p:sp>
-        <p:sp>
-          <p:nvSpPr>
-            <p:cNvPr id="25" name="TextBox 24"/>
-            <p:cNvSpPr txBox="1"/>
-            <p:nvPr/>
-          </p:nvSpPr>
-          <p:spPr>
-            <a:xfrm>
-              <a:off x="2795828" y="2565484"/>
-              <a:ext cx="674660" cy="215444"/>
-            </a:xfrm>
-            <a:prstGeom prst="rect">
-              <a:avLst/>
-            </a:prstGeom>
-            <a:noFill/>
-          </p:spPr>
-          <p:txBody>
-            <a:bodyPr wrap="square" rtlCol="0">
-              <a:spAutoFit/>
-            </a:bodyPr>
-            <a:lstStyle/>
-            <a:p>
-              <a:r>
-                <a:rPr lang="en-US" altLang="zh-CN" sz="800" i="1" dirty="0" smtClean="0">
-                  <a:latin typeface="Times New Roman" pitchFamily="18" charset="0"/>
-                  <a:cs typeface="Times New Roman" pitchFamily="18" charset="0"/>
-                </a:rPr>
-                <a:t>r </a:t>
-              </a:r>
-              <a:r>
-                <a:rPr lang="en-US" altLang="zh-CN" sz="800" dirty="0" smtClean="0">
-                  <a:latin typeface="Times New Roman" pitchFamily="18" charset="0"/>
-                  <a:cs typeface="Times New Roman" pitchFamily="18" charset="0"/>
-                </a:rPr>
-                <a:t>= 0.001</a:t>
-              </a:r>
-              <a:endParaRPr lang="zh-CN" altLang="en-US" sz="800" dirty="0">
-                <a:latin typeface="Times New Roman" pitchFamily="18" charset="0"/>
-                <a:cs typeface="Times New Roman" pitchFamily="18" charset="0"/>
-              </a:endParaRPr>
-            </a:p>
-          </p:txBody>
-        </p:sp>
-        <p:sp>
-          <p:nvSpPr>
-            <p:cNvPr id="26" name="TextBox 25"/>
-            <p:cNvSpPr txBox="1"/>
-            <p:nvPr/>
-          </p:nvSpPr>
-          <p:spPr>
-            <a:xfrm>
-              <a:off x="2795828" y="2996952"/>
-              <a:ext cx="674660" cy="215444"/>
-            </a:xfrm>
-            <a:prstGeom prst="rect">
-              <a:avLst/>
-            </a:prstGeom>
-            <a:noFill/>
-          </p:spPr>
-          <p:txBody>
-            <a:bodyPr wrap="square" rtlCol="0">
-              <a:spAutoFit/>
-            </a:bodyPr>
-            <a:lstStyle/>
-            <a:p>
-              <a:r>
-                <a:rPr lang="en-US" altLang="zh-CN" sz="800" i="1" dirty="0" smtClean="0">
-                  <a:latin typeface="Times New Roman" pitchFamily="18" charset="0"/>
-                  <a:cs typeface="Times New Roman" pitchFamily="18" charset="0"/>
-                </a:rPr>
-                <a:t>r </a:t>
-              </a:r>
-              <a:r>
-                <a:rPr lang="en-US" altLang="zh-CN" sz="800" dirty="0" smtClean="0">
-                  <a:latin typeface="Times New Roman" pitchFamily="18" charset="0"/>
-                  <a:cs typeface="Times New Roman" pitchFamily="18" charset="0"/>
-                </a:rPr>
-                <a:t>= 0.00078</a:t>
-              </a:r>
-              <a:endParaRPr lang="zh-CN" altLang="en-US" sz="800" dirty="0">
-                <a:latin typeface="Times New Roman" pitchFamily="18" charset="0"/>
-                <a:cs typeface="Times New Roman" pitchFamily="18" charset="0"/>
-              </a:endParaRPr>
-            </a:p>
-          </p:txBody>
-        </p:sp>
-        <p:sp>
-          <p:nvSpPr>
-            <p:cNvPr id="27" name="TextBox 26"/>
-            <p:cNvSpPr txBox="1"/>
-            <p:nvPr/>
-          </p:nvSpPr>
-          <p:spPr>
-            <a:xfrm>
-              <a:off x="2795828" y="3480836"/>
-              <a:ext cx="674660" cy="215444"/>
-            </a:xfrm>
-            <a:prstGeom prst="rect">
-              <a:avLst/>
-            </a:prstGeom>
-            <a:noFill/>
-          </p:spPr>
-          <p:txBody>
-            <a:bodyPr wrap="square" rtlCol="0">
-              <a:spAutoFit/>
-            </a:bodyPr>
-            <a:lstStyle/>
-            <a:p>
-              <a:r>
-                <a:rPr lang="en-US" altLang="zh-CN" sz="800" i="1" dirty="0" smtClean="0">
-                  <a:latin typeface="Times New Roman" pitchFamily="18" charset="0"/>
-                  <a:cs typeface="Times New Roman" pitchFamily="18" charset="0"/>
-                </a:rPr>
-                <a:t>r </a:t>
-              </a:r>
-              <a:r>
-                <a:rPr lang="en-US" altLang="zh-CN" sz="800" dirty="0" smtClean="0">
-                  <a:latin typeface="Times New Roman" pitchFamily="18" charset="0"/>
-                  <a:cs typeface="Times New Roman" pitchFamily="18" charset="0"/>
-                </a:rPr>
-                <a:t>= 0.00054</a:t>
-              </a:r>
-              <a:endParaRPr lang="zh-CN" altLang="en-US" sz="800" dirty="0">
-                <a:latin typeface="Times New Roman" pitchFamily="18" charset="0"/>
-                <a:cs typeface="Times New Roman" pitchFamily="18" charset="0"/>
-              </a:endParaRPr>
-            </a:p>
-          </p:txBody>
-        </p:sp>
-        <p:sp>
-          <p:nvSpPr>
-            <p:cNvPr id="32" name="TextBox 31"/>
-            <p:cNvSpPr txBox="1"/>
-            <p:nvPr/>
-          </p:nvSpPr>
-          <p:spPr>
-            <a:xfrm>
-              <a:off x="3635896" y="3934192"/>
-              <a:ext cx="720080" cy="215444"/>
-            </a:xfrm>
-            <a:prstGeom prst="rect">
-              <a:avLst/>
-            </a:prstGeom>
-            <a:noFill/>
-          </p:spPr>
-          <p:txBody>
-            <a:bodyPr wrap="square" rtlCol="0">
-              <a:spAutoFit/>
-            </a:bodyPr>
-            <a:lstStyle/>
-            <a:p>
-              <a:r>
-                <a:rPr lang="en-US" altLang="zh-CN" sz="800" i="1" dirty="0" smtClean="0">
-                  <a:latin typeface="Times New Roman" pitchFamily="18" charset="0"/>
-                  <a:cs typeface="Times New Roman" pitchFamily="18" charset="0"/>
-                </a:rPr>
-                <a:t>r </a:t>
-              </a:r>
-              <a:r>
-                <a:rPr lang="en-US" altLang="zh-CN" sz="800" dirty="0" smtClean="0">
-                  <a:latin typeface="Times New Roman" pitchFamily="18" charset="0"/>
-                  <a:cs typeface="Times New Roman" pitchFamily="18" charset="0"/>
-                </a:rPr>
-                <a:t>= 0.000335</a:t>
-              </a:r>
-              <a:endParaRPr lang="zh-CN" altLang="en-US" sz="800" dirty="0">
-                <a:latin typeface="Times New Roman" pitchFamily="18" charset="0"/>
-                <a:cs typeface="Times New Roman" pitchFamily="18" charset="0"/>
-              </a:endParaRPr>
-            </a:p>
-          </p:txBody>
-        </p:sp>
-        <p:sp>
-          <p:nvSpPr>
-            <p:cNvPr id="33" name="TextBox 32"/>
-            <p:cNvSpPr txBox="1"/>
-            <p:nvPr/>
-          </p:nvSpPr>
-          <p:spPr>
-            <a:xfrm>
-              <a:off x="3635896" y="4374343"/>
-              <a:ext cx="792088" cy="215444"/>
-            </a:xfrm>
-            <a:prstGeom prst="rect">
-              <a:avLst/>
-            </a:prstGeom>
-            <a:noFill/>
-          </p:spPr>
-          <p:txBody>
-            <a:bodyPr wrap="square" rtlCol="0">
-              <a:spAutoFit/>
-            </a:bodyPr>
-            <a:lstStyle/>
-            <a:p>
-              <a:r>
-                <a:rPr lang="en-US" altLang="zh-CN" sz="800" i="1" dirty="0" smtClean="0">
-                  <a:latin typeface="Times New Roman" pitchFamily="18" charset="0"/>
-                  <a:cs typeface="Times New Roman" pitchFamily="18" charset="0"/>
-                </a:rPr>
-                <a:t>r </a:t>
-              </a:r>
-              <a:r>
-                <a:rPr lang="en-US" altLang="zh-CN" sz="800" dirty="0" smtClean="0">
-                  <a:latin typeface="Times New Roman" pitchFamily="18" charset="0"/>
-                  <a:cs typeface="Times New Roman" pitchFamily="18" charset="0"/>
-                </a:rPr>
-                <a:t>= 0.0001736</a:t>
-              </a:r>
-              <a:endParaRPr lang="zh-CN" altLang="en-US" sz="800" dirty="0">
-                <a:latin typeface="Times New Roman" pitchFamily="18" charset="0"/>
-                <a:cs typeface="Times New Roman" pitchFamily="18" charset="0"/>
-              </a:endParaRPr>
             </a:p>
           </p:txBody>
         </p:sp>
@@ -8598,71 +8507,18 @@
       </p:grpSpPr>
       <p:grpSp>
         <p:nvGrpSpPr>
-          <p:cNvPr id="6" name="组合 5"/>
+          <p:cNvPr id="3" name="Group 2"/>
           <p:cNvGrpSpPr/>
           <p:nvPr/>
         </p:nvGrpSpPr>
         <p:grpSpPr>
           <a:xfrm>
-            <a:off x="2125862" y="1628800"/>
-            <a:ext cx="4678386" cy="3281747"/>
-            <a:chOff x="2125862" y="1628800"/>
-            <a:chExt cx="4678386" cy="3281747"/>
+            <a:off x="2125861" y="1628800"/>
+            <a:ext cx="4678387" cy="3412126"/>
+            <a:chOff x="2125861" y="1628800"/>
+            <a:chExt cx="4678387" cy="3412126"/>
           </a:xfrm>
         </p:grpSpPr>
-        <p:pic>
-          <p:nvPicPr>
-            <p:cNvPr id="3080" name="Picture 8"/>
-            <p:cNvPicPr>
-              <a:picLocks noChangeAspect="1" noChangeArrowheads="1"/>
-            </p:cNvPicPr>
-            <p:nvPr/>
-          </p:nvPicPr>
-          <p:blipFill>
-            <a:blip r:embed="rId2">
-              <a:extLst>
-                <a:ext uri="{28A0092B-C50C-407E-A947-70E740481C1C}">
-                  <a14:useLocalDpi xmlns:a14="http://schemas.microsoft.com/office/drawing/2010/main" val="0"/>
-                </a:ext>
-              </a:extLst>
-            </a:blip>
-            <a:stretch>
-              <a:fillRect/>
-            </a:stretch>
-          </p:blipFill>
-          <p:spPr bwMode="auto">
-            <a:xfrm>
-              <a:off x="4436074" y="3288122"/>
-              <a:ext cx="2339818" cy="1622425"/>
-            </a:xfrm>
-            <a:prstGeom prst="rect">
-              <a:avLst/>
-            </a:prstGeom>
-            <a:noFill/>
-            <a:ln>
-              <a:noFill/>
-            </a:ln>
-            <a:extLst>
-              <a:ext uri="{909E8E84-426E-40DD-AFC4-6F175D3DCCD1}">
-                <a14:hiddenFill xmlns:a14="http://schemas.microsoft.com/office/drawing/2010/main">
-                  <a:solidFill>
-                    <a:srgbClr val="FFFFFF"/>
-                  </a:solidFill>
-                </a14:hiddenFill>
-              </a:ext>
-              <a:ext uri="{91240B29-F687-4F45-9708-019B960494DF}">
-                <a14:hiddenLine xmlns:a14="http://schemas.microsoft.com/office/drawing/2010/main" w="9525">
-                  <a:solidFill>
-                    <a:srgbClr val="000000"/>
-                  </a:solidFill>
-                  <a:miter lim="800000"/>
-                  <a:headEnd/>
-                  <a:tailEnd/>
-                </a14:hiddenLine>
-              </a:ext>
-            </a:extLst>
-          </p:spPr>
-        </p:pic>
         <p:pic>
           <p:nvPicPr>
             <p:cNvPr id="4" name="Picture 7" descr="fig4b"/>
@@ -8672,7 +8528,7 @@
             <p:nvPr/>
           </p:nvPicPr>
           <p:blipFill>
-            <a:blip r:embed="rId3">
+            <a:blip r:embed="rId2">
               <a:extLst>
                 <a:ext uri="{28A0092B-C50C-407E-A947-70E740481C1C}">
                   <a14:useLocalDpi xmlns:a14="http://schemas.microsoft.com/office/drawing/2010/main" val="0"/>
@@ -8762,7 +8618,7 @@
             <p:nvPr/>
           </p:nvPicPr>
           <p:blipFill>
-            <a:blip r:embed="rId4">
+            <a:blip r:embed="rId3">
               <a:extLst>
                 <a:ext uri="{28A0092B-C50C-407E-A947-70E740481C1C}">
                   <a14:useLocalDpi xmlns:a14="http://schemas.microsoft.com/office/drawing/2010/main" val="0"/>
@@ -8807,42 +8663,6 @@
             </a:extLst>
           </p:spPr>
         </p:pic>
-        <p:sp>
-          <p:nvSpPr>
-            <p:cNvPr id="19" name="文本框 37"/>
-            <p:cNvSpPr txBox="1"/>
-            <p:nvPr/>
-          </p:nvSpPr>
-          <p:spPr>
-            <a:xfrm>
-              <a:off x="4948236" y="3376584"/>
-              <a:ext cx="343844" cy="248339"/>
-            </a:xfrm>
-            <a:prstGeom prst="rect">
-              <a:avLst/>
-            </a:prstGeom>
-            <a:noFill/>
-          </p:spPr>
-          <p:txBody>
-            <a:bodyPr wrap="square" rtlCol="0">
-              <a:spAutoFit/>
-            </a:bodyPr>
-            <a:lstStyle/>
-            <a:p>
-              <a:r>
-                <a:rPr lang="en-US" altLang="zh-CN" sz="1000" dirty="0" smtClean="0">
-                  <a:latin typeface="Times New Roman" panose="02020603050405020304" pitchFamily="18" charset="0"/>
-                  <a:cs typeface="Times New Roman" panose="02020603050405020304" pitchFamily="18" charset="0"/>
-                </a:rPr>
-                <a:t>(c)</a:t>
-              </a:r>
-              <a:endParaRPr lang="zh-CN" altLang="en-US" sz="1000" dirty="0">
-                <a:latin typeface="Times New Roman" panose="02020603050405020304" pitchFamily="18" charset="0"/>
-                <a:cs typeface="Times New Roman" panose="02020603050405020304" pitchFamily="18" charset="0"/>
-              </a:endParaRPr>
-            </a:p>
-          </p:txBody>
-        </p:sp>
         <p:sp>
           <p:nvSpPr>
             <p:cNvPr id="16" name="文本框 37"/>
@@ -9214,1557 +9034,144 @@
             </a:p>
           </p:txBody>
         </p:sp>
-      </p:grpSp>
-    </p:spTree>
-    <p:extLst>
-      <p:ext uri="{BB962C8B-B14F-4D97-AF65-F5344CB8AC3E}">
-        <p14:creationId xmlns:p14="http://schemas.microsoft.com/office/powerpoint/2010/main" val="1958307423"/>
-      </p:ext>
-    </p:extLst>
-  </p:cSld>
-  <p:clrMapOvr>
-    <a:masterClrMapping/>
-  </p:clrMapOvr>
-</p:sld>
-</file>
-
-<file path=ppt/slides/slide6.xml><?xml version="1.0" encoding="utf-8"?>
-<p:sld xmlns:a="http://schemas.openxmlformats.org/drawingml/2006/main" xmlns:r="http://schemas.openxmlformats.org/officeDocument/2006/relationships" xmlns:p="http://schemas.openxmlformats.org/presentationml/2006/main">
-  <p:cSld>
-    <p:spTree>
-      <p:nvGrpSpPr>
-        <p:cNvPr id="1" name=""/>
-        <p:cNvGrpSpPr/>
-        <p:nvPr/>
-      </p:nvGrpSpPr>
-      <p:grpSpPr>
-        <a:xfrm>
-          <a:off x="0" y="0"/>
-          <a:ext cx="0" cy="0"/>
-          <a:chOff x="0" y="0"/>
-          <a:chExt cx="0" cy="0"/>
-        </a:xfrm>
-      </p:grpSpPr>
-      <p:grpSp>
-        <p:nvGrpSpPr>
-          <p:cNvPr id="45" name="组合 44"/>
-          <p:cNvGrpSpPr/>
-          <p:nvPr/>
-        </p:nvGrpSpPr>
-        <p:grpSpPr>
-          <a:xfrm>
-            <a:off x="1603538" y="624969"/>
-            <a:ext cx="4948422" cy="3982967"/>
-            <a:chOff x="1603538" y="624969"/>
-            <a:chExt cx="4948422" cy="3982967"/>
-          </a:xfrm>
-        </p:grpSpPr>
-        <p:grpSp>
-          <p:nvGrpSpPr>
-            <p:cNvPr id="43" name="组合 42"/>
-            <p:cNvGrpSpPr/>
+        <p:sp>
+          <p:nvSpPr>
+            <p:cNvPr id="15" name="TextBox 14"/>
+            <p:cNvSpPr txBox="1"/>
             <p:nvPr/>
-          </p:nvGrpSpPr>
-          <p:grpSpPr>
+          </p:nvSpPr>
+          <p:spPr>
+            <a:xfrm rot="16200000">
+              <a:off x="1220245" y="2938611"/>
+              <a:ext cx="2088232" cy="276999"/>
+            </a:xfrm>
+            <a:prstGeom prst="rect">
+              <a:avLst/>
+            </a:prstGeom>
+            <a:solidFill>
+              <a:schemeClr val="bg1"/>
+            </a:solidFill>
+          </p:spPr>
+          <p:txBody>
+            <a:bodyPr wrap="square" rtlCol="0">
+              <a:spAutoFit/>
+            </a:bodyPr>
+            <a:lstStyle/>
+            <a:p>
+              <a:pPr algn="ctr"/>
+              <a:r>
+                <a:rPr lang="en-US" sz="1200" dirty="0" smtClean="0"/>
+                <a:t>Transmission (dB)</a:t>
+              </a:r>
+              <a:endParaRPr lang="en-US" sz="1200" dirty="0"/>
+            </a:p>
+          </p:txBody>
+        </p:sp>
+        <p:sp>
+          <p:nvSpPr>
+            <p:cNvPr id="18" name="TextBox 17"/>
+            <p:cNvSpPr txBox="1"/>
+            <p:nvPr/>
+          </p:nvSpPr>
+          <p:spPr>
             <a:xfrm>
-              <a:off x="1775460" y="824196"/>
-              <a:ext cx="2340000" cy="1726047"/>
-              <a:chOff x="1775460" y="824196"/>
-              <a:chExt cx="2340000" cy="1726047"/>
+              <a:off x="2797474" y="4763927"/>
+              <a:ext cx="1222818" cy="276999"/>
             </a:xfrm>
-          </p:grpSpPr>
-          <p:sp>
-            <p:nvSpPr>
-              <p:cNvPr id="5" name="ring2"/>
-              <p:cNvSpPr/>
-              <p:nvPr/>
-            </p:nvSpPr>
-            <p:spPr>
-              <a:xfrm>
-                <a:off x="2167333" y="828940"/>
-                <a:ext cx="1620055" cy="1620050"/>
-              </a:xfrm>
-              <a:prstGeom prst="ellipse">
-                <a:avLst/>
-              </a:prstGeom>
-              <a:noFill/>
-              <a:ln w="76200">
-                <a:solidFill>
-                  <a:srgbClr val="00B0F0"/>
-                </a:solidFill>
-              </a:ln>
-            </p:spPr>
-            <p:style>
-              <a:lnRef idx="2">
-                <a:schemeClr val="accent1">
-                  <a:shade val="50000"/>
-                </a:schemeClr>
-              </a:lnRef>
-              <a:fillRef idx="1">
-                <a:schemeClr val="accent1"/>
-              </a:fillRef>
-              <a:effectRef idx="0">
-                <a:schemeClr val="accent1"/>
-              </a:effectRef>
-              <a:fontRef idx="minor">
-                <a:schemeClr val="lt1"/>
-              </a:fontRef>
-            </p:style>
-            <p:txBody>
-              <a:bodyPr rtlCol="0" anchor="ctr"/>
-              <a:lstStyle/>
-              <a:p>
-                <a:pPr algn="ctr"/>
-                <a:endParaRPr lang="zh-CN" altLang="en-US"/>
-              </a:p>
-            </p:txBody>
-          </p:sp>
-          <p:cxnSp>
-            <p:nvCxnSpPr>
-              <p:cNvPr id="6" name="line2"/>
-              <p:cNvCxnSpPr/>
-              <p:nvPr/>
-            </p:nvCxnSpPr>
-            <p:spPr>
-              <a:xfrm>
-                <a:off x="1775460" y="2550243"/>
-                <a:ext cx="2340000" cy="0"/>
-              </a:xfrm>
-              <a:prstGeom prst="line">
-                <a:avLst/>
-              </a:prstGeom>
-              <a:ln w="76200">
-                <a:solidFill>
-                  <a:srgbClr val="00B0F0"/>
-                </a:solidFill>
-              </a:ln>
-            </p:spPr>
-            <p:style>
-              <a:lnRef idx="1">
-                <a:schemeClr val="accent1"/>
-              </a:lnRef>
-              <a:fillRef idx="0">
-                <a:schemeClr val="accent1"/>
-              </a:fillRef>
-              <a:effectRef idx="0">
-                <a:schemeClr val="accent1"/>
-              </a:effectRef>
-              <a:fontRef idx="minor">
-                <a:schemeClr val="tx1"/>
-              </a:fontRef>
-            </p:style>
-          </p:cxnSp>
-          <p:sp>
-            <p:nvSpPr>
-              <p:cNvPr id="7" name="1"/>
-              <p:cNvSpPr/>
-              <p:nvPr/>
-            </p:nvSpPr>
-            <p:spPr>
-              <a:xfrm>
-                <a:off x="2936859" y="2378113"/>
-                <a:ext cx="81003" cy="81003"/>
-              </a:xfrm>
-              <a:prstGeom prst="ellipse">
-                <a:avLst/>
-              </a:prstGeom>
-              <a:solidFill>
-                <a:srgbClr val="0070C0"/>
-              </a:solidFill>
-              <a:ln>
-                <a:noFill/>
-              </a:ln>
-            </p:spPr>
-            <p:style>
-              <a:lnRef idx="2">
-                <a:schemeClr val="accent1">
-                  <a:shade val="50000"/>
-                </a:schemeClr>
-              </a:lnRef>
-              <a:fillRef idx="1">
-                <a:schemeClr val="accent1"/>
-              </a:fillRef>
-              <a:effectRef idx="0">
-                <a:schemeClr val="accent1"/>
-              </a:effectRef>
-              <a:fontRef idx="minor">
-                <a:schemeClr val="lt1"/>
-              </a:fontRef>
-            </p:style>
-            <p:txBody>
-              <a:bodyPr rtlCol="0" anchor="ctr"/>
-              <a:lstStyle/>
-              <a:p>
-                <a:pPr algn="ctr"/>
-                <a:endParaRPr lang="zh-CN" altLang="en-US"/>
-              </a:p>
-            </p:txBody>
-          </p:sp>
-          <p:sp>
-            <p:nvSpPr>
-              <p:cNvPr id="8" name="2"/>
-              <p:cNvSpPr/>
-              <p:nvPr/>
-            </p:nvSpPr>
-            <p:spPr>
-              <a:xfrm>
-                <a:off x="3098958" y="2361075"/>
-                <a:ext cx="81003" cy="81003"/>
-              </a:xfrm>
-              <a:prstGeom prst="ellipse">
-                <a:avLst/>
-              </a:prstGeom>
-              <a:solidFill>
-                <a:srgbClr val="0070C0"/>
-              </a:solidFill>
-              <a:ln>
-                <a:noFill/>
-              </a:ln>
-            </p:spPr>
-            <p:style>
-              <a:lnRef idx="2">
-                <a:schemeClr val="accent1">
-                  <a:shade val="50000"/>
-                </a:schemeClr>
-              </a:lnRef>
-              <a:fillRef idx="1">
-                <a:schemeClr val="accent1"/>
-              </a:fillRef>
-              <a:effectRef idx="0">
-                <a:schemeClr val="accent1"/>
-              </a:effectRef>
-              <a:fontRef idx="minor">
-                <a:schemeClr val="lt1"/>
-              </a:fontRef>
-            </p:style>
-            <p:txBody>
-              <a:bodyPr rtlCol="0" anchor="ctr"/>
-              <a:lstStyle/>
-              <a:p>
-                <a:pPr algn="ctr"/>
-                <a:endParaRPr lang="zh-CN" altLang="en-US"/>
-              </a:p>
-            </p:txBody>
-          </p:sp>
-          <p:sp>
-            <p:nvSpPr>
-              <p:cNvPr id="9" name="3"/>
-              <p:cNvSpPr/>
-              <p:nvPr/>
-            </p:nvSpPr>
-            <p:spPr>
-              <a:xfrm>
-                <a:off x="3253972" y="2310708"/>
-                <a:ext cx="81003" cy="81003"/>
-              </a:xfrm>
-              <a:prstGeom prst="ellipse">
-                <a:avLst/>
-              </a:prstGeom>
-              <a:solidFill>
-                <a:srgbClr val="0070C0"/>
-              </a:solidFill>
-              <a:ln>
-                <a:noFill/>
-              </a:ln>
-            </p:spPr>
-            <p:style>
-              <a:lnRef idx="2">
-                <a:schemeClr val="accent1">
-                  <a:shade val="50000"/>
-                </a:schemeClr>
-              </a:lnRef>
-              <a:fillRef idx="1">
-                <a:schemeClr val="accent1"/>
-              </a:fillRef>
-              <a:effectRef idx="0">
-                <a:schemeClr val="accent1"/>
-              </a:effectRef>
-              <a:fontRef idx="minor">
-                <a:schemeClr val="lt1"/>
-              </a:fontRef>
-            </p:style>
-            <p:txBody>
-              <a:bodyPr rtlCol="0" anchor="ctr"/>
-              <a:lstStyle/>
-              <a:p>
-                <a:pPr algn="ctr"/>
-                <a:endParaRPr lang="zh-CN" altLang="en-US"/>
-              </a:p>
-            </p:txBody>
-          </p:sp>
-          <p:sp>
-            <p:nvSpPr>
-              <p:cNvPr id="10" name="4"/>
-              <p:cNvSpPr/>
-              <p:nvPr/>
-            </p:nvSpPr>
-            <p:spPr>
-              <a:xfrm>
-                <a:off x="3395127" y="2229213"/>
-                <a:ext cx="81003" cy="81003"/>
-              </a:xfrm>
-              <a:prstGeom prst="ellipse">
-                <a:avLst/>
-              </a:prstGeom>
-              <a:solidFill>
-                <a:srgbClr val="0070C0"/>
-              </a:solidFill>
-              <a:ln>
-                <a:noFill/>
-              </a:ln>
-            </p:spPr>
-            <p:style>
-              <a:lnRef idx="2">
-                <a:schemeClr val="accent1">
-                  <a:shade val="50000"/>
-                </a:schemeClr>
-              </a:lnRef>
-              <a:fillRef idx="1">
-                <a:schemeClr val="accent1"/>
-              </a:fillRef>
-              <a:effectRef idx="0">
-                <a:schemeClr val="accent1"/>
-              </a:effectRef>
-              <a:fontRef idx="minor">
-                <a:schemeClr val="lt1"/>
-              </a:fontRef>
-            </p:style>
-            <p:txBody>
-              <a:bodyPr rtlCol="0" anchor="ctr"/>
-              <a:lstStyle/>
-              <a:p>
-                <a:pPr algn="ctr"/>
-                <a:endParaRPr lang="zh-CN" altLang="en-US"/>
-              </a:p>
-            </p:txBody>
-          </p:sp>
-          <p:sp>
-            <p:nvSpPr>
-              <p:cNvPr id="11" name="5"/>
-              <p:cNvSpPr/>
-              <p:nvPr/>
-            </p:nvSpPr>
-            <p:spPr>
-              <a:xfrm>
-                <a:off x="3516253" y="2120151"/>
-                <a:ext cx="81003" cy="81003"/>
-              </a:xfrm>
-              <a:prstGeom prst="ellipse">
-                <a:avLst/>
-              </a:prstGeom>
-              <a:solidFill>
-                <a:srgbClr val="0070C0"/>
-              </a:solidFill>
-              <a:ln>
-                <a:noFill/>
-              </a:ln>
-            </p:spPr>
-            <p:style>
-              <a:lnRef idx="2">
-                <a:schemeClr val="accent1">
-                  <a:shade val="50000"/>
-                </a:schemeClr>
-              </a:lnRef>
-              <a:fillRef idx="1">
-                <a:schemeClr val="accent1"/>
-              </a:fillRef>
-              <a:effectRef idx="0">
-                <a:schemeClr val="accent1"/>
-              </a:effectRef>
-              <a:fontRef idx="minor">
-                <a:schemeClr val="lt1"/>
-              </a:fontRef>
-            </p:style>
-            <p:txBody>
-              <a:bodyPr rtlCol="0" anchor="ctr"/>
-              <a:lstStyle/>
-              <a:p>
-                <a:pPr algn="ctr"/>
-                <a:endParaRPr lang="zh-CN" altLang="en-US"/>
-              </a:p>
-            </p:txBody>
-          </p:sp>
-          <p:sp>
-            <p:nvSpPr>
-              <p:cNvPr id="12" name="6"/>
-              <p:cNvSpPr/>
-              <p:nvPr/>
-            </p:nvSpPr>
-            <p:spPr>
-              <a:xfrm>
-                <a:off x="3612057" y="1988288"/>
-                <a:ext cx="81003" cy="81003"/>
-              </a:xfrm>
-              <a:prstGeom prst="ellipse">
-                <a:avLst/>
-              </a:prstGeom>
-              <a:solidFill>
-                <a:srgbClr val="0070C0"/>
-              </a:solidFill>
-              <a:ln>
-                <a:noFill/>
-              </a:ln>
-            </p:spPr>
-            <p:style>
-              <a:lnRef idx="2">
-                <a:schemeClr val="accent1">
-                  <a:shade val="50000"/>
-                </a:schemeClr>
-              </a:lnRef>
-              <a:fillRef idx="1">
-                <a:schemeClr val="accent1"/>
-              </a:fillRef>
-              <a:effectRef idx="0">
-                <a:schemeClr val="accent1"/>
-              </a:effectRef>
-              <a:fontRef idx="minor">
-                <a:schemeClr val="lt1"/>
-              </a:fontRef>
-            </p:style>
-            <p:txBody>
-              <a:bodyPr rtlCol="0" anchor="ctr"/>
-              <a:lstStyle/>
-              <a:p>
-                <a:pPr algn="ctr"/>
-                <a:endParaRPr lang="zh-CN" altLang="en-US"/>
-              </a:p>
-            </p:txBody>
-          </p:sp>
-          <p:sp>
-            <p:nvSpPr>
-              <p:cNvPr id="13" name="7"/>
-              <p:cNvSpPr/>
-              <p:nvPr/>
-            </p:nvSpPr>
-            <p:spPr>
-              <a:xfrm>
-                <a:off x="3678352" y="1839389"/>
-                <a:ext cx="81003" cy="81003"/>
-              </a:xfrm>
-              <a:prstGeom prst="ellipse">
-                <a:avLst/>
-              </a:prstGeom>
-              <a:solidFill>
-                <a:srgbClr val="0070C0"/>
-              </a:solidFill>
-              <a:ln>
-                <a:noFill/>
-              </a:ln>
-            </p:spPr>
-            <p:style>
-              <a:lnRef idx="2">
-                <a:schemeClr val="accent1">
-                  <a:shade val="50000"/>
-                </a:schemeClr>
-              </a:lnRef>
-              <a:fillRef idx="1">
-                <a:schemeClr val="accent1"/>
-              </a:fillRef>
-              <a:effectRef idx="0">
-                <a:schemeClr val="accent1"/>
-              </a:effectRef>
-              <a:fontRef idx="minor">
-                <a:schemeClr val="lt1"/>
-              </a:fontRef>
-            </p:style>
-            <p:txBody>
-              <a:bodyPr rtlCol="0" anchor="ctr"/>
-              <a:lstStyle/>
-              <a:p>
-                <a:pPr algn="ctr"/>
-                <a:endParaRPr lang="zh-CN" altLang="en-US"/>
-              </a:p>
-            </p:txBody>
-          </p:sp>
-          <p:sp>
-            <p:nvSpPr>
-              <p:cNvPr id="14" name="8"/>
-              <p:cNvSpPr/>
-              <p:nvPr/>
-            </p:nvSpPr>
-            <p:spPr>
-              <a:xfrm>
-                <a:off x="3712240" y="1679960"/>
-                <a:ext cx="81003" cy="81003"/>
-              </a:xfrm>
-              <a:prstGeom prst="ellipse">
-                <a:avLst/>
-              </a:prstGeom>
-              <a:solidFill>
-                <a:srgbClr val="0070C0"/>
-              </a:solidFill>
-              <a:ln>
-                <a:noFill/>
-              </a:ln>
-            </p:spPr>
-            <p:style>
-              <a:lnRef idx="2">
-                <a:schemeClr val="accent1">
-                  <a:shade val="50000"/>
-                </a:schemeClr>
-              </a:lnRef>
-              <a:fillRef idx="1">
-                <a:schemeClr val="accent1"/>
-              </a:fillRef>
-              <a:effectRef idx="0">
-                <a:schemeClr val="accent1"/>
-              </a:effectRef>
-              <a:fontRef idx="minor">
-                <a:schemeClr val="lt1"/>
-              </a:fontRef>
-            </p:style>
-            <p:txBody>
-              <a:bodyPr rtlCol="0" anchor="ctr"/>
-              <a:lstStyle/>
-              <a:p>
-                <a:pPr algn="ctr"/>
-                <a:endParaRPr lang="zh-CN" altLang="en-US"/>
-              </a:p>
-            </p:txBody>
-          </p:sp>
-          <p:sp>
-            <p:nvSpPr>
-              <p:cNvPr id="15" name="9"/>
-              <p:cNvSpPr/>
-              <p:nvPr/>
-            </p:nvSpPr>
-            <p:spPr>
-              <a:xfrm>
-                <a:off x="3712240" y="1516968"/>
-                <a:ext cx="81003" cy="81003"/>
-              </a:xfrm>
-              <a:prstGeom prst="ellipse">
-                <a:avLst/>
-              </a:prstGeom>
-              <a:solidFill>
-                <a:srgbClr val="0070C0"/>
-              </a:solidFill>
-              <a:ln>
-                <a:noFill/>
-              </a:ln>
-            </p:spPr>
-            <p:style>
-              <a:lnRef idx="2">
-                <a:schemeClr val="accent1">
-                  <a:shade val="50000"/>
-                </a:schemeClr>
-              </a:lnRef>
-              <a:fillRef idx="1">
-                <a:schemeClr val="accent1"/>
-              </a:fillRef>
-              <a:effectRef idx="0">
-                <a:schemeClr val="accent1"/>
-              </a:effectRef>
-              <a:fontRef idx="minor">
-                <a:schemeClr val="lt1"/>
-              </a:fontRef>
-            </p:style>
-            <p:txBody>
-              <a:bodyPr rtlCol="0" anchor="ctr"/>
-              <a:lstStyle/>
-              <a:p>
-                <a:pPr algn="ctr"/>
-                <a:endParaRPr lang="zh-CN" altLang="en-US"/>
-              </a:p>
-            </p:txBody>
-          </p:sp>
-          <p:sp>
-            <p:nvSpPr>
-              <p:cNvPr id="16" name="10"/>
-              <p:cNvSpPr/>
-              <p:nvPr/>
-            </p:nvSpPr>
-            <p:spPr>
-              <a:xfrm>
-                <a:off x="3678352" y="1357539"/>
-                <a:ext cx="81003" cy="81003"/>
-              </a:xfrm>
-              <a:prstGeom prst="ellipse">
-                <a:avLst/>
-              </a:prstGeom>
-              <a:solidFill>
-                <a:srgbClr val="0070C0"/>
-              </a:solidFill>
-              <a:ln>
-                <a:noFill/>
-              </a:ln>
-            </p:spPr>
-            <p:style>
-              <a:lnRef idx="2">
-                <a:schemeClr val="accent1">
-                  <a:shade val="50000"/>
-                </a:schemeClr>
-              </a:lnRef>
-              <a:fillRef idx="1">
-                <a:schemeClr val="accent1"/>
-              </a:fillRef>
-              <a:effectRef idx="0">
-                <a:schemeClr val="accent1"/>
-              </a:effectRef>
-              <a:fontRef idx="minor">
-                <a:schemeClr val="lt1"/>
-              </a:fontRef>
-            </p:style>
-            <p:txBody>
-              <a:bodyPr rtlCol="0" anchor="ctr"/>
-              <a:lstStyle/>
-              <a:p>
-                <a:pPr algn="ctr"/>
-                <a:endParaRPr lang="zh-CN" altLang="en-US"/>
-              </a:p>
-            </p:txBody>
-          </p:sp>
-          <p:sp>
-            <p:nvSpPr>
-              <p:cNvPr id="17" name="11"/>
-              <p:cNvSpPr/>
-              <p:nvPr/>
-            </p:nvSpPr>
-            <p:spPr>
-              <a:xfrm>
-                <a:off x="3612057" y="1208639"/>
-                <a:ext cx="81003" cy="81003"/>
-              </a:xfrm>
-              <a:prstGeom prst="ellipse">
-                <a:avLst/>
-              </a:prstGeom>
-              <a:solidFill>
-                <a:srgbClr val="0070C0"/>
-              </a:solidFill>
-              <a:ln>
-                <a:noFill/>
-              </a:ln>
-            </p:spPr>
-            <p:style>
-              <a:lnRef idx="2">
-                <a:schemeClr val="accent1">
-                  <a:shade val="50000"/>
-                </a:schemeClr>
-              </a:lnRef>
-              <a:fillRef idx="1">
-                <a:schemeClr val="accent1"/>
-              </a:fillRef>
-              <a:effectRef idx="0">
-                <a:schemeClr val="accent1"/>
-              </a:effectRef>
-              <a:fontRef idx="minor">
-                <a:schemeClr val="lt1"/>
-              </a:fontRef>
-            </p:style>
-            <p:txBody>
-              <a:bodyPr rtlCol="0" anchor="ctr"/>
-              <a:lstStyle/>
-              <a:p>
-                <a:pPr algn="ctr"/>
-                <a:endParaRPr lang="zh-CN" altLang="en-US"/>
-              </a:p>
-            </p:txBody>
-          </p:sp>
-          <p:sp>
-            <p:nvSpPr>
-              <p:cNvPr id="18" name="12"/>
-              <p:cNvSpPr/>
-              <p:nvPr/>
-            </p:nvSpPr>
-            <p:spPr>
-              <a:xfrm>
-                <a:off x="3516254" y="1076776"/>
-                <a:ext cx="81003" cy="81003"/>
-              </a:xfrm>
-              <a:prstGeom prst="ellipse">
-                <a:avLst/>
-              </a:prstGeom>
-              <a:solidFill>
-                <a:srgbClr val="0070C0"/>
-              </a:solidFill>
-              <a:ln>
-                <a:noFill/>
-              </a:ln>
-            </p:spPr>
-            <p:style>
-              <a:lnRef idx="2">
-                <a:schemeClr val="accent1">
-                  <a:shade val="50000"/>
-                </a:schemeClr>
-              </a:lnRef>
-              <a:fillRef idx="1">
-                <a:schemeClr val="accent1"/>
-              </a:fillRef>
-              <a:effectRef idx="0">
-                <a:schemeClr val="accent1"/>
-              </a:effectRef>
-              <a:fontRef idx="minor">
-                <a:schemeClr val="lt1"/>
-              </a:fontRef>
-            </p:style>
-            <p:txBody>
-              <a:bodyPr rtlCol="0" anchor="ctr"/>
-              <a:lstStyle/>
-              <a:p>
-                <a:pPr algn="ctr"/>
-                <a:endParaRPr lang="zh-CN" altLang="en-US"/>
-              </a:p>
-            </p:txBody>
-          </p:sp>
-          <p:sp>
-            <p:nvSpPr>
-              <p:cNvPr id="19" name="13"/>
-              <p:cNvSpPr/>
-              <p:nvPr/>
-            </p:nvSpPr>
-            <p:spPr>
-              <a:xfrm>
-                <a:off x="3395127" y="967714"/>
-                <a:ext cx="81003" cy="81003"/>
-              </a:xfrm>
-              <a:prstGeom prst="ellipse">
-                <a:avLst/>
-              </a:prstGeom>
-              <a:solidFill>
-                <a:srgbClr val="0070C0"/>
-              </a:solidFill>
-              <a:ln>
-                <a:noFill/>
-              </a:ln>
-            </p:spPr>
-            <p:style>
-              <a:lnRef idx="2">
-                <a:schemeClr val="accent1">
-                  <a:shade val="50000"/>
-                </a:schemeClr>
-              </a:lnRef>
-              <a:fillRef idx="1">
-                <a:schemeClr val="accent1"/>
-              </a:fillRef>
-              <a:effectRef idx="0">
-                <a:schemeClr val="accent1"/>
-              </a:effectRef>
-              <a:fontRef idx="minor">
-                <a:schemeClr val="lt1"/>
-              </a:fontRef>
-            </p:style>
-            <p:txBody>
-              <a:bodyPr rtlCol="0" anchor="ctr"/>
-              <a:lstStyle/>
-              <a:p>
-                <a:pPr algn="ctr"/>
-                <a:endParaRPr lang="zh-CN" altLang="en-US"/>
-              </a:p>
-            </p:txBody>
-          </p:sp>
-          <p:sp>
-            <p:nvSpPr>
-              <p:cNvPr id="20" name="14"/>
-              <p:cNvSpPr/>
-              <p:nvPr/>
-            </p:nvSpPr>
-            <p:spPr>
-              <a:xfrm>
-                <a:off x="3253972" y="886219"/>
-                <a:ext cx="81003" cy="81003"/>
-              </a:xfrm>
-              <a:prstGeom prst="ellipse">
-                <a:avLst/>
-              </a:prstGeom>
-              <a:solidFill>
-                <a:srgbClr val="0070C0"/>
-              </a:solidFill>
-              <a:ln>
-                <a:noFill/>
-              </a:ln>
-            </p:spPr>
-            <p:style>
-              <a:lnRef idx="2">
-                <a:schemeClr val="accent1">
-                  <a:shade val="50000"/>
-                </a:schemeClr>
-              </a:lnRef>
-              <a:fillRef idx="1">
-                <a:schemeClr val="accent1"/>
-              </a:fillRef>
-              <a:effectRef idx="0">
-                <a:schemeClr val="accent1"/>
-              </a:effectRef>
-              <a:fontRef idx="minor">
-                <a:schemeClr val="lt1"/>
-              </a:fontRef>
-            </p:style>
-            <p:txBody>
-              <a:bodyPr rtlCol="0" anchor="ctr"/>
-              <a:lstStyle/>
-              <a:p>
-                <a:pPr algn="ctr"/>
-                <a:endParaRPr lang="zh-CN" altLang="en-US"/>
-              </a:p>
-            </p:txBody>
-          </p:sp>
-          <p:sp>
-            <p:nvSpPr>
-              <p:cNvPr id="21" name="15"/>
-              <p:cNvSpPr/>
-              <p:nvPr/>
-            </p:nvSpPr>
-            <p:spPr>
-              <a:xfrm>
-                <a:off x="3098958" y="835851"/>
-                <a:ext cx="81003" cy="81003"/>
-              </a:xfrm>
-              <a:prstGeom prst="ellipse">
-                <a:avLst/>
-              </a:prstGeom>
-              <a:solidFill>
-                <a:srgbClr val="0070C0"/>
-              </a:solidFill>
-              <a:ln>
-                <a:noFill/>
-              </a:ln>
-            </p:spPr>
-            <p:style>
-              <a:lnRef idx="2">
-                <a:schemeClr val="accent1">
-                  <a:shade val="50000"/>
-                </a:schemeClr>
-              </a:lnRef>
-              <a:fillRef idx="1">
-                <a:schemeClr val="accent1"/>
-              </a:fillRef>
-              <a:effectRef idx="0">
-                <a:schemeClr val="accent1"/>
-              </a:effectRef>
-              <a:fontRef idx="minor">
-                <a:schemeClr val="lt1"/>
-              </a:fontRef>
-            </p:style>
-            <p:txBody>
-              <a:bodyPr rtlCol="0" anchor="ctr"/>
-              <a:lstStyle/>
-              <a:p>
-                <a:pPr algn="ctr"/>
-                <a:endParaRPr lang="zh-CN" altLang="en-US"/>
-              </a:p>
-            </p:txBody>
-          </p:sp>
-          <p:sp>
-            <p:nvSpPr>
-              <p:cNvPr id="22" name="16"/>
-              <p:cNvSpPr/>
-              <p:nvPr/>
-            </p:nvSpPr>
-            <p:spPr>
-              <a:xfrm>
-                <a:off x="2845422" y="824196"/>
-                <a:ext cx="81003" cy="81003"/>
-              </a:xfrm>
-              <a:prstGeom prst="ellipse">
-                <a:avLst/>
-              </a:prstGeom>
-              <a:solidFill>
-                <a:srgbClr val="0070C0"/>
-              </a:solidFill>
-              <a:ln>
-                <a:noFill/>
-              </a:ln>
-            </p:spPr>
-            <p:style>
-              <a:lnRef idx="2">
-                <a:schemeClr val="accent1">
-                  <a:shade val="50000"/>
-                </a:schemeClr>
-              </a:lnRef>
-              <a:fillRef idx="1">
-                <a:schemeClr val="accent1"/>
-              </a:fillRef>
-              <a:effectRef idx="0">
-                <a:schemeClr val="accent1"/>
-              </a:effectRef>
-              <a:fontRef idx="minor">
-                <a:schemeClr val="lt1"/>
-              </a:fontRef>
-            </p:style>
-            <p:txBody>
-              <a:bodyPr rtlCol="0" anchor="ctr"/>
-              <a:lstStyle/>
-              <a:p>
-                <a:pPr algn="ctr"/>
-                <a:endParaRPr lang="zh-CN" altLang="en-US"/>
-              </a:p>
-            </p:txBody>
-          </p:sp>
-          <p:sp>
-            <p:nvSpPr>
-              <p:cNvPr id="23" name="17"/>
-              <p:cNvSpPr/>
-              <p:nvPr/>
-            </p:nvSpPr>
-            <p:spPr>
-              <a:xfrm>
-                <a:off x="2686441" y="860125"/>
-                <a:ext cx="81003" cy="81003"/>
-              </a:xfrm>
-              <a:prstGeom prst="ellipse">
-                <a:avLst/>
-              </a:prstGeom>
-              <a:solidFill>
-                <a:srgbClr val="0070C0"/>
-              </a:solidFill>
-              <a:ln>
-                <a:noFill/>
-              </a:ln>
-            </p:spPr>
-            <p:style>
-              <a:lnRef idx="2">
-                <a:schemeClr val="accent1">
-                  <a:shade val="50000"/>
-                </a:schemeClr>
-              </a:lnRef>
-              <a:fillRef idx="1">
-                <a:schemeClr val="accent1"/>
-              </a:fillRef>
-              <a:effectRef idx="0">
-                <a:schemeClr val="accent1"/>
-              </a:effectRef>
-              <a:fontRef idx="minor">
-                <a:schemeClr val="lt1"/>
-              </a:fontRef>
-            </p:style>
-            <p:txBody>
-              <a:bodyPr rtlCol="0" anchor="ctr"/>
-              <a:lstStyle/>
-              <a:p>
-                <a:pPr algn="ctr"/>
-                <a:endParaRPr lang="zh-CN" altLang="en-US"/>
-              </a:p>
-            </p:txBody>
-          </p:sp>
-          <p:sp>
-            <p:nvSpPr>
-              <p:cNvPr id="24" name="18"/>
-              <p:cNvSpPr/>
-              <p:nvPr/>
-            </p:nvSpPr>
-            <p:spPr>
-              <a:xfrm>
-                <a:off x="2538403" y="928325"/>
-                <a:ext cx="81003" cy="81003"/>
-              </a:xfrm>
-              <a:prstGeom prst="ellipse">
-                <a:avLst/>
-              </a:prstGeom>
-              <a:solidFill>
-                <a:srgbClr val="0070C0"/>
-              </a:solidFill>
-              <a:ln>
-                <a:noFill/>
-              </a:ln>
-            </p:spPr>
-            <p:style>
-              <a:lnRef idx="2">
-                <a:schemeClr val="accent1">
-                  <a:shade val="50000"/>
-                </a:schemeClr>
-              </a:lnRef>
-              <a:fillRef idx="1">
-                <a:schemeClr val="accent1"/>
-              </a:fillRef>
-              <a:effectRef idx="0">
-                <a:schemeClr val="accent1"/>
-              </a:effectRef>
-              <a:fontRef idx="minor">
-                <a:schemeClr val="lt1"/>
-              </a:fontRef>
-            </p:style>
-            <p:txBody>
-              <a:bodyPr rtlCol="0" anchor="ctr"/>
-              <a:lstStyle/>
-              <a:p>
-                <a:pPr algn="ctr"/>
-                <a:endParaRPr lang="zh-CN" altLang="en-US"/>
-              </a:p>
-            </p:txBody>
-          </p:sp>
-          <p:sp>
-            <p:nvSpPr>
-              <p:cNvPr id="25" name="19"/>
-              <p:cNvSpPr/>
-              <p:nvPr/>
-            </p:nvSpPr>
-            <p:spPr>
-              <a:xfrm>
-                <a:off x="2407780" y="1025813"/>
-                <a:ext cx="81003" cy="81003"/>
-              </a:xfrm>
-              <a:prstGeom prst="ellipse">
-                <a:avLst/>
-              </a:prstGeom>
-              <a:solidFill>
-                <a:srgbClr val="0070C0"/>
-              </a:solidFill>
-              <a:ln>
-                <a:noFill/>
-              </a:ln>
-            </p:spPr>
-            <p:style>
-              <a:lnRef idx="2">
-                <a:schemeClr val="accent1">
-                  <a:shade val="50000"/>
-                </a:schemeClr>
-              </a:lnRef>
-              <a:fillRef idx="1">
-                <a:schemeClr val="accent1"/>
-              </a:fillRef>
-              <a:effectRef idx="0">
-                <a:schemeClr val="accent1"/>
-              </a:effectRef>
-              <a:fontRef idx="minor">
-                <a:schemeClr val="lt1"/>
-              </a:fontRef>
-            </p:style>
-            <p:txBody>
-              <a:bodyPr rtlCol="0" anchor="ctr"/>
-              <a:lstStyle/>
-              <a:p>
-                <a:pPr algn="ctr"/>
-                <a:endParaRPr lang="zh-CN" altLang="en-US"/>
-              </a:p>
-            </p:txBody>
-          </p:sp>
-          <p:sp>
-            <p:nvSpPr>
-              <p:cNvPr id="26" name="20"/>
-              <p:cNvSpPr/>
-              <p:nvPr/>
-            </p:nvSpPr>
-            <p:spPr>
-              <a:xfrm>
-                <a:off x="2300281" y="1148327"/>
-                <a:ext cx="81003" cy="81003"/>
-              </a:xfrm>
-              <a:prstGeom prst="ellipse">
-                <a:avLst/>
-              </a:prstGeom>
-              <a:solidFill>
-                <a:srgbClr val="0070C0"/>
-              </a:solidFill>
-              <a:ln>
-                <a:noFill/>
-              </a:ln>
-            </p:spPr>
-            <p:style>
-              <a:lnRef idx="2">
-                <a:schemeClr val="accent1">
-                  <a:shade val="50000"/>
-                </a:schemeClr>
-              </a:lnRef>
-              <a:fillRef idx="1">
-                <a:schemeClr val="accent1"/>
-              </a:fillRef>
-              <a:effectRef idx="0">
-                <a:schemeClr val="accent1"/>
-              </a:effectRef>
-              <a:fontRef idx="minor">
-                <a:schemeClr val="lt1"/>
-              </a:fontRef>
-            </p:style>
-            <p:txBody>
-              <a:bodyPr rtlCol="0" anchor="ctr"/>
-              <a:lstStyle/>
-              <a:p>
-                <a:pPr algn="ctr"/>
-                <a:endParaRPr lang="zh-CN" altLang="en-US"/>
-              </a:p>
-            </p:txBody>
-          </p:sp>
-          <p:sp>
-            <p:nvSpPr>
-              <p:cNvPr id="27" name="21"/>
-              <p:cNvSpPr/>
-              <p:nvPr/>
-            </p:nvSpPr>
-            <p:spPr>
-              <a:xfrm>
-                <a:off x="2220603" y="1290515"/>
-                <a:ext cx="81003" cy="81003"/>
-              </a:xfrm>
-              <a:prstGeom prst="ellipse">
-                <a:avLst/>
-              </a:prstGeom>
-              <a:solidFill>
-                <a:srgbClr val="0070C0"/>
-              </a:solidFill>
-              <a:ln>
-                <a:noFill/>
-              </a:ln>
-            </p:spPr>
-            <p:style>
-              <a:lnRef idx="2">
-                <a:schemeClr val="accent1">
-                  <a:shade val="50000"/>
-                </a:schemeClr>
-              </a:lnRef>
-              <a:fillRef idx="1">
-                <a:schemeClr val="accent1"/>
-              </a:fillRef>
-              <a:effectRef idx="0">
-                <a:schemeClr val="accent1"/>
-              </a:effectRef>
-              <a:fontRef idx="minor">
-                <a:schemeClr val="lt1"/>
-              </a:fontRef>
-            </p:style>
-            <p:txBody>
-              <a:bodyPr rtlCol="0" anchor="ctr"/>
-              <a:lstStyle/>
-              <a:p>
-                <a:pPr algn="ctr"/>
-                <a:endParaRPr lang="zh-CN" altLang="en-US"/>
-              </a:p>
-            </p:txBody>
-          </p:sp>
-          <p:sp>
-            <p:nvSpPr>
-              <p:cNvPr id="28" name="22"/>
-              <p:cNvSpPr/>
-              <p:nvPr/>
-            </p:nvSpPr>
-            <p:spPr>
-              <a:xfrm>
-                <a:off x="2172228" y="1446163"/>
-                <a:ext cx="81003" cy="81003"/>
-              </a:xfrm>
-              <a:prstGeom prst="ellipse">
-                <a:avLst/>
-              </a:prstGeom>
-              <a:solidFill>
-                <a:srgbClr val="0070C0"/>
-              </a:solidFill>
-              <a:ln>
-                <a:noFill/>
-              </a:ln>
-            </p:spPr>
-            <p:style>
-              <a:lnRef idx="2">
-                <a:schemeClr val="accent1">
-                  <a:shade val="50000"/>
-                </a:schemeClr>
-              </a:lnRef>
-              <a:fillRef idx="1">
-                <a:schemeClr val="accent1"/>
-              </a:fillRef>
-              <a:effectRef idx="0">
-                <a:schemeClr val="accent1"/>
-              </a:effectRef>
-              <a:fontRef idx="minor">
-                <a:schemeClr val="lt1"/>
-              </a:fontRef>
-            </p:style>
-            <p:txBody>
-              <a:bodyPr rtlCol="0" anchor="ctr"/>
-              <a:lstStyle/>
-              <a:p>
-                <a:pPr algn="ctr"/>
-                <a:endParaRPr lang="zh-CN" altLang="en-US"/>
-              </a:p>
-            </p:txBody>
-          </p:sp>
-          <p:sp>
-            <p:nvSpPr>
-              <p:cNvPr id="29" name="23"/>
-              <p:cNvSpPr/>
-              <p:nvPr/>
-            </p:nvSpPr>
-            <p:spPr>
-              <a:xfrm>
-                <a:off x="2157272" y="1608466"/>
-                <a:ext cx="81003" cy="81003"/>
-              </a:xfrm>
-              <a:prstGeom prst="ellipse">
-                <a:avLst/>
-              </a:prstGeom>
-              <a:solidFill>
-                <a:srgbClr val="0070C0"/>
-              </a:solidFill>
-              <a:ln>
-                <a:noFill/>
-              </a:ln>
-            </p:spPr>
-            <p:style>
-              <a:lnRef idx="2">
-                <a:schemeClr val="accent1">
-                  <a:shade val="50000"/>
-                </a:schemeClr>
-              </a:lnRef>
-              <a:fillRef idx="1">
-                <a:schemeClr val="accent1"/>
-              </a:fillRef>
-              <a:effectRef idx="0">
-                <a:schemeClr val="accent1"/>
-              </a:effectRef>
-              <a:fontRef idx="minor">
-                <a:schemeClr val="lt1"/>
-              </a:fontRef>
-            </p:style>
-            <p:txBody>
-              <a:bodyPr rtlCol="0" anchor="ctr"/>
-              <a:lstStyle/>
-              <a:p>
-                <a:pPr algn="ctr"/>
-                <a:endParaRPr lang="zh-CN" altLang="en-US"/>
-              </a:p>
-            </p:txBody>
-          </p:sp>
-          <p:sp>
-            <p:nvSpPr>
-              <p:cNvPr id="30" name="24"/>
-              <p:cNvSpPr/>
-              <p:nvPr/>
-            </p:nvSpPr>
-            <p:spPr>
-              <a:xfrm>
-                <a:off x="2176388" y="1770333"/>
-                <a:ext cx="81003" cy="81003"/>
-              </a:xfrm>
-              <a:prstGeom prst="ellipse">
-                <a:avLst/>
-              </a:prstGeom>
-              <a:solidFill>
-                <a:srgbClr val="0070C0"/>
-              </a:solidFill>
-              <a:ln>
-                <a:noFill/>
-              </a:ln>
-            </p:spPr>
-            <p:style>
-              <a:lnRef idx="2">
-                <a:schemeClr val="accent1">
-                  <a:shade val="50000"/>
-                </a:schemeClr>
-              </a:lnRef>
-              <a:fillRef idx="1">
-                <a:schemeClr val="accent1"/>
-              </a:fillRef>
-              <a:effectRef idx="0">
-                <a:schemeClr val="accent1"/>
-              </a:effectRef>
-              <a:fontRef idx="minor">
-                <a:schemeClr val="lt1"/>
-              </a:fontRef>
-            </p:style>
-            <p:txBody>
-              <a:bodyPr rtlCol="0" anchor="ctr"/>
-              <a:lstStyle/>
-              <a:p>
-                <a:pPr algn="ctr"/>
-                <a:endParaRPr lang="zh-CN" altLang="en-US"/>
-              </a:p>
-            </p:txBody>
-          </p:sp>
-          <p:sp>
-            <p:nvSpPr>
-              <p:cNvPr id="31" name="25"/>
-              <p:cNvSpPr/>
-              <p:nvPr/>
-            </p:nvSpPr>
-            <p:spPr>
-              <a:xfrm>
-                <a:off x="2228739" y="1924688"/>
-                <a:ext cx="81003" cy="81003"/>
-              </a:xfrm>
-              <a:prstGeom prst="ellipse">
-                <a:avLst/>
-              </a:prstGeom>
-              <a:solidFill>
-                <a:srgbClr val="0070C0"/>
-              </a:solidFill>
-              <a:ln>
-                <a:noFill/>
-              </a:ln>
-            </p:spPr>
-            <p:style>
-              <a:lnRef idx="2">
-                <a:schemeClr val="accent1">
-                  <a:shade val="50000"/>
-                </a:schemeClr>
-              </a:lnRef>
-              <a:fillRef idx="1">
-                <a:schemeClr val="accent1"/>
-              </a:fillRef>
-              <a:effectRef idx="0">
-                <a:schemeClr val="accent1"/>
-              </a:effectRef>
-              <a:fontRef idx="minor">
-                <a:schemeClr val="lt1"/>
-              </a:fontRef>
-            </p:style>
-            <p:txBody>
-              <a:bodyPr rtlCol="0" anchor="ctr"/>
-              <a:lstStyle/>
-              <a:p>
-                <a:pPr algn="ctr"/>
-                <a:endParaRPr lang="zh-CN" altLang="en-US"/>
-              </a:p>
-            </p:txBody>
-          </p:sp>
-          <p:sp>
-            <p:nvSpPr>
-              <p:cNvPr id="32" name="26"/>
-              <p:cNvSpPr/>
-              <p:nvPr/>
-            </p:nvSpPr>
-            <p:spPr>
-              <a:xfrm>
-                <a:off x="2312040" y="2064784"/>
-                <a:ext cx="81003" cy="81003"/>
-              </a:xfrm>
-              <a:prstGeom prst="ellipse">
-                <a:avLst/>
-              </a:prstGeom>
-              <a:solidFill>
-                <a:srgbClr val="0070C0"/>
-              </a:solidFill>
-              <a:ln>
-                <a:noFill/>
-              </a:ln>
-            </p:spPr>
-            <p:style>
-              <a:lnRef idx="2">
-                <a:schemeClr val="accent1">
-                  <a:shade val="50000"/>
-                </a:schemeClr>
-              </a:lnRef>
-              <a:fillRef idx="1">
-                <a:schemeClr val="accent1"/>
-              </a:fillRef>
-              <a:effectRef idx="0">
-                <a:schemeClr val="accent1"/>
-              </a:effectRef>
-              <a:fontRef idx="minor">
-                <a:schemeClr val="lt1"/>
-              </a:fontRef>
-            </p:style>
-            <p:txBody>
-              <a:bodyPr rtlCol="0" anchor="ctr"/>
-              <a:lstStyle/>
-              <a:p>
-                <a:pPr algn="ctr"/>
-                <a:endParaRPr lang="zh-CN" altLang="en-US"/>
-              </a:p>
-            </p:txBody>
-          </p:sp>
-          <p:sp>
-            <p:nvSpPr>
-              <p:cNvPr id="33" name="27"/>
-              <p:cNvSpPr/>
-              <p:nvPr/>
-            </p:nvSpPr>
-            <p:spPr>
-              <a:xfrm>
-                <a:off x="2422647" y="2184502"/>
-                <a:ext cx="81003" cy="81003"/>
-              </a:xfrm>
-              <a:prstGeom prst="ellipse">
-                <a:avLst/>
-              </a:prstGeom>
-              <a:solidFill>
-                <a:srgbClr val="0070C0"/>
-              </a:solidFill>
-              <a:ln>
-                <a:noFill/>
-              </a:ln>
-            </p:spPr>
-            <p:style>
-              <a:lnRef idx="2">
-                <a:schemeClr val="accent1">
-                  <a:shade val="50000"/>
-                </a:schemeClr>
-              </a:lnRef>
-              <a:fillRef idx="1">
-                <a:schemeClr val="accent1"/>
-              </a:fillRef>
-              <a:effectRef idx="0">
-                <a:schemeClr val="accent1"/>
-              </a:effectRef>
-              <a:fontRef idx="minor">
-                <a:schemeClr val="lt1"/>
-              </a:fontRef>
-            </p:style>
-            <p:txBody>
-              <a:bodyPr rtlCol="0" anchor="ctr"/>
-              <a:lstStyle/>
-              <a:p>
-                <a:pPr algn="ctr"/>
-                <a:endParaRPr lang="zh-CN" altLang="en-US"/>
-              </a:p>
-            </p:txBody>
-          </p:sp>
-          <p:sp>
-            <p:nvSpPr>
-              <p:cNvPr id="34" name="28"/>
-              <p:cNvSpPr/>
-              <p:nvPr/>
-            </p:nvSpPr>
-            <p:spPr>
-              <a:xfrm>
-                <a:off x="2555729" y="2278606"/>
-                <a:ext cx="81003" cy="81003"/>
-              </a:xfrm>
-              <a:prstGeom prst="ellipse">
-                <a:avLst/>
-              </a:prstGeom>
-              <a:solidFill>
-                <a:srgbClr val="0070C0"/>
-              </a:solidFill>
-              <a:ln>
-                <a:noFill/>
-              </a:ln>
-            </p:spPr>
-            <p:style>
-              <a:lnRef idx="2">
-                <a:schemeClr val="accent1">
-                  <a:shade val="50000"/>
-                </a:schemeClr>
-              </a:lnRef>
-              <a:fillRef idx="1">
-                <a:schemeClr val="accent1"/>
-              </a:fillRef>
-              <a:effectRef idx="0">
-                <a:schemeClr val="accent1"/>
-              </a:effectRef>
-              <a:fontRef idx="minor">
-                <a:schemeClr val="lt1"/>
-              </a:fontRef>
-            </p:style>
-            <p:txBody>
-              <a:bodyPr rtlCol="0" anchor="ctr"/>
-              <a:lstStyle/>
-              <a:p>
-                <a:pPr algn="ctr"/>
-                <a:endParaRPr lang="zh-CN" altLang="en-US"/>
-              </a:p>
-            </p:txBody>
-          </p:sp>
-          <p:sp>
-            <p:nvSpPr>
-              <p:cNvPr id="35" name="29"/>
-              <p:cNvSpPr/>
-              <p:nvPr/>
-            </p:nvSpPr>
-            <p:spPr>
-              <a:xfrm>
-                <a:off x="2705467" y="2342984"/>
-                <a:ext cx="81003" cy="81003"/>
-              </a:xfrm>
-              <a:prstGeom prst="ellipse">
-                <a:avLst/>
-              </a:prstGeom>
-              <a:solidFill>
-                <a:srgbClr val="0070C0"/>
-              </a:solidFill>
-              <a:ln>
-                <a:noFill/>
-              </a:ln>
-            </p:spPr>
-            <p:style>
-              <a:lnRef idx="2">
-                <a:schemeClr val="accent1">
-                  <a:shade val="50000"/>
-                </a:schemeClr>
-              </a:lnRef>
-              <a:fillRef idx="1">
-                <a:schemeClr val="accent1"/>
-              </a:fillRef>
-              <a:effectRef idx="0">
-                <a:schemeClr val="accent1"/>
-              </a:effectRef>
-              <a:fontRef idx="minor">
-                <a:schemeClr val="lt1"/>
-              </a:fontRef>
-            </p:style>
-            <p:txBody>
-              <a:bodyPr rtlCol="0" anchor="ctr"/>
-              <a:lstStyle/>
-              <a:p>
-                <a:pPr algn="ctr"/>
-                <a:endParaRPr lang="zh-CN" altLang="en-US"/>
-              </a:p>
-            </p:txBody>
-          </p:sp>
-          <p:sp>
-            <p:nvSpPr>
-              <p:cNvPr id="36" name="30"/>
-              <p:cNvSpPr/>
-              <p:nvPr/>
-            </p:nvSpPr>
-            <p:spPr>
-              <a:xfrm>
-                <a:off x="2865319" y="2374823"/>
-                <a:ext cx="81003" cy="81003"/>
-              </a:xfrm>
-              <a:prstGeom prst="ellipse">
-                <a:avLst/>
-              </a:prstGeom>
-              <a:solidFill>
-                <a:srgbClr val="0070C0"/>
-              </a:solidFill>
-              <a:ln>
-                <a:noFill/>
-              </a:ln>
-            </p:spPr>
-            <p:style>
-              <a:lnRef idx="2">
-                <a:schemeClr val="accent1">
-                  <a:shade val="50000"/>
-                </a:schemeClr>
-              </a:lnRef>
-              <a:fillRef idx="1">
-                <a:schemeClr val="accent1"/>
-              </a:fillRef>
-              <a:effectRef idx="0">
-                <a:schemeClr val="accent1"/>
-              </a:effectRef>
-              <a:fontRef idx="minor">
-                <a:schemeClr val="lt1"/>
-              </a:fontRef>
-            </p:style>
-            <p:txBody>
-              <a:bodyPr rtlCol="0" anchor="ctr"/>
-              <a:lstStyle/>
-              <a:p>
-                <a:pPr algn="ctr"/>
-                <a:endParaRPr lang="zh-CN" altLang="en-US"/>
-              </a:p>
-            </p:txBody>
-          </p:sp>
-        </p:grpSp>
+            <a:prstGeom prst="rect">
+              <a:avLst/>
+            </a:prstGeom>
+            <a:solidFill>
+              <a:schemeClr val="bg1"/>
+            </a:solidFill>
+          </p:spPr>
+          <p:txBody>
+            <a:bodyPr wrap="square" rtlCol="0">
+              <a:spAutoFit/>
+            </a:bodyPr>
+            <a:lstStyle/>
+            <a:p>
+              <a:pPr algn="ctr"/>
+              <a:r>
+                <a:rPr lang="en-US" sz="1200" dirty="0" smtClean="0"/>
+                <a:t>λ (</a:t>
+              </a:r>
+              <a:r>
+                <a:rPr lang="el-GR" sz="1200" dirty="0" smtClean="0"/>
+                <a:t>μ</a:t>
+              </a:r>
+              <a:r>
+                <a:rPr lang="en-US" sz="1200" dirty="0" smtClean="0"/>
+                <a:t>m)</a:t>
+              </a:r>
+              <a:endParaRPr lang="en-US" sz="1200" dirty="0"/>
+            </a:p>
+          </p:txBody>
+        </p:sp>
+        <p:sp>
+          <p:nvSpPr>
+            <p:cNvPr id="26" name="TextBox 25"/>
+            <p:cNvSpPr txBox="1"/>
+            <p:nvPr/>
+          </p:nvSpPr>
+          <p:spPr>
+            <a:xfrm>
+              <a:off x="5103964" y="3077110"/>
+              <a:ext cx="1547892" cy="276999"/>
+            </a:xfrm>
+            <a:prstGeom prst="rect">
+              <a:avLst/>
+            </a:prstGeom>
+            <a:solidFill>
+              <a:schemeClr val="bg1"/>
+            </a:solidFill>
+          </p:spPr>
+          <p:txBody>
+            <a:bodyPr wrap="square" rtlCol="0">
+              <a:spAutoFit/>
+            </a:bodyPr>
+            <a:lstStyle/>
+            <a:p>
+              <a:pPr algn="ctr"/>
+              <a:r>
+                <a:rPr lang="en-US" sz="1200" i="1" dirty="0"/>
+                <a:t>τ</a:t>
+              </a:r>
+            </a:p>
+          </p:txBody>
+        </p:sp>
         <p:pic>
           <p:nvPicPr>
-            <p:cNvPr id="5127" name="Picture 7" descr="D:\BaiduTongBu\OE\fig5\oe_fig5b.jpg"/>
+            <p:cNvPr id="3080" name="Picture 8"/>
             <p:cNvPicPr>
               <a:picLocks noChangeAspect="1" noChangeArrowheads="1"/>
             </p:cNvPicPr>
             <p:nvPr/>
           </p:nvPicPr>
           <p:blipFill>
-            <a:blip r:embed="rId2" cstate="print">
+            <a:blip r:embed="rId4">
               <a:extLst>
                 <a:ext uri="{28A0092B-C50C-407E-A947-70E740481C1C}">
                   <a14:useLocalDpi xmlns:a14="http://schemas.microsoft.com/office/drawing/2010/main" val="0"/>
                 </a:ext>
               </a:extLst>
             </a:blip>
-            <a:srcRect/>
             <a:stretch>
               <a:fillRect/>
             </a:stretch>
           </p:blipFill>
           <p:spPr bwMode="auto">
             <a:xfrm>
-              <a:off x="4211960" y="860125"/>
-              <a:ext cx="2340000" cy="1755000"/>
+              <a:off x="4457923" y="3317044"/>
+              <a:ext cx="2339818" cy="1622425"/>
             </a:xfrm>
             <a:prstGeom prst="rect">
               <a:avLst/>
             </a:prstGeom>
             <a:noFill/>
+            <a:ln>
+              <a:noFill/>
+            </a:ln>
             <a:extLst>
               <a:ext uri="{909E8E84-426E-40DD-AFC4-6F175D3DCCD1}">
                 <a14:hiddenFill xmlns:a14="http://schemas.microsoft.com/office/drawing/2010/main">
@@ -10773,342 +9180,28 @@
                   </a:solidFill>
                 </a14:hiddenFill>
               </a:ext>
-            </a:extLst>
-          </p:spPr>
-        </p:pic>
-        <p:pic>
-          <p:nvPicPr>
-            <p:cNvPr id="5128" name="Picture 8" descr="D:\BaiduTongBu\OE\fig5\oe_fig5c.jpg"/>
-            <p:cNvPicPr>
-              <a:picLocks noChangeAspect="1" noChangeArrowheads="1"/>
-            </p:cNvPicPr>
-            <p:nvPr/>
-          </p:nvPicPr>
-          <p:blipFill>
-            <a:blip r:embed="rId3" cstate="print">
-              <a:extLst>
-                <a:ext uri="{28A0092B-C50C-407E-A947-70E740481C1C}">
-                  <a14:useLocalDpi xmlns:a14="http://schemas.microsoft.com/office/drawing/2010/main" val="0"/>
-                </a:ext>
-              </a:extLst>
-            </a:blip>
-            <a:srcRect/>
-            <a:stretch>
-              <a:fillRect/>
-            </a:stretch>
-          </p:blipFill>
-          <p:spPr bwMode="auto">
-            <a:xfrm>
-              <a:off x="4175833" y="2852936"/>
-              <a:ext cx="2340000" cy="1755000"/>
-            </a:xfrm>
-            <a:prstGeom prst="rect">
-              <a:avLst/>
-            </a:prstGeom>
-            <a:noFill/>
-            <a:extLst>
-              <a:ext uri="{909E8E84-426E-40DD-AFC4-6F175D3DCCD1}">
-                <a14:hiddenFill xmlns:a14="http://schemas.microsoft.com/office/drawing/2010/main">
+              <a:ext uri="{91240B29-F687-4F45-9708-019B960494DF}">
+                <a14:hiddenLine xmlns:a14="http://schemas.microsoft.com/office/drawing/2010/main" w="9525">
                   <a:solidFill>
-                    <a:srgbClr val="FFFFFF"/>
+                    <a:srgbClr val="000000"/>
                   </a:solidFill>
-                </a14:hiddenFill>
-              </a:ext>
-            </a:extLst>
-          </p:spPr>
-        </p:pic>
-        <p:pic>
-          <p:nvPicPr>
-            <p:cNvPr id="5129" name="Picture 9" descr="D:\BaiduTongBu\OE\fig5\oe_fig5d.jpg"/>
-            <p:cNvPicPr>
-              <a:picLocks noChangeAspect="1" noChangeArrowheads="1"/>
-            </p:cNvPicPr>
-            <p:nvPr/>
-          </p:nvPicPr>
-          <p:blipFill>
-            <a:blip r:embed="rId4" cstate="print">
-              <a:extLst>
-                <a:ext uri="{28A0092B-C50C-407E-A947-70E740481C1C}">
-                  <a14:useLocalDpi xmlns:a14="http://schemas.microsoft.com/office/drawing/2010/main" val="0"/>
-                </a:ext>
-              </a:extLst>
-            </a:blip>
-            <a:srcRect/>
-            <a:stretch>
-              <a:fillRect/>
-            </a:stretch>
-          </p:blipFill>
-          <p:spPr bwMode="auto">
-            <a:xfrm>
-              <a:off x="1675422" y="2852936"/>
-              <a:ext cx="2340000" cy="1755000"/>
-            </a:xfrm>
-            <a:prstGeom prst="rect">
-              <a:avLst/>
-            </a:prstGeom>
-            <a:noFill/>
-            <a:extLst>
-              <a:ext uri="{909E8E84-426E-40DD-AFC4-6F175D3DCCD1}">
-                <a14:hiddenFill xmlns:a14="http://schemas.microsoft.com/office/drawing/2010/main">
-                  <a:solidFill>
-                    <a:srgbClr val="FFFFFF"/>
-                  </a:solidFill>
-                </a14:hiddenFill>
+                  <a:miter lim="800000"/>
+                  <a:headEnd/>
+                  <a:tailEnd/>
+                </a14:hiddenLine>
               </a:ext>
             </a:extLst>
           </p:spPr>
         </p:pic>
         <p:sp>
           <p:nvSpPr>
-            <p:cNvPr id="48" name="圆角矩形 47"/>
-            <p:cNvSpPr/>
-            <p:nvPr/>
-          </p:nvSpPr>
-          <p:spPr>
-            <a:xfrm>
-              <a:off x="5140546" y="811129"/>
-              <a:ext cx="482828" cy="231181"/>
-            </a:xfrm>
-            <a:prstGeom prst="roundRect">
-              <a:avLst/>
-            </a:prstGeom>
-            <a:noFill/>
-            <a:ln w="6350">
-              <a:solidFill>
-                <a:schemeClr val="tx1"/>
-              </a:solidFill>
-              <a:prstDash val="solid"/>
-            </a:ln>
-          </p:spPr>
-          <p:style>
-            <a:lnRef idx="2">
-              <a:schemeClr val="accent1">
-                <a:shade val="50000"/>
-              </a:schemeClr>
-            </a:lnRef>
-            <a:fillRef idx="1">
-              <a:schemeClr val="accent1"/>
-            </a:fillRef>
-            <a:effectRef idx="0">
-              <a:schemeClr val="accent1"/>
-            </a:effectRef>
-            <a:fontRef idx="minor">
-              <a:schemeClr val="lt1"/>
-            </a:fontRef>
-          </p:style>
-          <p:txBody>
-            <a:bodyPr rtlCol="0" anchor="ctr"/>
-            <a:lstStyle/>
-            <a:p>
-              <a:pPr algn="ctr"/>
-              <a:endParaRPr lang="zh-CN" altLang="en-US"/>
-            </a:p>
-          </p:txBody>
-        </p:sp>
-        <p:sp>
-          <p:nvSpPr>
-            <p:cNvPr id="49" name="圆角矩形 48"/>
-            <p:cNvSpPr/>
-            <p:nvPr/>
-          </p:nvSpPr>
-          <p:spPr>
-            <a:xfrm>
-              <a:off x="5140546" y="2128428"/>
-              <a:ext cx="482828" cy="231181"/>
-            </a:xfrm>
-            <a:prstGeom prst="roundRect">
-              <a:avLst/>
-            </a:prstGeom>
-            <a:noFill/>
-            <a:ln w="6350">
-              <a:solidFill>
-                <a:schemeClr val="tx1"/>
-              </a:solidFill>
-              <a:prstDash val="solid"/>
-            </a:ln>
-          </p:spPr>
-          <p:style>
-            <a:lnRef idx="2">
-              <a:schemeClr val="accent1">
-                <a:shade val="50000"/>
-              </a:schemeClr>
-            </a:lnRef>
-            <a:fillRef idx="1">
-              <a:schemeClr val="accent1"/>
-            </a:fillRef>
-            <a:effectRef idx="0">
-              <a:schemeClr val="accent1"/>
-            </a:effectRef>
-            <a:fontRef idx="minor">
-              <a:schemeClr val="lt1"/>
-            </a:fontRef>
-          </p:style>
-          <p:txBody>
-            <a:bodyPr rtlCol="0" anchor="ctr"/>
-            <a:lstStyle/>
-            <a:p>
-              <a:pPr algn="ctr"/>
-              <a:endParaRPr lang="zh-CN" altLang="en-US"/>
-            </a:p>
-          </p:txBody>
-        </p:sp>
-        <p:cxnSp>
-          <p:nvCxnSpPr>
-            <p:cNvPr id="50" name="直接箭头连接符 49"/>
-            <p:cNvCxnSpPr/>
-            <p:nvPr/>
-          </p:nvCxnSpPr>
-          <p:spPr>
-            <a:xfrm flipH="1">
-              <a:off x="3652558" y="1066314"/>
-              <a:ext cx="1567515" cy="1786622"/>
-            </a:xfrm>
-            <a:prstGeom prst="straightConnector1">
-              <a:avLst/>
-            </a:prstGeom>
-            <a:ln w="6350">
-              <a:solidFill>
-                <a:schemeClr val="tx1"/>
-              </a:solidFill>
-              <a:headEnd type="none" w="med" len="med"/>
-              <a:tailEnd type="triangle" w="med" len="med"/>
-            </a:ln>
-          </p:spPr>
-          <p:style>
-            <a:lnRef idx="1">
-              <a:schemeClr val="accent1"/>
-            </a:lnRef>
-            <a:fillRef idx="0">
-              <a:schemeClr val="accent1"/>
-            </a:fillRef>
-            <a:effectRef idx="0">
-              <a:schemeClr val="accent1"/>
-            </a:effectRef>
-            <a:fontRef idx="minor">
-              <a:schemeClr val="tx1"/>
-            </a:fontRef>
-          </p:style>
-        </p:cxnSp>
-        <p:cxnSp>
-          <p:nvCxnSpPr>
-            <p:cNvPr id="53" name="直接箭头连接符 52"/>
-            <p:cNvCxnSpPr>
-              <a:endCxn id="5128" idx="0"/>
-            </p:cNvCxnSpPr>
-            <p:nvPr/>
-          </p:nvCxnSpPr>
-          <p:spPr>
-            <a:xfrm flipH="1">
-              <a:off x="5345833" y="2378113"/>
-              <a:ext cx="36128" cy="474823"/>
-            </a:xfrm>
-            <a:prstGeom prst="straightConnector1">
-              <a:avLst/>
-            </a:prstGeom>
-            <a:ln w="6350">
-              <a:solidFill>
-                <a:schemeClr val="tx1"/>
-              </a:solidFill>
-              <a:headEnd type="none" w="med" len="med"/>
-              <a:tailEnd type="triangle" w="med" len="med"/>
-            </a:ln>
-          </p:spPr>
-          <p:style>
-            <a:lnRef idx="1">
-              <a:schemeClr val="accent1"/>
-            </a:lnRef>
-            <a:fillRef idx="0">
-              <a:schemeClr val="accent1"/>
-            </a:fillRef>
-            <a:effectRef idx="0">
-              <a:schemeClr val="accent1"/>
-            </a:effectRef>
-            <a:fontRef idx="minor">
-              <a:schemeClr val="tx1"/>
-            </a:fontRef>
-          </p:style>
-        </p:cxnSp>
-        <p:sp>
-          <p:nvSpPr>
-            <p:cNvPr id="56" name="文本框 37"/>
+            <p:cNvPr id="19" name="文本框 37"/>
             <p:cNvSpPr txBox="1"/>
             <p:nvPr/>
           </p:nvSpPr>
           <p:spPr>
             <a:xfrm>
-              <a:off x="1603538" y="624969"/>
-              <a:ext cx="343844" cy="248339"/>
-            </a:xfrm>
-            <a:prstGeom prst="rect">
-              <a:avLst/>
-            </a:prstGeom>
-            <a:noFill/>
-          </p:spPr>
-          <p:txBody>
-            <a:bodyPr wrap="square" rtlCol="0">
-              <a:spAutoFit/>
-            </a:bodyPr>
-            <a:lstStyle/>
-            <a:p>
-              <a:r>
-                <a:rPr lang="en-US" altLang="zh-CN" sz="1000" dirty="0" smtClean="0">
-                  <a:latin typeface="Times New Roman" panose="02020603050405020304" pitchFamily="18" charset="0"/>
-                  <a:cs typeface="Times New Roman" panose="02020603050405020304" pitchFamily="18" charset="0"/>
-                </a:rPr>
-                <a:t>(a)</a:t>
-              </a:r>
-              <a:endParaRPr lang="zh-CN" altLang="en-US" sz="1000" dirty="0">
-                <a:latin typeface="Times New Roman" panose="02020603050405020304" pitchFamily="18" charset="0"/>
-                <a:cs typeface="Times New Roman" panose="02020603050405020304" pitchFamily="18" charset="0"/>
-              </a:endParaRPr>
-            </a:p>
-          </p:txBody>
-        </p:sp>
-        <p:sp>
-          <p:nvSpPr>
-            <p:cNvPr id="57" name="文本框 37"/>
-            <p:cNvSpPr txBox="1"/>
-            <p:nvPr/>
-          </p:nvSpPr>
-          <p:spPr>
-            <a:xfrm>
-              <a:off x="4183367" y="624969"/>
-              <a:ext cx="343844" cy="248339"/>
-            </a:xfrm>
-            <a:prstGeom prst="rect">
-              <a:avLst/>
-            </a:prstGeom>
-            <a:noFill/>
-          </p:spPr>
-          <p:txBody>
-            <a:bodyPr wrap="square" rtlCol="0">
-              <a:spAutoFit/>
-            </a:bodyPr>
-            <a:lstStyle/>
-            <a:p>
-              <a:r>
-                <a:rPr lang="en-US" altLang="zh-CN" sz="1000" dirty="0" smtClean="0">
-                  <a:latin typeface="Times New Roman" panose="02020603050405020304" pitchFamily="18" charset="0"/>
-                  <a:cs typeface="Times New Roman" panose="02020603050405020304" pitchFamily="18" charset="0"/>
-                </a:rPr>
-                <a:t>(b)</a:t>
-              </a:r>
-              <a:endParaRPr lang="zh-CN" altLang="en-US" sz="1000" dirty="0">
-                <a:latin typeface="Times New Roman" panose="02020603050405020304" pitchFamily="18" charset="0"/>
-                <a:cs typeface="Times New Roman" panose="02020603050405020304" pitchFamily="18" charset="0"/>
-              </a:endParaRPr>
-            </a:p>
-          </p:txBody>
-        </p:sp>
-        <p:sp>
-          <p:nvSpPr>
-            <p:cNvPr id="58" name="文本框 37"/>
-            <p:cNvSpPr txBox="1"/>
-            <p:nvPr/>
-          </p:nvSpPr>
-          <p:spPr>
-            <a:xfrm>
-              <a:off x="1603538" y="2604597"/>
+              <a:off x="4948236" y="3376584"/>
               <a:ext cx="343844" cy="248339"/>
             </a:xfrm>
             <a:prstGeom prst="rect">
@@ -11138,19 +9231,21 @@
         </p:sp>
         <p:sp>
           <p:nvSpPr>
-            <p:cNvPr id="59" name="文本框 37"/>
+            <p:cNvPr id="27" name="TextBox 26"/>
             <p:cNvSpPr txBox="1"/>
             <p:nvPr/>
           </p:nvSpPr>
           <p:spPr>
             <a:xfrm>
-              <a:off x="4183367" y="2604596"/>
-              <a:ext cx="343844" cy="248339"/>
+              <a:off x="5103964" y="4763927"/>
+              <a:ext cx="1547892" cy="276999"/>
             </a:xfrm>
             <a:prstGeom prst="rect">
               <a:avLst/>
             </a:prstGeom>
-            <a:noFill/>
+            <a:solidFill>
+              <a:schemeClr val="bg1"/>
+            </a:solidFill>
           </p:spPr>
           <p:txBody>
             <a:bodyPr wrap="square" rtlCol="0">
@@ -11158,2438 +9253,11 @@
             </a:bodyPr>
             <a:lstStyle/>
             <a:p>
+              <a:pPr algn="ctr"/>
               <a:r>
-                <a:rPr lang="en-US" altLang="zh-CN" sz="1000" dirty="0" smtClean="0">
-                  <a:latin typeface="Times New Roman" panose="02020603050405020304" pitchFamily="18" charset="0"/>
-                  <a:cs typeface="Times New Roman" panose="02020603050405020304" pitchFamily="18" charset="0"/>
-                </a:rPr>
-                <a:t>(d)</a:t>
+                <a:rPr lang="en-US" sz="1200" i="1" dirty="0"/>
+                <a:t>τ</a:t>
               </a:r>
-              <a:endParaRPr lang="zh-CN" altLang="en-US" sz="1000" dirty="0">
-                <a:latin typeface="Times New Roman" panose="02020603050405020304" pitchFamily="18" charset="0"/>
-                <a:cs typeface="Times New Roman" panose="02020603050405020304" pitchFamily="18" charset="0"/>
-              </a:endParaRPr>
-            </a:p>
-          </p:txBody>
-        </p:sp>
-      </p:grpSp>
-      <p:cxnSp>
-        <p:nvCxnSpPr>
-          <p:cNvPr id="40" name="直接箭头连接符 39"/>
-          <p:cNvCxnSpPr>
-            <a:endCxn id="44" idx="0"/>
-          </p:cNvCxnSpPr>
-          <p:nvPr/>
-        </p:nvCxnSpPr>
-        <p:spPr>
-          <a:xfrm>
-            <a:off x="2964866" y="955616"/>
-            <a:ext cx="0" cy="610742"/>
-          </a:xfrm>
-          <a:prstGeom prst="straightConnector1">
-            <a:avLst/>
-          </a:prstGeom>
-          <a:ln>
-            <a:solidFill>
-              <a:schemeClr val="tx1"/>
-            </a:solidFill>
-            <a:headEnd type="none" w="med" len="med"/>
-            <a:tailEnd type="triangle" w="med" len="med"/>
-          </a:ln>
-        </p:spPr>
-        <p:style>
-          <a:lnRef idx="1">
-            <a:schemeClr val="accent1"/>
-          </a:lnRef>
-          <a:fillRef idx="0">
-            <a:schemeClr val="accent1"/>
-          </a:fillRef>
-          <a:effectRef idx="0">
-            <a:schemeClr val="accent1"/>
-          </a:effectRef>
-          <a:fontRef idx="minor">
-            <a:schemeClr val="tx1"/>
-          </a:fontRef>
-        </p:style>
-      </p:cxnSp>
-      <p:cxnSp>
-        <p:nvCxnSpPr>
-          <p:cNvPr id="42" name="直接箭头连接符 41"/>
-          <p:cNvCxnSpPr>
-            <a:endCxn id="44" idx="2"/>
-          </p:cNvCxnSpPr>
-          <p:nvPr/>
-        </p:nvCxnSpPr>
-        <p:spPr>
-          <a:xfrm flipH="1" flipV="1">
-            <a:off x="2964866" y="1812579"/>
-            <a:ext cx="2664" cy="511673"/>
-          </a:xfrm>
-          <a:prstGeom prst="straightConnector1">
-            <a:avLst/>
-          </a:prstGeom>
-          <a:ln>
-            <a:solidFill>
-              <a:schemeClr val="tx1"/>
-            </a:solidFill>
-            <a:headEnd type="none" w="med" len="med"/>
-            <a:tailEnd type="triangle" w="med" len="med"/>
-          </a:ln>
-        </p:spPr>
-        <p:style>
-          <a:lnRef idx="1">
-            <a:schemeClr val="accent1"/>
-          </a:lnRef>
-          <a:fillRef idx="0">
-            <a:schemeClr val="accent1"/>
-          </a:fillRef>
-          <a:effectRef idx="0">
-            <a:schemeClr val="accent1"/>
-          </a:effectRef>
-          <a:fontRef idx="minor">
-            <a:schemeClr val="tx1"/>
-          </a:fontRef>
-        </p:style>
-      </p:cxnSp>
-      <p:sp>
-        <p:nvSpPr>
-          <p:cNvPr id="44" name="TextBox 43"/>
-          <p:cNvSpPr txBox="1"/>
-          <p:nvPr/>
-        </p:nvSpPr>
-        <p:spPr>
-          <a:xfrm>
-            <a:off x="2673001" y="1566358"/>
-            <a:ext cx="583730" cy="246221"/>
-          </a:xfrm>
-          <a:prstGeom prst="rect">
-            <a:avLst/>
-          </a:prstGeom>
-          <a:noFill/>
-        </p:spPr>
-        <p:txBody>
-          <a:bodyPr wrap="square" rtlCol="0">
-            <a:spAutoFit/>
-          </a:bodyPr>
-          <a:lstStyle/>
-          <a:p>
-            <a:r>
-              <a:rPr lang="en-US" altLang="zh-CN" sz="1000" dirty="0" smtClean="0">
-                <a:latin typeface="Times New Roman" pitchFamily="18" charset="0"/>
-                <a:cs typeface="Times New Roman" pitchFamily="18" charset="0"/>
-              </a:rPr>
-              <a:t>π shift</a:t>
-            </a:r>
-            <a:endParaRPr lang="zh-CN" altLang="en-US" sz="1000" dirty="0">
-              <a:latin typeface="Times New Roman" pitchFamily="18" charset="0"/>
-              <a:cs typeface="Times New Roman" pitchFamily="18" charset="0"/>
-            </a:endParaRPr>
-          </a:p>
-        </p:txBody>
-      </p:sp>
-    </p:spTree>
-    <p:extLst>
-      <p:ext uri="{BB962C8B-B14F-4D97-AF65-F5344CB8AC3E}">
-        <p14:creationId xmlns:p14="http://schemas.microsoft.com/office/powerpoint/2010/main" val="3617901555"/>
-      </p:ext>
-    </p:extLst>
-  </p:cSld>
-  <p:clrMapOvr>
-    <a:masterClrMapping/>
-  </p:clrMapOvr>
-</p:sld>
-</file>
-
-<file path=ppt/slides/slide7.xml><?xml version="1.0" encoding="utf-8"?>
-<p:sld xmlns:a="http://schemas.openxmlformats.org/drawingml/2006/main" xmlns:r="http://schemas.openxmlformats.org/officeDocument/2006/relationships" xmlns:p="http://schemas.openxmlformats.org/presentationml/2006/main">
-  <p:cSld>
-    <p:spTree>
-      <p:nvGrpSpPr>
-        <p:cNvPr id="1" name=""/>
-        <p:cNvGrpSpPr/>
-        <p:nvPr/>
-      </p:nvGrpSpPr>
-      <p:grpSpPr>
-        <a:xfrm>
-          <a:off x="0" y="0"/>
-          <a:ext cx="0" cy="0"/>
-          <a:chOff x="0" y="0"/>
-          <a:chExt cx="0" cy="0"/>
-        </a:xfrm>
-      </p:grpSpPr>
-      <p:grpSp>
-        <p:nvGrpSpPr>
-          <p:cNvPr id="2" name="组合 1"/>
-          <p:cNvGrpSpPr/>
-          <p:nvPr/>
-        </p:nvGrpSpPr>
-        <p:grpSpPr>
-          <a:xfrm>
-            <a:off x="2195736" y="2132856"/>
-            <a:ext cx="4722589" cy="2165350"/>
-            <a:chOff x="2267744" y="1628800"/>
-            <a:chExt cx="4722589" cy="2165350"/>
-          </a:xfrm>
-        </p:grpSpPr>
-        <p:pic>
-          <p:nvPicPr>
-            <p:cNvPr id="3074" name="Picture 2" descr="fig6a"/>
-            <p:cNvPicPr>
-              <a:picLocks noChangeAspect="1" noChangeArrowheads="1"/>
-            </p:cNvPicPr>
-            <p:nvPr/>
-          </p:nvPicPr>
-          <p:blipFill>
-            <a:blip r:embed="rId2">
-              <a:extLst>
-                <a:ext uri="{28A0092B-C50C-407E-A947-70E740481C1C}">
-                  <a14:useLocalDpi xmlns:a14="http://schemas.microsoft.com/office/drawing/2010/main" val="0"/>
-                </a:ext>
-              </a:extLst>
-            </a:blip>
-            <a:srcRect/>
-            <a:stretch>
-              <a:fillRect/>
-            </a:stretch>
-          </p:blipFill>
-          <p:spPr bwMode="auto">
-            <a:xfrm>
-              <a:off x="2267744" y="1628800"/>
-              <a:ext cx="2346325" cy="2165350"/>
-            </a:xfrm>
-            <a:prstGeom prst="rect">
-              <a:avLst/>
-            </a:prstGeom>
-            <a:noFill/>
-            <a:ln>
-              <a:noFill/>
-            </a:ln>
-            <a:extLst>
-              <a:ext uri="{909E8E84-426E-40DD-AFC4-6F175D3DCCD1}">
-                <a14:hiddenFill xmlns:a14="http://schemas.microsoft.com/office/drawing/2010/main">
-                  <a:solidFill>
-                    <a:srgbClr val="FFFFFF"/>
-                  </a:solidFill>
-                </a14:hiddenFill>
-              </a:ext>
-              <a:ext uri="{91240B29-F687-4F45-9708-019B960494DF}">
-                <a14:hiddenLine xmlns:a14="http://schemas.microsoft.com/office/drawing/2010/main" w="9525">
-                  <a:solidFill>
-                    <a:srgbClr val="000000"/>
-                  </a:solidFill>
-                  <a:miter lim="800000"/>
-                  <a:headEnd/>
-                  <a:tailEnd/>
-                </a14:hiddenLine>
-              </a:ext>
-            </a:extLst>
-          </p:spPr>
-        </p:pic>
-        <p:pic>
-          <p:nvPicPr>
-            <p:cNvPr id="3075" name="Picture 3" descr="fig6b"/>
-            <p:cNvPicPr>
-              <a:picLocks noChangeAspect="1" noChangeArrowheads="1"/>
-            </p:cNvPicPr>
-            <p:nvPr/>
-          </p:nvPicPr>
-          <p:blipFill>
-            <a:blip r:embed="rId3">
-              <a:extLst>
-                <a:ext uri="{28A0092B-C50C-407E-A947-70E740481C1C}">
-                  <a14:useLocalDpi xmlns:a14="http://schemas.microsoft.com/office/drawing/2010/main" val="0"/>
-                </a:ext>
-              </a:extLst>
-            </a:blip>
-            <a:srcRect/>
-            <a:stretch>
-              <a:fillRect/>
-            </a:stretch>
-          </p:blipFill>
-          <p:spPr bwMode="auto">
-            <a:xfrm>
-              <a:off x="4644008" y="1628800"/>
-              <a:ext cx="2346325" cy="2165350"/>
-            </a:xfrm>
-            <a:prstGeom prst="rect">
-              <a:avLst/>
-            </a:prstGeom>
-            <a:noFill/>
-            <a:ln>
-              <a:noFill/>
-            </a:ln>
-            <a:extLst>
-              <a:ext uri="{909E8E84-426E-40DD-AFC4-6F175D3DCCD1}">
-                <a14:hiddenFill xmlns:a14="http://schemas.microsoft.com/office/drawing/2010/main">
-                  <a:solidFill>
-                    <a:srgbClr val="FFFFFF"/>
-                  </a:solidFill>
-                </a14:hiddenFill>
-              </a:ext>
-              <a:ext uri="{91240B29-F687-4F45-9708-019B960494DF}">
-                <a14:hiddenLine xmlns:a14="http://schemas.microsoft.com/office/drawing/2010/main" w="9525">
-                  <a:solidFill>
-                    <a:srgbClr val="000000"/>
-                  </a:solidFill>
-                  <a:miter lim="800000"/>
-                  <a:headEnd/>
-                  <a:tailEnd/>
-                </a14:hiddenLine>
-              </a:ext>
-            </a:extLst>
-          </p:spPr>
-        </p:pic>
-      </p:grpSp>
-      <p:sp>
-        <p:nvSpPr>
-          <p:cNvPr id="5" name="文本框 37"/>
-          <p:cNvSpPr txBox="1"/>
-          <p:nvPr/>
-        </p:nvSpPr>
-        <p:spPr>
-          <a:xfrm>
-            <a:off x="2627784" y="2135831"/>
-            <a:ext cx="343844" cy="248339"/>
-          </a:xfrm>
-          <a:prstGeom prst="rect">
-            <a:avLst/>
-          </a:prstGeom>
-          <a:noFill/>
-        </p:spPr>
-        <p:txBody>
-          <a:bodyPr wrap="square" rtlCol="0">
-            <a:spAutoFit/>
-          </a:bodyPr>
-          <a:lstStyle/>
-          <a:p>
-            <a:r>
-              <a:rPr lang="en-US" altLang="zh-CN" sz="1000" dirty="0" smtClean="0">
-                <a:latin typeface="Times New Roman" panose="02020603050405020304" pitchFamily="18" charset="0"/>
-                <a:cs typeface="Times New Roman" panose="02020603050405020304" pitchFamily="18" charset="0"/>
-              </a:rPr>
-              <a:t>(a)</a:t>
-            </a:r>
-            <a:endParaRPr lang="zh-CN" altLang="en-US" sz="1000" dirty="0">
-              <a:latin typeface="Times New Roman" panose="02020603050405020304" pitchFamily="18" charset="0"/>
-              <a:cs typeface="Times New Roman" panose="02020603050405020304" pitchFamily="18" charset="0"/>
-            </a:endParaRPr>
-          </a:p>
-        </p:txBody>
-      </p:sp>
-      <p:sp>
-        <p:nvSpPr>
-          <p:cNvPr id="6" name="文本框 37"/>
-          <p:cNvSpPr txBox="1"/>
-          <p:nvPr/>
-        </p:nvSpPr>
-        <p:spPr>
-          <a:xfrm>
-            <a:off x="5004048" y="2135831"/>
-            <a:ext cx="343844" cy="248339"/>
-          </a:xfrm>
-          <a:prstGeom prst="rect">
-            <a:avLst/>
-          </a:prstGeom>
-          <a:noFill/>
-        </p:spPr>
-        <p:txBody>
-          <a:bodyPr wrap="square" rtlCol="0">
-            <a:spAutoFit/>
-          </a:bodyPr>
-          <a:lstStyle/>
-          <a:p>
-            <a:r>
-              <a:rPr lang="en-US" altLang="zh-CN" sz="1000" dirty="0" smtClean="0">
-                <a:latin typeface="Times New Roman" panose="02020603050405020304" pitchFamily="18" charset="0"/>
-                <a:cs typeface="Times New Roman" panose="02020603050405020304" pitchFamily="18" charset="0"/>
-              </a:rPr>
-              <a:t>(b)</a:t>
-            </a:r>
-            <a:endParaRPr lang="zh-CN" altLang="en-US" sz="1000" dirty="0">
-              <a:latin typeface="Times New Roman" panose="02020603050405020304" pitchFamily="18" charset="0"/>
-              <a:cs typeface="Times New Roman" panose="02020603050405020304" pitchFamily="18" charset="0"/>
-            </a:endParaRPr>
-          </a:p>
-        </p:txBody>
-      </p:sp>
-    </p:spTree>
-    <p:extLst>
-      <p:ext uri="{BB962C8B-B14F-4D97-AF65-F5344CB8AC3E}">
-        <p14:creationId xmlns:p14="http://schemas.microsoft.com/office/powerpoint/2010/main" val="801447464"/>
-      </p:ext>
-    </p:extLst>
-  </p:cSld>
-  <p:clrMapOvr>
-    <a:masterClrMapping/>
-  </p:clrMapOvr>
-</p:sld>
-</file>
-
-<file path=ppt/slides/slide8.xml><?xml version="1.0" encoding="utf-8"?>
-<p:sld xmlns:a="http://schemas.openxmlformats.org/drawingml/2006/main" xmlns:r="http://schemas.openxmlformats.org/officeDocument/2006/relationships" xmlns:p="http://schemas.openxmlformats.org/presentationml/2006/main">
-  <p:cSld>
-    <p:spTree>
-      <p:nvGrpSpPr>
-        <p:cNvPr id="1" name=""/>
-        <p:cNvGrpSpPr/>
-        <p:nvPr/>
-      </p:nvGrpSpPr>
-      <p:grpSpPr>
-        <a:xfrm>
-          <a:off x="0" y="0"/>
-          <a:ext cx="0" cy="0"/>
-          <a:chOff x="0" y="0"/>
-          <a:chExt cx="0" cy="0"/>
-        </a:xfrm>
-      </p:grpSpPr>
-      <p:grpSp>
-        <p:nvGrpSpPr>
-          <p:cNvPr id="2" name="组合 1"/>
-          <p:cNvGrpSpPr/>
-          <p:nvPr/>
-        </p:nvGrpSpPr>
-        <p:grpSpPr>
-          <a:xfrm>
-            <a:off x="1603538" y="624969"/>
-            <a:ext cx="4948422" cy="3982967"/>
-            <a:chOff x="1603538" y="624969"/>
-            <a:chExt cx="4948422" cy="3982967"/>
-          </a:xfrm>
-        </p:grpSpPr>
-        <p:grpSp>
-          <p:nvGrpSpPr>
-            <p:cNvPr id="42" name="组合 41"/>
-            <p:cNvGrpSpPr/>
-            <p:nvPr/>
-          </p:nvGrpSpPr>
-          <p:grpSpPr>
-            <a:xfrm>
-              <a:off x="1603538" y="624969"/>
-              <a:ext cx="4948422" cy="3982967"/>
-              <a:chOff x="1603538" y="624969"/>
-              <a:chExt cx="4948422" cy="3982967"/>
-            </a:xfrm>
-          </p:grpSpPr>
-          <p:pic>
-            <p:nvPicPr>
-              <p:cNvPr id="5127" name="Picture 7"/>
-              <p:cNvPicPr>
-                <a:picLocks noChangeAspect="1" noChangeArrowheads="1"/>
-              </p:cNvPicPr>
-              <p:nvPr/>
-            </p:nvPicPr>
-            <p:blipFill>
-              <a:blip r:embed="rId2" cstate="print">
-                <a:extLst>
-                  <a:ext uri="{28A0092B-C50C-407E-A947-70E740481C1C}">
-                    <a14:useLocalDpi xmlns:a14="http://schemas.microsoft.com/office/drawing/2010/main" val="0"/>
-                  </a:ext>
-                </a:extLst>
-              </a:blip>
-              <a:stretch>
-                <a:fillRect/>
-              </a:stretch>
-            </p:blipFill>
-            <p:spPr bwMode="auto">
-              <a:xfrm>
-                <a:off x="4211960" y="860125"/>
-                <a:ext cx="2340000" cy="1755000"/>
-              </a:xfrm>
-              <a:prstGeom prst="rect">
-                <a:avLst/>
-              </a:prstGeom>
-              <a:noFill/>
-              <a:extLst>
-                <a:ext uri="{909E8E84-426E-40DD-AFC4-6F175D3DCCD1}">
-                  <a14:hiddenFill xmlns:a14="http://schemas.microsoft.com/office/drawing/2010/main">
-                    <a:solidFill>
-                      <a:srgbClr val="FFFFFF"/>
-                    </a:solidFill>
-                  </a14:hiddenFill>
-                </a:ext>
-              </a:extLst>
-            </p:spPr>
-          </p:pic>
-          <p:pic>
-            <p:nvPicPr>
-              <p:cNvPr id="5128" name="Picture 8"/>
-              <p:cNvPicPr>
-                <a:picLocks noChangeAspect="1" noChangeArrowheads="1"/>
-              </p:cNvPicPr>
-              <p:nvPr/>
-            </p:nvPicPr>
-            <p:blipFill>
-              <a:blip r:embed="rId3" cstate="print">
-                <a:extLst>
-                  <a:ext uri="{28A0092B-C50C-407E-A947-70E740481C1C}">
-                    <a14:useLocalDpi xmlns:a14="http://schemas.microsoft.com/office/drawing/2010/main" val="0"/>
-                  </a:ext>
-                </a:extLst>
-              </a:blip>
-              <a:stretch>
-                <a:fillRect/>
-              </a:stretch>
-            </p:blipFill>
-            <p:spPr bwMode="auto">
-              <a:xfrm>
-                <a:off x="4175833" y="2852936"/>
-                <a:ext cx="2340000" cy="1755000"/>
-              </a:xfrm>
-              <a:prstGeom prst="rect">
-                <a:avLst/>
-              </a:prstGeom>
-              <a:noFill/>
-              <a:extLst>
-                <a:ext uri="{909E8E84-426E-40DD-AFC4-6F175D3DCCD1}">
-                  <a14:hiddenFill xmlns:a14="http://schemas.microsoft.com/office/drawing/2010/main">
-                    <a:solidFill>
-                      <a:srgbClr val="FFFFFF"/>
-                    </a:solidFill>
-                  </a14:hiddenFill>
-                </a:ext>
-              </a:extLst>
-            </p:spPr>
-          </p:pic>
-          <p:pic>
-            <p:nvPicPr>
-              <p:cNvPr id="5129" name="Picture 9"/>
-              <p:cNvPicPr>
-                <a:picLocks noChangeAspect="1" noChangeArrowheads="1"/>
-              </p:cNvPicPr>
-              <p:nvPr/>
-            </p:nvPicPr>
-            <p:blipFill>
-              <a:blip r:embed="rId4" cstate="print">
-                <a:extLst>
-                  <a:ext uri="{28A0092B-C50C-407E-A947-70E740481C1C}">
-                    <a14:useLocalDpi xmlns:a14="http://schemas.microsoft.com/office/drawing/2010/main" val="0"/>
-                  </a:ext>
-                </a:extLst>
-              </a:blip>
-              <a:stretch>
-                <a:fillRect/>
-              </a:stretch>
-            </p:blipFill>
-            <p:spPr bwMode="auto">
-              <a:xfrm>
-                <a:off x="1675422" y="2852936"/>
-                <a:ext cx="2340000" cy="1755000"/>
-              </a:xfrm>
-              <a:prstGeom prst="rect">
-                <a:avLst/>
-              </a:prstGeom>
-              <a:noFill/>
-              <a:extLst>
-                <a:ext uri="{909E8E84-426E-40DD-AFC4-6F175D3DCCD1}">
-                  <a14:hiddenFill xmlns:a14="http://schemas.microsoft.com/office/drawing/2010/main">
-                    <a:solidFill>
-                      <a:srgbClr val="FFFFFF"/>
-                    </a:solidFill>
-                  </a14:hiddenFill>
-                </a:ext>
-              </a:extLst>
-            </p:spPr>
-          </p:pic>
-          <p:sp>
-            <p:nvSpPr>
-              <p:cNvPr id="48" name="圆角矩形 47"/>
-              <p:cNvSpPr/>
-              <p:nvPr/>
-            </p:nvSpPr>
-            <p:spPr>
-              <a:xfrm>
-                <a:off x="4978659" y="824196"/>
-                <a:ext cx="482828" cy="231181"/>
-              </a:xfrm>
-              <a:prstGeom prst="roundRect">
-                <a:avLst/>
-              </a:prstGeom>
-              <a:noFill/>
-              <a:ln w="6350">
-                <a:solidFill>
-                  <a:schemeClr val="tx1"/>
-                </a:solidFill>
-                <a:prstDash val="solid"/>
-              </a:ln>
-            </p:spPr>
-            <p:style>
-              <a:lnRef idx="2">
-                <a:schemeClr val="accent1">
-                  <a:shade val="50000"/>
-                </a:schemeClr>
-              </a:lnRef>
-              <a:fillRef idx="1">
-                <a:schemeClr val="accent1"/>
-              </a:fillRef>
-              <a:effectRef idx="0">
-                <a:schemeClr val="accent1"/>
-              </a:effectRef>
-              <a:fontRef idx="minor">
-                <a:schemeClr val="lt1"/>
-              </a:fontRef>
-            </p:style>
-            <p:txBody>
-              <a:bodyPr rtlCol="0" anchor="ctr"/>
-              <a:lstStyle/>
-              <a:p>
-                <a:pPr algn="ctr"/>
-                <a:endParaRPr lang="zh-CN" altLang="en-US"/>
-              </a:p>
-            </p:txBody>
-          </p:sp>
-          <p:sp>
-            <p:nvSpPr>
-              <p:cNvPr id="49" name="圆角矩形 48"/>
-              <p:cNvSpPr/>
-              <p:nvPr/>
-            </p:nvSpPr>
-            <p:spPr>
-              <a:xfrm>
-                <a:off x="4978659" y="2128428"/>
-                <a:ext cx="482828" cy="231181"/>
-              </a:xfrm>
-              <a:prstGeom prst="roundRect">
-                <a:avLst/>
-              </a:prstGeom>
-              <a:noFill/>
-              <a:ln w="6350">
-                <a:solidFill>
-                  <a:schemeClr val="tx1"/>
-                </a:solidFill>
-                <a:prstDash val="solid"/>
-              </a:ln>
-            </p:spPr>
-            <p:style>
-              <a:lnRef idx="2">
-                <a:schemeClr val="accent1">
-                  <a:shade val="50000"/>
-                </a:schemeClr>
-              </a:lnRef>
-              <a:fillRef idx="1">
-                <a:schemeClr val="accent1"/>
-              </a:fillRef>
-              <a:effectRef idx="0">
-                <a:schemeClr val="accent1"/>
-              </a:effectRef>
-              <a:fontRef idx="minor">
-                <a:schemeClr val="lt1"/>
-              </a:fontRef>
-            </p:style>
-            <p:txBody>
-              <a:bodyPr rtlCol="0" anchor="ctr"/>
-              <a:lstStyle/>
-              <a:p>
-                <a:pPr algn="ctr"/>
-                <a:endParaRPr lang="zh-CN" altLang="en-US"/>
-              </a:p>
-            </p:txBody>
-          </p:sp>
-          <p:cxnSp>
-            <p:nvCxnSpPr>
-              <p:cNvPr id="53" name="直接箭头连接符 52"/>
-              <p:cNvCxnSpPr/>
-              <p:nvPr/>
-            </p:nvCxnSpPr>
-            <p:spPr>
-              <a:xfrm>
-                <a:off x="5220073" y="2378113"/>
-                <a:ext cx="0" cy="474822"/>
-              </a:xfrm>
-              <a:prstGeom prst="straightConnector1">
-                <a:avLst/>
-              </a:prstGeom>
-              <a:ln w="6350">
-                <a:solidFill>
-                  <a:schemeClr val="tx1"/>
-                </a:solidFill>
-                <a:headEnd type="none" w="med" len="med"/>
-                <a:tailEnd type="triangle" w="med" len="med"/>
-              </a:ln>
-            </p:spPr>
-            <p:style>
-              <a:lnRef idx="1">
-                <a:schemeClr val="accent1"/>
-              </a:lnRef>
-              <a:fillRef idx="0">
-                <a:schemeClr val="accent1"/>
-              </a:fillRef>
-              <a:effectRef idx="0">
-                <a:schemeClr val="accent1"/>
-              </a:effectRef>
-              <a:fontRef idx="minor">
-                <a:schemeClr val="tx1"/>
-              </a:fontRef>
-            </p:style>
-          </p:cxnSp>
-          <p:sp>
-            <p:nvSpPr>
-              <p:cNvPr id="56" name="文本框 37"/>
-              <p:cNvSpPr txBox="1"/>
-              <p:nvPr/>
-            </p:nvSpPr>
-            <p:spPr>
-              <a:xfrm>
-                <a:off x="1603538" y="624969"/>
-                <a:ext cx="343844" cy="248339"/>
-              </a:xfrm>
-              <a:prstGeom prst="rect">
-                <a:avLst/>
-              </a:prstGeom>
-              <a:noFill/>
-            </p:spPr>
-            <p:txBody>
-              <a:bodyPr wrap="square" rtlCol="0">
-                <a:spAutoFit/>
-              </a:bodyPr>
-              <a:lstStyle/>
-              <a:p>
-                <a:r>
-                  <a:rPr lang="en-US" altLang="zh-CN" sz="1000" dirty="0" smtClean="0">
-                    <a:latin typeface="Times New Roman" panose="02020603050405020304" pitchFamily="18" charset="0"/>
-                    <a:cs typeface="Times New Roman" panose="02020603050405020304" pitchFamily="18" charset="0"/>
-                  </a:rPr>
-                  <a:t>(a)</a:t>
-                </a:r>
-                <a:endParaRPr lang="zh-CN" altLang="en-US" sz="1000" dirty="0">
-                  <a:latin typeface="Times New Roman" panose="02020603050405020304" pitchFamily="18" charset="0"/>
-                  <a:cs typeface="Times New Roman" panose="02020603050405020304" pitchFamily="18" charset="0"/>
-                </a:endParaRPr>
-              </a:p>
-            </p:txBody>
-          </p:sp>
-          <p:sp>
-            <p:nvSpPr>
-              <p:cNvPr id="57" name="文本框 37"/>
-              <p:cNvSpPr txBox="1"/>
-              <p:nvPr/>
-            </p:nvSpPr>
-            <p:spPr>
-              <a:xfrm>
-                <a:off x="4183367" y="624969"/>
-                <a:ext cx="343844" cy="248339"/>
-              </a:xfrm>
-              <a:prstGeom prst="rect">
-                <a:avLst/>
-              </a:prstGeom>
-              <a:noFill/>
-            </p:spPr>
-            <p:txBody>
-              <a:bodyPr wrap="square" rtlCol="0">
-                <a:spAutoFit/>
-              </a:bodyPr>
-              <a:lstStyle/>
-              <a:p>
-                <a:r>
-                  <a:rPr lang="en-US" altLang="zh-CN" sz="1000" dirty="0" smtClean="0">
-                    <a:latin typeface="Times New Roman" panose="02020603050405020304" pitchFamily="18" charset="0"/>
-                    <a:cs typeface="Times New Roman" panose="02020603050405020304" pitchFamily="18" charset="0"/>
-                  </a:rPr>
-                  <a:t>(b)</a:t>
-                </a:r>
-                <a:endParaRPr lang="zh-CN" altLang="en-US" sz="1000" dirty="0">
-                  <a:latin typeface="Times New Roman" panose="02020603050405020304" pitchFamily="18" charset="0"/>
-                  <a:cs typeface="Times New Roman" panose="02020603050405020304" pitchFamily="18" charset="0"/>
-                </a:endParaRPr>
-              </a:p>
-            </p:txBody>
-          </p:sp>
-          <p:sp>
-            <p:nvSpPr>
-              <p:cNvPr id="58" name="文本框 37"/>
-              <p:cNvSpPr txBox="1"/>
-              <p:nvPr/>
-            </p:nvSpPr>
-            <p:spPr>
-              <a:xfrm>
-                <a:off x="1603538" y="2604597"/>
-                <a:ext cx="343844" cy="248339"/>
-              </a:xfrm>
-              <a:prstGeom prst="rect">
-                <a:avLst/>
-              </a:prstGeom>
-              <a:noFill/>
-            </p:spPr>
-            <p:txBody>
-              <a:bodyPr wrap="square" rtlCol="0">
-                <a:spAutoFit/>
-              </a:bodyPr>
-              <a:lstStyle/>
-              <a:p>
-                <a:r>
-                  <a:rPr lang="en-US" altLang="zh-CN" sz="1000" dirty="0" smtClean="0">
-                    <a:latin typeface="Times New Roman" panose="02020603050405020304" pitchFamily="18" charset="0"/>
-                    <a:cs typeface="Times New Roman" panose="02020603050405020304" pitchFamily="18" charset="0"/>
-                  </a:rPr>
-                  <a:t>(c)</a:t>
-                </a:r>
-                <a:endParaRPr lang="zh-CN" altLang="en-US" sz="1000" dirty="0">
-                  <a:latin typeface="Times New Roman" panose="02020603050405020304" pitchFamily="18" charset="0"/>
-                  <a:cs typeface="Times New Roman" panose="02020603050405020304" pitchFamily="18" charset="0"/>
-                </a:endParaRPr>
-              </a:p>
-            </p:txBody>
-          </p:sp>
-          <p:sp>
-            <p:nvSpPr>
-              <p:cNvPr id="59" name="文本框 37"/>
-              <p:cNvSpPr txBox="1"/>
-              <p:nvPr/>
-            </p:nvSpPr>
-            <p:spPr>
-              <a:xfrm>
-                <a:off x="4183367" y="2604596"/>
-                <a:ext cx="343844" cy="248339"/>
-              </a:xfrm>
-              <a:prstGeom prst="rect">
-                <a:avLst/>
-              </a:prstGeom>
-              <a:noFill/>
-            </p:spPr>
-            <p:txBody>
-              <a:bodyPr wrap="square" rtlCol="0">
-                <a:spAutoFit/>
-              </a:bodyPr>
-              <a:lstStyle/>
-              <a:p>
-                <a:r>
-                  <a:rPr lang="en-US" altLang="zh-CN" sz="1000" dirty="0" smtClean="0">
-                    <a:latin typeface="Times New Roman" panose="02020603050405020304" pitchFamily="18" charset="0"/>
-                    <a:cs typeface="Times New Roman" panose="02020603050405020304" pitchFamily="18" charset="0"/>
-                  </a:rPr>
-                  <a:t>(d)</a:t>
-                </a:r>
-                <a:endParaRPr lang="zh-CN" altLang="en-US" sz="1000" dirty="0">
-                  <a:latin typeface="Times New Roman" panose="02020603050405020304" pitchFamily="18" charset="0"/>
-                  <a:cs typeface="Times New Roman" panose="02020603050405020304" pitchFamily="18" charset="0"/>
-                </a:endParaRPr>
-              </a:p>
-            </p:txBody>
-          </p:sp>
-          <p:grpSp>
-            <p:nvGrpSpPr>
-              <p:cNvPr id="41" name="组合 40"/>
-              <p:cNvGrpSpPr/>
-              <p:nvPr/>
-            </p:nvGrpSpPr>
-            <p:grpSpPr>
-              <a:xfrm>
-                <a:off x="1675422" y="756478"/>
-                <a:ext cx="2340000" cy="1718937"/>
-                <a:chOff x="1741546" y="409491"/>
-                <a:chExt cx="2340000" cy="1718937"/>
-              </a:xfrm>
-            </p:grpSpPr>
-            <p:sp>
-              <p:nvSpPr>
-                <p:cNvPr id="52" name="ring2"/>
-                <p:cNvSpPr/>
-                <p:nvPr/>
-              </p:nvSpPr>
-              <p:spPr>
-                <a:xfrm>
-                  <a:off x="2135853" y="477472"/>
-                  <a:ext cx="1553842" cy="1553841"/>
-                </a:xfrm>
-                <a:prstGeom prst="ellipse">
-                  <a:avLst/>
-                </a:prstGeom>
-                <a:noFill/>
-                <a:ln w="76200">
-                  <a:solidFill>
-                    <a:srgbClr val="00B0F0"/>
-                  </a:solidFill>
-                </a:ln>
-              </p:spPr>
-              <p:style>
-                <a:lnRef idx="2">
-                  <a:schemeClr val="accent1">
-                    <a:shade val="50000"/>
-                  </a:schemeClr>
-                </a:lnRef>
-                <a:fillRef idx="1">
-                  <a:schemeClr val="accent1"/>
-                </a:fillRef>
-                <a:effectRef idx="0">
-                  <a:schemeClr val="accent1"/>
-                </a:effectRef>
-                <a:fontRef idx="minor">
-                  <a:schemeClr val="lt1"/>
-                </a:fontRef>
-              </p:style>
-              <p:txBody>
-                <a:bodyPr rtlCol="0" anchor="ctr"/>
-                <a:lstStyle/>
-                <a:p>
-                  <a:pPr algn="ctr"/>
-                  <a:endParaRPr lang="zh-CN" altLang="en-US"/>
-                </a:p>
-              </p:txBody>
-            </p:sp>
-            <p:cxnSp>
-              <p:nvCxnSpPr>
-                <p:cNvPr id="54" name="line2"/>
-                <p:cNvCxnSpPr/>
-                <p:nvPr/>
-              </p:nvCxnSpPr>
-              <p:spPr>
-                <a:xfrm>
-                  <a:off x="1741546" y="2128428"/>
-                  <a:ext cx="2340000" cy="0"/>
-                </a:xfrm>
-                <a:prstGeom prst="line">
-                  <a:avLst/>
-                </a:prstGeom>
-                <a:ln w="76200">
-                  <a:solidFill>
-                    <a:srgbClr val="00B0F0"/>
-                  </a:solidFill>
-                </a:ln>
-              </p:spPr>
-              <p:style>
-                <a:lnRef idx="1">
-                  <a:schemeClr val="accent1"/>
-                </a:lnRef>
-                <a:fillRef idx="0">
-                  <a:schemeClr val="accent1"/>
-                </a:fillRef>
-                <a:effectRef idx="0">
-                  <a:schemeClr val="accent1"/>
-                </a:effectRef>
-                <a:fontRef idx="minor">
-                  <a:schemeClr val="tx1"/>
-                </a:fontRef>
-              </p:style>
-            </p:cxnSp>
-            <p:sp>
-              <p:nvSpPr>
-                <p:cNvPr id="55" name="1"/>
-                <p:cNvSpPr/>
-                <p:nvPr/>
-              </p:nvSpPr>
-              <p:spPr>
-                <a:xfrm>
-                  <a:off x="2968462" y="2016039"/>
-                  <a:ext cx="77692" cy="77692"/>
-                </a:xfrm>
-                <a:prstGeom prst="ellipse">
-                  <a:avLst/>
-                </a:prstGeom>
-                <a:solidFill>
-                  <a:srgbClr val="0070C0"/>
-                </a:solidFill>
-                <a:ln>
-                  <a:noFill/>
-                </a:ln>
-              </p:spPr>
-              <p:style>
-                <a:lnRef idx="2">
-                  <a:schemeClr val="accent1">
-                    <a:shade val="50000"/>
-                  </a:schemeClr>
-                </a:lnRef>
-                <a:fillRef idx="1">
-                  <a:schemeClr val="accent1"/>
-                </a:fillRef>
-                <a:effectRef idx="0">
-                  <a:schemeClr val="accent1"/>
-                </a:effectRef>
-                <a:fontRef idx="minor">
-                  <a:schemeClr val="lt1"/>
-                </a:fontRef>
-              </p:style>
-              <p:txBody>
-                <a:bodyPr rtlCol="0" anchor="ctr"/>
-                <a:lstStyle/>
-                <a:p>
-                  <a:pPr algn="ctr"/>
-                  <a:endParaRPr lang="zh-CN" altLang="en-US"/>
-                </a:p>
-              </p:txBody>
-            </p:sp>
-            <p:sp>
-              <p:nvSpPr>
-                <p:cNvPr id="60" name="2"/>
-                <p:cNvSpPr/>
-                <p:nvPr/>
-              </p:nvSpPr>
-              <p:spPr>
-                <a:xfrm>
-                  <a:off x="3132828" y="1978891"/>
-                  <a:ext cx="77692" cy="77692"/>
-                </a:xfrm>
-                <a:prstGeom prst="ellipse">
-                  <a:avLst/>
-                </a:prstGeom>
-                <a:solidFill>
-                  <a:srgbClr val="0070C0"/>
-                </a:solidFill>
-                <a:ln>
-                  <a:noFill/>
-                </a:ln>
-              </p:spPr>
-              <p:style>
-                <a:lnRef idx="2">
-                  <a:schemeClr val="accent1">
-                    <a:shade val="50000"/>
-                  </a:schemeClr>
-                </a:lnRef>
-                <a:fillRef idx="1">
-                  <a:schemeClr val="accent1"/>
-                </a:fillRef>
-                <a:effectRef idx="0">
-                  <a:schemeClr val="accent1"/>
-                </a:effectRef>
-                <a:fontRef idx="minor">
-                  <a:schemeClr val="lt1"/>
-                </a:fontRef>
-              </p:style>
-              <p:txBody>
-                <a:bodyPr rtlCol="0" anchor="ctr"/>
-                <a:lstStyle/>
-                <a:p>
-                  <a:pPr algn="ctr"/>
-                  <a:endParaRPr lang="zh-CN" altLang="en-US"/>
-                </a:p>
-              </p:txBody>
-            </p:sp>
-            <p:sp>
-              <p:nvSpPr>
-                <p:cNvPr id="61" name="3"/>
-                <p:cNvSpPr/>
-                <p:nvPr/>
-              </p:nvSpPr>
-              <p:spPr>
-                <a:xfrm>
-                  <a:off x="3285879" y="1908382"/>
-                  <a:ext cx="77692" cy="77692"/>
-                </a:xfrm>
-                <a:prstGeom prst="ellipse">
-                  <a:avLst/>
-                </a:prstGeom>
-                <a:solidFill>
-                  <a:srgbClr val="0070C0"/>
-                </a:solidFill>
-                <a:ln>
-                  <a:noFill/>
-                </a:ln>
-              </p:spPr>
-              <p:style>
-                <a:lnRef idx="2">
-                  <a:schemeClr val="accent1">
-                    <a:shade val="50000"/>
-                  </a:schemeClr>
-                </a:lnRef>
-                <a:fillRef idx="1">
-                  <a:schemeClr val="accent1"/>
-                </a:fillRef>
-                <a:effectRef idx="0">
-                  <a:schemeClr val="accent1"/>
-                </a:effectRef>
-                <a:fontRef idx="minor">
-                  <a:schemeClr val="lt1"/>
-                </a:fontRef>
-              </p:style>
-              <p:txBody>
-                <a:bodyPr rtlCol="0" anchor="ctr"/>
-                <a:lstStyle/>
-                <a:p>
-                  <a:pPr algn="ctr"/>
-                  <a:endParaRPr lang="zh-CN" altLang="en-US"/>
-                </a:p>
-              </p:txBody>
-            </p:sp>
-            <p:sp>
-              <p:nvSpPr>
-                <p:cNvPr id="62" name="4"/>
-                <p:cNvSpPr/>
-                <p:nvPr/>
-              </p:nvSpPr>
-              <p:spPr>
-                <a:xfrm>
-                  <a:off x="3420925" y="1807593"/>
-                  <a:ext cx="77692" cy="77692"/>
-                </a:xfrm>
-                <a:prstGeom prst="ellipse">
-                  <a:avLst/>
-                </a:prstGeom>
-                <a:solidFill>
-                  <a:srgbClr val="0070C0"/>
-                </a:solidFill>
-                <a:ln>
-                  <a:noFill/>
-                </a:ln>
-              </p:spPr>
-              <p:style>
-                <a:lnRef idx="2">
-                  <a:schemeClr val="accent1">
-                    <a:shade val="50000"/>
-                  </a:schemeClr>
-                </a:lnRef>
-                <a:fillRef idx="1">
-                  <a:schemeClr val="accent1"/>
-                </a:fillRef>
-                <a:effectRef idx="0">
-                  <a:schemeClr val="accent1"/>
-                </a:effectRef>
-                <a:fontRef idx="minor">
-                  <a:schemeClr val="lt1"/>
-                </a:fontRef>
-              </p:style>
-              <p:txBody>
-                <a:bodyPr rtlCol="0" anchor="ctr"/>
-                <a:lstStyle/>
-                <a:p>
-                  <a:pPr algn="ctr"/>
-                  <a:endParaRPr lang="zh-CN" altLang="en-US"/>
-                </a:p>
-              </p:txBody>
-            </p:sp>
-            <p:sp>
-              <p:nvSpPr>
-                <p:cNvPr id="63" name="5"/>
-                <p:cNvSpPr/>
-                <p:nvPr/>
-              </p:nvSpPr>
-              <p:spPr>
-                <a:xfrm>
-                  <a:off x="3532066" y="1680928"/>
-                  <a:ext cx="77692" cy="77692"/>
-                </a:xfrm>
-                <a:prstGeom prst="ellipse">
-                  <a:avLst/>
-                </a:prstGeom>
-                <a:solidFill>
-                  <a:srgbClr val="0070C0"/>
-                </a:solidFill>
-                <a:ln>
-                  <a:noFill/>
-                </a:ln>
-              </p:spPr>
-              <p:style>
-                <a:lnRef idx="2">
-                  <a:schemeClr val="accent1">
-                    <a:shade val="50000"/>
-                  </a:schemeClr>
-                </a:lnRef>
-                <a:fillRef idx="1">
-                  <a:schemeClr val="accent1"/>
-                </a:fillRef>
-                <a:effectRef idx="0">
-                  <a:schemeClr val="accent1"/>
-                </a:effectRef>
-                <a:fontRef idx="minor">
-                  <a:schemeClr val="lt1"/>
-                </a:fontRef>
-              </p:style>
-              <p:txBody>
-                <a:bodyPr rtlCol="0" anchor="ctr"/>
-                <a:lstStyle/>
-                <a:p>
-                  <a:pPr algn="ctr"/>
-                  <a:endParaRPr lang="zh-CN" altLang="en-US"/>
-                </a:p>
-              </p:txBody>
-            </p:sp>
-            <p:sp>
-              <p:nvSpPr>
-                <p:cNvPr id="64" name="6"/>
-                <p:cNvSpPr/>
-                <p:nvPr/>
-              </p:nvSpPr>
-              <p:spPr>
-                <a:xfrm>
-                  <a:off x="3614442" y="1533924"/>
-                  <a:ext cx="77692" cy="77692"/>
-                </a:xfrm>
-                <a:prstGeom prst="ellipse">
-                  <a:avLst/>
-                </a:prstGeom>
-                <a:solidFill>
-                  <a:srgbClr val="0070C0"/>
-                </a:solidFill>
-                <a:ln>
-                  <a:noFill/>
-                </a:ln>
-              </p:spPr>
-              <p:style>
-                <a:lnRef idx="2">
-                  <a:schemeClr val="accent1">
-                    <a:shade val="50000"/>
-                  </a:schemeClr>
-                </a:lnRef>
-                <a:fillRef idx="1">
-                  <a:schemeClr val="accent1"/>
-                </a:fillRef>
-                <a:effectRef idx="0">
-                  <a:schemeClr val="accent1"/>
-                </a:effectRef>
-                <a:fontRef idx="minor">
-                  <a:schemeClr val="lt1"/>
-                </a:fontRef>
-              </p:style>
-              <p:txBody>
-                <a:bodyPr rtlCol="0" anchor="ctr"/>
-                <a:lstStyle/>
-                <a:p>
-                  <a:pPr algn="ctr"/>
-                  <a:endParaRPr lang="zh-CN" altLang="en-US"/>
-                </a:p>
-              </p:txBody>
-            </p:sp>
-            <p:sp>
-              <p:nvSpPr>
-                <p:cNvPr id="65" name="7"/>
-                <p:cNvSpPr/>
-                <p:nvPr/>
-              </p:nvSpPr>
-              <p:spPr>
-                <a:xfrm>
-                  <a:off x="3664454" y="1373005"/>
-                  <a:ext cx="77692" cy="77692"/>
-                </a:xfrm>
-                <a:prstGeom prst="ellipse">
-                  <a:avLst/>
-                </a:prstGeom>
-                <a:solidFill>
-                  <a:srgbClr val="0070C0"/>
-                </a:solidFill>
-                <a:ln>
-                  <a:noFill/>
-                </a:ln>
-              </p:spPr>
-              <p:style>
-                <a:lnRef idx="2">
-                  <a:schemeClr val="accent1">
-                    <a:shade val="50000"/>
-                  </a:schemeClr>
-                </a:lnRef>
-                <a:fillRef idx="1">
-                  <a:schemeClr val="accent1"/>
-                </a:fillRef>
-                <a:effectRef idx="0">
-                  <a:schemeClr val="accent1"/>
-                </a:effectRef>
-                <a:fontRef idx="minor">
-                  <a:schemeClr val="lt1"/>
-                </a:fontRef>
-              </p:style>
-              <p:txBody>
-                <a:bodyPr rtlCol="0" anchor="ctr"/>
-                <a:lstStyle/>
-                <a:p>
-                  <a:pPr algn="ctr"/>
-                  <a:endParaRPr lang="zh-CN" altLang="en-US"/>
-                </a:p>
-              </p:txBody>
-            </p:sp>
-            <p:sp>
-              <p:nvSpPr>
-                <p:cNvPr id="66" name="8"/>
-                <p:cNvSpPr/>
-                <p:nvPr/>
-              </p:nvSpPr>
-              <p:spPr>
-                <a:xfrm>
-                  <a:off x="3679917" y="1205205"/>
-                  <a:ext cx="77692" cy="77692"/>
-                </a:xfrm>
-                <a:prstGeom prst="ellipse">
-                  <a:avLst/>
-                </a:prstGeom>
-                <a:solidFill>
-                  <a:srgbClr val="0070C0"/>
-                </a:solidFill>
-                <a:ln>
-                  <a:noFill/>
-                </a:ln>
-              </p:spPr>
-              <p:style>
-                <a:lnRef idx="2">
-                  <a:schemeClr val="accent1">
-                    <a:shade val="50000"/>
-                  </a:schemeClr>
-                </a:lnRef>
-                <a:fillRef idx="1">
-                  <a:schemeClr val="accent1"/>
-                </a:fillRef>
-                <a:effectRef idx="0">
-                  <a:schemeClr val="accent1"/>
-                </a:effectRef>
-                <a:fontRef idx="minor">
-                  <a:schemeClr val="lt1"/>
-                </a:fontRef>
-              </p:style>
-              <p:txBody>
-                <a:bodyPr rtlCol="0" anchor="ctr"/>
-                <a:lstStyle/>
-                <a:p>
-                  <a:pPr algn="ctr"/>
-                  <a:endParaRPr lang="zh-CN" altLang="en-US"/>
-                </a:p>
-              </p:txBody>
-            </p:sp>
-            <p:sp>
-              <p:nvSpPr>
-                <p:cNvPr id="67" name="9"/>
-                <p:cNvSpPr/>
-                <p:nvPr/>
-              </p:nvSpPr>
-              <p:spPr>
-                <a:xfrm>
-                  <a:off x="3660154" y="1037856"/>
-                  <a:ext cx="77692" cy="77692"/>
-                </a:xfrm>
-                <a:prstGeom prst="ellipse">
-                  <a:avLst/>
-                </a:prstGeom>
-                <a:solidFill>
-                  <a:srgbClr val="0070C0"/>
-                </a:solidFill>
-                <a:ln>
-                  <a:noFill/>
-                </a:ln>
-              </p:spPr>
-              <p:style>
-                <a:lnRef idx="2">
-                  <a:schemeClr val="accent1">
-                    <a:shade val="50000"/>
-                  </a:schemeClr>
-                </a:lnRef>
-                <a:fillRef idx="1">
-                  <a:schemeClr val="accent1"/>
-                </a:fillRef>
-                <a:effectRef idx="0">
-                  <a:schemeClr val="accent1"/>
-                </a:effectRef>
-                <a:fontRef idx="minor">
-                  <a:schemeClr val="lt1"/>
-                </a:fontRef>
-              </p:style>
-              <p:txBody>
-                <a:bodyPr rtlCol="0" anchor="ctr"/>
-                <a:lstStyle/>
-                <a:p>
-                  <a:pPr algn="ctr"/>
-                  <a:endParaRPr lang="zh-CN" altLang="en-US"/>
-                </a:p>
-              </p:txBody>
-            </p:sp>
-            <p:sp>
-              <p:nvSpPr>
-                <p:cNvPr id="68" name="10"/>
-                <p:cNvSpPr/>
-                <p:nvPr/>
-              </p:nvSpPr>
-              <p:spPr>
-                <a:xfrm>
-                  <a:off x="3606029" y="878273"/>
-                  <a:ext cx="77692" cy="77692"/>
-                </a:xfrm>
-                <a:prstGeom prst="ellipse">
-                  <a:avLst/>
-                </a:prstGeom>
-                <a:solidFill>
-                  <a:srgbClr val="0070C0"/>
-                </a:solidFill>
-                <a:ln>
-                  <a:noFill/>
-                </a:ln>
-              </p:spPr>
-              <p:style>
-                <a:lnRef idx="2">
-                  <a:schemeClr val="accent1">
-                    <a:shade val="50000"/>
-                  </a:schemeClr>
-                </a:lnRef>
-                <a:fillRef idx="1">
-                  <a:schemeClr val="accent1"/>
-                </a:fillRef>
-                <a:effectRef idx="0">
-                  <a:schemeClr val="accent1"/>
-                </a:effectRef>
-                <a:fontRef idx="minor">
-                  <a:schemeClr val="lt1"/>
-                </a:fontRef>
-              </p:style>
-              <p:txBody>
-                <a:bodyPr rtlCol="0" anchor="ctr"/>
-                <a:lstStyle/>
-                <a:p>
-                  <a:pPr algn="ctr"/>
-                  <a:endParaRPr lang="zh-CN" altLang="en-US"/>
-                </a:p>
-              </p:txBody>
-            </p:sp>
-            <p:sp>
-              <p:nvSpPr>
-                <p:cNvPr id="69" name="11"/>
-                <p:cNvSpPr/>
-                <p:nvPr/>
-              </p:nvSpPr>
-              <p:spPr>
-                <a:xfrm>
-                  <a:off x="3519908" y="733431"/>
-                  <a:ext cx="77692" cy="77692"/>
-                </a:xfrm>
-                <a:prstGeom prst="ellipse">
-                  <a:avLst/>
-                </a:prstGeom>
-                <a:solidFill>
-                  <a:srgbClr val="0070C0"/>
-                </a:solidFill>
-                <a:ln>
-                  <a:noFill/>
-                </a:ln>
-              </p:spPr>
-              <p:style>
-                <a:lnRef idx="2">
-                  <a:schemeClr val="accent1">
-                    <a:shade val="50000"/>
-                  </a:schemeClr>
-                </a:lnRef>
-                <a:fillRef idx="1">
-                  <a:schemeClr val="accent1"/>
-                </a:fillRef>
-                <a:effectRef idx="0">
-                  <a:schemeClr val="accent1"/>
-                </a:effectRef>
-                <a:fontRef idx="minor">
-                  <a:schemeClr val="lt1"/>
-                </a:fontRef>
-              </p:style>
-              <p:txBody>
-                <a:bodyPr rtlCol="0" anchor="ctr"/>
-                <a:lstStyle/>
-                <a:p>
-                  <a:pPr algn="ctr"/>
-                  <a:endParaRPr lang="zh-CN" altLang="en-US"/>
-                </a:p>
-              </p:txBody>
-            </p:sp>
-            <p:sp>
-              <p:nvSpPr>
-                <p:cNvPr id="70" name="12"/>
-                <p:cNvSpPr/>
-                <p:nvPr/>
-              </p:nvSpPr>
-              <p:spPr>
-                <a:xfrm>
-                  <a:off x="3405554" y="609660"/>
-                  <a:ext cx="77692" cy="77692"/>
-                </a:xfrm>
-                <a:prstGeom prst="ellipse">
-                  <a:avLst/>
-                </a:prstGeom>
-                <a:solidFill>
-                  <a:srgbClr val="0070C0"/>
-                </a:solidFill>
-                <a:ln>
-                  <a:noFill/>
-                </a:ln>
-              </p:spPr>
-              <p:style>
-                <a:lnRef idx="2">
-                  <a:schemeClr val="accent1">
-                    <a:shade val="50000"/>
-                  </a:schemeClr>
-                </a:lnRef>
-                <a:fillRef idx="1">
-                  <a:schemeClr val="accent1"/>
-                </a:fillRef>
-                <a:effectRef idx="0">
-                  <a:schemeClr val="accent1"/>
-                </a:effectRef>
-                <a:fontRef idx="minor">
-                  <a:schemeClr val="lt1"/>
-                </a:fontRef>
-              </p:style>
-              <p:txBody>
-                <a:bodyPr rtlCol="0" anchor="ctr"/>
-                <a:lstStyle/>
-                <a:p>
-                  <a:pPr algn="ctr"/>
-                  <a:endParaRPr lang="zh-CN" altLang="en-US"/>
-                </a:p>
-              </p:txBody>
-            </p:sp>
-            <p:sp>
-              <p:nvSpPr>
-                <p:cNvPr id="71" name="13"/>
-                <p:cNvSpPr/>
-                <p:nvPr/>
-              </p:nvSpPr>
-              <p:spPr>
-                <a:xfrm>
-                  <a:off x="3267967" y="512369"/>
-                  <a:ext cx="77692" cy="77692"/>
-                </a:xfrm>
-                <a:prstGeom prst="ellipse">
-                  <a:avLst/>
-                </a:prstGeom>
-                <a:solidFill>
-                  <a:srgbClr val="0070C0"/>
-                </a:solidFill>
-                <a:ln>
-                  <a:noFill/>
-                </a:ln>
-              </p:spPr>
-              <p:style>
-                <a:lnRef idx="2">
-                  <a:schemeClr val="accent1">
-                    <a:shade val="50000"/>
-                  </a:schemeClr>
-                </a:lnRef>
-                <a:fillRef idx="1">
-                  <a:schemeClr val="accent1"/>
-                </a:fillRef>
-                <a:effectRef idx="0">
-                  <a:schemeClr val="accent1"/>
-                </a:effectRef>
-                <a:fontRef idx="minor">
-                  <a:schemeClr val="lt1"/>
-                </a:fontRef>
-              </p:style>
-              <p:txBody>
-                <a:bodyPr rtlCol="0" anchor="ctr"/>
-                <a:lstStyle/>
-                <a:p>
-                  <a:pPr algn="ctr"/>
-                  <a:endParaRPr lang="zh-CN" altLang="en-US"/>
-                </a:p>
-              </p:txBody>
-            </p:sp>
-            <p:sp>
-              <p:nvSpPr>
-                <p:cNvPr id="72" name="14"/>
-                <p:cNvSpPr/>
-                <p:nvPr/>
-              </p:nvSpPr>
-              <p:spPr>
-                <a:xfrm>
-                  <a:off x="3113157" y="445810"/>
-                  <a:ext cx="77692" cy="77692"/>
-                </a:xfrm>
-                <a:prstGeom prst="ellipse">
-                  <a:avLst/>
-                </a:prstGeom>
-                <a:solidFill>
-                  <a:srgbClr val="0070C0"/>
-                </a:solidFill>
-                <a:ln>
-                  <a:noFill/>
-                </a:ln>
-              </p:spPr>
-              <p:style>
-                <a:lnRef idx="2">
-                  <a:schemeClr val="accent1">
-                    <a:shade val="50000"/>
-                  </a:schemeClr>
-                </a:lnRef>
-                <a:fillRef idx="1">
-                  <a:schemeClr val="accent1"/>
-                </a:fillRef>
-                <a:effectRef idx="0">
-                  <a:schemeClr val="accent1"/>
-                </a:effectRef>
-                <a:fontRef idx="minor">
-                  <a:schemeClr val="lt1"/>
-                </a:fontRef>
-              </p:style>
-              <p:txBody>
-                <a:bodyPr rtlCol="0" anchor="ctr"/>
-                <a:lstStyle/>
-                <a:p>
-                  <a:pPr algn="ctr"/>
-                  <a:endParaRPr lang="zh-CN" altLang="en-US"/>
-                </a:p>
-              </p:txBody>
-            </p:sp>
-            <p:sp>
-              <p:nvSpPr>
-                <p:cNvPr id="73" name="15"/>
-                <p:cNvSpPr/>
-                <p:nvPr/>
-              </p:nvSpPr>
-              <p:spPr>
-                <a:xfrm>
-                  <a:off x="2947892" y="412892"/>
-                  <a:ext cx="77692" cy="77692"/>
-                </a:xfrm>
-                <a:prstGeom prst="ellipse">
-                  <a:avLst/>
-                </a:prstGeom>
-                <a:solidFill>
-                  <a:srgbClr val="0070C0"/>
-                </a:solidFill>
-                <a:ln>
-                  <a:noFill/>
-                </a:ln>
-              </p:spPr>
-              <p:style>
-                <a:lnRef idx="2">
-                  <a:schemeClr val="accent1">
-                    <a:shade val="50000"/>
-                  </a:schemeClr>
-                </a:lnRef>
-                <a:fillRef idx="1">
-                  <a:schemeClr val="accent1"/>
-                </a:fillRef>
-                <a:effectRef idx="0">
-                  <a:schemeClr val="accent1"/>
-                </a:effectRef>
-                <a:fontRef idx="minor">
-                  <a:schemeClr val="lt1"/>
-                </a:fontRef>
-              </p:style>
-              <p:txBody>
-                <a:bodyPr rtlCol="0" anchor="ctr"/>
-                <a:lstStyle/>
-                <a:p>
-                  <a:pPr algn="ctr"/>
-                  <a:endParaRPr lang="zh-CN" altLang="en-US"/>
-                </a:p>
-              </p:txBody>
-            </p:sp>
-            <p:sp>
-              <p:nvSpPr>
-                <p:cNvPr id="74" name="16"/>
-                <p:cNvSpPr/>
-                <p:nvPr/>
-              </p:nvSpPr>
-              <p:spPr>
-                <a:xfrm>
-                  <a:off x="2873928" y="409491"/>
-                  <a:ext cx="77692" cy="77692"/>
-                </a:xfrm>
-                <a:prstGeom prst="ellipse">
-                  <a:avLst/>
-                </a:prstGeom>
-                <a:solidFill>
-                  <a:srgbClr val="0070C0"/>
-                </a:solidFill>
-                <a:ln>
-                  <a:noFill/>
-                </a:ln>
-              </p:spPr>
-              <p:style>
-                <a:lnRef idx="2">
-                  <a:schemeClr val="accent1">
-                    <a:shade val="50000"/>
-                  </a:schemeClr>
-                </a:lnRef>
-                <a:fillRef idx="1">
-                  <a:schemeClr val="accent1"/>
-                </a:fillRef>
-                <a:effectRef idx="0">
-                  <a:schemeClr val="accent1"/>
-                </a:effectRef>
-                <a:fontRef idx="minor">
-                  <a:schemeClr val="lt1"/>
-                </a:fontRef>
-              </p:style>
-              <p:txBody>
-                <a:bodyPr rtlCol="0" anchor="ctr"/>
-                <a:lstStyle/>
-                <a:p>
-                  <a:pPr algn="ctr"/>
-                  <a:endParaRPr lang="zh-CN" altLang="en-US"/>
-                </a:p>
-              </p:txBody>
-            </p:sp>
-            <p:sp>
-              <p:nvSpPr>
-                <p:cNvPr id="75" name="17"/>
-                <p:cNvSpPr/>
-                <p:nvPr/>
-              </p:nvSpPr>
-              <p:spPr>
-                <a:xfrm>
-                  <a:off x="2706340" y="427106"/>
-                  <a:ext cx="77692" cy="77692"/>
-                </a:xfrm>
-                <a:prstGeom prst="ellipse">
-                  <a:avLst/>
-                </a:prstGeom>
-                <a:solidFill>
-                  <a:srgbClr val="0070C0"/>
-                </a:solidFill>
-                <a:ln>
-                  <a:noFill/>
-                </a:ln>
-              </p:spPr>
-              <p:style>
-                <a:lnRef idx="2">
-                  <a:schemeClr val="accent1">
-                    <a:shade val="50000"/>
-                  </a:schemeClr>
-                </a:lnRef>
-                <a:fillRef idx="1">
-                  <a:schemeClr val="accent1"/>
-                </a:fillRef>
-                <a:effectRef idx="0">
-                  <a:schemeClr val="accent1"/>
-                </a:effectRef>
-                <a:fontRef idx="minor">
-                  <a:schemeClr val="lt1"/>
-                </a:fontRef>
-              </p:style>
-              <p:txBody>
-                <a:bodyPr rtlCol="0" anchor="ctr"/>
-                <a:lstStyle/>
-                <a:p>
-                  <a:pPr algn="ctr"/>
-                  <a:endParaRPr lang="zh-CN" altLang="en-US"/>
-                </a:p>
-              </p:txBody>
-            </p:sp>
-            <p:sp>
-              <p:nvSpPr>
-                <p:cNvPr id="76" name="18"/>
-                <p:cNvSpPr/>
-                <p:nvPr/>
-              </p:nvSpPr>
-              <p:spPr>
-                <a:xfrm>
-                  <a:off x="2546076" y="479178"/>
-                  <a:ext cx="77692" cy="77692"/>
-                </a:xfrm>
-                <a:prstGeom prst="ellipse">
-                  <a:avLst/>
-                </a:prstGeom>
-                <a:solidFill>
-                  <a:srgbClr val="0070C0"/>
-                </a:solidFill>
-                <a:ln>
-                  <a:noFill/>
-                </a:ln>
-              </p:spPr>
-              <p:style>
-                <a:lnRef idx="2">
-                  <a:schemeClr val="accent1">
-                    <a:shade val="50000"/>
-                  </a:schemeClr>
-                </a:lnRef>
-                <a:fillRef idx="1">
-                  <a:schemeClr val="accent1"/>
-                </a:fillRef>
-                <a:effectRef idx="0">
-                  <a:schemeClr val="accent1"/>
-                </a:effectRef>
-                <a:fontRef idx="minor">
-                  <a:schemeClr val="lt1"/>
-                </a:fontRef>
-              </p:style>
-              <p:txBody>
-                <a:bodyPr rtlCol="0" anchor="ctr"/>
-                <a:lstStyle/>
-                <a:p>
-                  <a:pPr algn="ctr"/>
-                  <a:endParaRPr lang="zh-CN" altLang="en-US"/>
-                </a:p>
-              </p:txBody>
-            </p:sp>
-            <p:sp>
-              <p:nvSpPr>
-                <p:cNvPr id="77" name="19"/>
-                <p:cNvSpPr/>
-                <p:nvPr/>
-              </p:nvSpPr>
-              <p:spPr>
-                <a:xfrm>
-                  <a:off x="2400141" y="563434"/>
-                  <a:ext cx="77692" cy="77692"/>
-                </a:xfrm>
-                <a:prstGeom prst="ellipse">
-                  <a:avLst/>
-                </a:prstGeom>
-                <a:solidFill>
-                  <a:srgbClr val="0070C0"/>
-                </a:solidFill>
-                <a:ln>
-                  <a:noFill/>
-                </a:ln>
-              </p:spPr>
-              <p:style>
-                <a:lnRef idx="2">
-                  <a:schemeClr val="accent1">
-                    <a:shade val="50000"/>
-                  </a:schemeClr>
-                </a:lnRef>
-                <a:fillRef idx="1">
-                  <a:schemeClr val="accent1"/>
-                </a:fillRef>
-                <a:effectRef idx="0">
-                  <a:schemeClr val="accent1"/>
-                </a:effectRef>
-                <a:fontRef idx="minor">
-                  <a:schemeClr val="lt1"/>
-                </a:fontRef>
-              </p:style>
-              <p:txBody>
-                <a:bodyPr rtlCol="0" anchor="ctr"/>
-                <a:lstStyle/>
-                <a:p>
-                  <a:pPr algn="ctr"/>
-                  <a:endParaRPr lang="zh-CN" altLang="en-US"/>
-                </a:p>
-              </p:txBody>
-            </p:sp>
-            <p:sp>
-              <p:nvSpPr>
-                <p:cNvPr id="78" name="20"/>
-                <p:cNvSpPr/>
-                <p:nvPr/>
-              </p:nvSpPr>
-              <p:spPr>
-                <a:xfrm>
-                  <a:off x="2274912" y="676190"/>
-                  <a:ext cx="77692" cy="77692"/>
-                </a:xfrm>
-                <a:prstGeom prst="ellipse">
-                  <a:avLst/>
-                </a:prstGeom>
-                <a:solidFill>
-                  <a:srgbClr val="0070C0"/>
-                </a:solidFill>
-                <a:ln>
-                  <a:noFill/>
-                </a:ln>
-              </p:spPr>
-              <p:style>
-                <a:lnRef idx="2">
-                  <a:schemeClr val="accent1">
-                    <a:shade val="50000"/>
-                  </a:schemeClr>
-                </a:lnRef>
-                <a:fillRef idx="1">
-                  <a:schemeClr val="accent1"/>
-                </a:fillRef>
-                <a:effectRef idx="0">
-                  <a:schemeClr val="accent1"/>
-                </a:effectRef>
-                <a:fontRef idx="minor">
-                  <a:schemeClr val="lt1"/>
-                </a:fontRef>
-              </p:style>
-              <p:txBody>
-                <a:bodyPr rtlCol="0" anchor="ctr"/>
-                <a:lstStyle/>
-                <a:p>
-                  <a:pPr algn="ctr"/>
-                  <a:endParaRPr lang="zh-CN" altLang="en-US"/>
-                </a:p>
-              </p:txBody>
-            </p:sp>
-            <p:sp>
-              <p:nvSpPr>
-                <p:cNvPr id="79" name="21"/>
-                <p:cNvSpPr/>
-                <p:nvPr/>
-              </p:nvSpPr>
-              <p:spPr>
-                <a:xfrm>
-                  <a:off x="2175864" y="812519"/>
-                  <a:ext cx="77692" cy="77692"/>
-                </a:xfrm>
-                <a:prstGeom prst="ellipse">
-                  <a:avLst/>
-                </a:prstGeom>
-                <a:solidFill>
-                  <a:srgbClr val="0070C0"/>
-                </a:solidFill>
-                <a:ln>
-                  <a:noFill/>
-                </a:ln>
-              </p:spPr>
-              <p:style>
-                <a:lnRef idx="2">
-                  <a:schemeClr val="accent1">
-                    <a:shade val="50000"/>
-                  </a:schemeClr>
-                </a:lnRef>
-                <a:fillRef idx="1">
-                  <a:schemeClr val="accent1"/>
-                </a:fillRef>
-                <a:effectRef idx="0">
-                  <a:schemeClr val="accent1"/>
-                </a:effectRef>
-                <a:fontRef idx="minor">
-                  <a:schemeClr val="lt1"/>
-                </a:fontRef>
-              </p:style>
-              <p:txBody>
-                <a:bodyPr rtlCol="0" anchor="ctr"/>
-                <a:lstStyle/>
-                <a:p>
-                  <a:pPr algn="ctr"/>
-                  <a:endParaRPr lang="zh-CN" altLang="en-US"/>
-                </a:p>
-              </p:txBody>
-            </p:sp>
-            <p:sp>
-              <p:nvSpPr>
-                <p:cNvPr id="80" name="22"/>
-                <p:cNvSpPr/>
-                <p:nvPr/>
-              </p:nvSpPr>
-              <p:spPr>
-                <a:xfrm>
-                  <a:off x="2107324" y="966461"/>
-                  <a:ext cx="77692" cy="77692"/>
-                </a:xfrm>
-                <a:prstGeom prst="ellipse">
-                  <a:avLst/>
-                </a:prstGeom>
-                <a:solidFill>
-                  <a:srgbClr val="0070C0"/>
-                </a:solidFill>
-                <a:ln>
-                  <a:noFill/>
-                </a:ln>
-              </p:spPr>
-              <p:style>
-                <a:lnRef idx="2">
-                  <a:schemeClr val="accent1">
-                    <a:shade val="50000"/>
-                  </a:schemeClr>
-                </a:lnRef>
-                <a:fillRef idx="1">
-                  <a:schemeClr val="accent1"/>
-                </a:fillRef>
-                <a:effectRef idx="0">
-                  <a:schemeClr val="accent1"/>
-                </a:effectRef>
-                <a:fontRef idx="minor">
-                  <a:schemeClr val="lt1"/>
-                </a:fontRef>
-              </p:style>
-              <p:txBody>
-                <a:bodyPr rtlCol="0" anchor="ctr"/>
-                <a:lstStyle/>
-                <a:p>
-                  <a:pPr algn="ctr"/>
-                  <a:endParaRPr lang="zh-CN" altLang="en-US"/>
-                </a:p>
-              </p:txBody>
-            </p:sp>
-            <p:sp>
-              <p:nvSpPr>
-                <p:cNvPr id="81" name="23"/>
-                <p:cNvSpPr/>
-                <p:nvPr/>
-              </p:nvSpPr>
-              <p:spPr>
-                <a:xfrm>
-                  <a:off x="2072288" y="1131290"/>
-                  <a:ext cx="77692" cy="77692"/>
-                </a:xfrm>
-                <a:prstGeom prst="ellipse">
-                  <a:avLst/>
-                </a:prstGeom>
-                <a:solidFill>
-                  <a:srgbClr val="0070C0"/>
-                </a:solidFill>
-                <a:ln>
-                  <a:noFill/>
-                </a:ln>
-              </p:spPr>
-              <p:style>
-                <a:lnRef idx="2">
-                  <a:schemeClr val="accent1">
-                    <a:shade val="50000"/>
-                  </a:schemeClr>
-                </a:lnRef>
-                <a:fillRef idx="1">
-                  <a:schemeClr val="accent1"/>
-                </a:fillRef>
-                <a:effectRef idx="0">
-                  <a:schemeClr val="accent1"/>
-                </a:effectRef>
-                <a:fontRef idx="minor">
-                  <a:schemeClr val="lt1"/>
-                </a:fontRef>
-              </p:style>
-              <p:txBody>
-                <a:bodyPr rtlCol="0" anchor="ctr"/>
-                <a:lstStyle/>
-                <a:p>
-                  <a:pPr algn="ctr"/>
-                  <a:endParaRPr lang="zh-CN" altLang="en-US"/>
-                </a:p>
-              </p:txBody>
-            </p:sp>
-            <p:sp>
-              <p:nvSpPr>
-                <p:cNvPr id="82" name="24"/>
-                <p:cNvSpPr/>
-                <p:nvPr/>
-              </p:nvSpPr>
-              <p:spPr>
-                <a:xfrm>
-                  <a:off x="2072288" y="1299802"/>
-                  <a:ext cx="77692" cy="77692"/>
-                </a:xfrm>
-                <a:prstGeom prst="ellipse">
-                  <a:avLst/>
-                </a:prstGeom>
-                <a:solidFill>
-                  <a:srgbClr val="0070C0"/>
-                </a:solidFill>
-                <a:ln>
-                  <a:noFill/>
-                </a:ln>
-              </p:spPr>
-              <p:style>
-                <a:lnRef idx="2">
-                  <a:schemeClr val="accent1">
-                    <a:shade val="50000"/>
-                  </a:schemeClr>
-                </a:lnRef>
-                <a:fillRef idx="1">
-                  <a:schemeClr val="accent1"/>
-                </a:fillRef>
-                <a:effectRef idx="0">
-                  <a:schemeClr val="accent1"/>
-                </a:effectRef>
-                <a:fontRef idx="minor">
-                  <a:schemeClr val="lt1"/>
-                </a:fontRef>
-              </p:style>
-              <p:txBody>
-                <a:bodyPr rtlCol="0" anchor="ctr"/>
-                <a:lstStyle/>
-                <a:p>
-                  <a:pPr algn="ctr"/>
-                  <a:endParaRPr lang="zh-CN" altLang="en-US"/>
-                </a:p>
-              </p:txBody>
-            </p:sp>
-            <p:sp>
-              <p:nvSpPr>
-                <p:cNvPr id="83" name="25"/>
-                <p:cNvSpPr/>
-                <p:nvPr/>
-              </p:nvSpPr>
-              <p:spPr>
-                <a:xfrm>
-                  <a:off x="2107324" y="1464630"/>
-                  <a:ext cx="77692" cy="77692"/>
-                </a:xfrm>
-                <a:prstGeom prst="ellipse">
-                  <a:avLst/>
-                </a:prstGeom>
-                <a:solidFill>
-                  <a:srgbClr val="0070C0"/>
-                </a:solidFill>
-                <a:ln>
-                  <a:noFill/>
-                </a:ln>
-              </p:spPr>
-              <p:style>
-                <a:lnRef idx="2">
-                  <a:schemeClr val="accent1">
-                    <a:shade val="50000"/>
-                  </a:schemeClr>
-                </a:lnRef>
-                <a:fillRef idx="1">
-                  <a:schemeClr val="accent1"/>
-                </a:fillRef>
-                <a:effectRef idx="0">
-                  <a:schemeClr val="accent1"/>
-                </a:effectRef>
-                <a:fontRef idx="minor">
-                  <a:schemeClr val="lt1"/>
-                </a:fontRef>
-              </p:style>
-              <p:txBody>
-                <a:bodyPr rtlCol="0" anchor="ctr"/>
-                <a:lstStyle/>
-                <a:p>
-                  <a:pPr algn="ctr"/>
-                  <a:endParaRPr lang="zh-CN" altLang="en-US"/>
-                </a:p>
-              </p:txBody>
-            </p:sp>
-            <p:sp>
-              <p:nvSpPr>
-                <p:cNvPr id="84" name="26"/>
-                <p:cNvSpPr/>
-                <p:nvPr/>
-              </p:nvSpPr>
-              <p:spPr>
-                <a:xfrm>
-                  <a:off x="2175864" y="1618574"/>
-                  <a:ext cx="77692" cy="77692"/>
-                </a:xfrm>
-                <a:prstGeom prst="ellipse">
-                  <a:avLst/>
-                </a:prstGeom>
-                <a:solidFill>
-                  <a:srgbClr val="0070C0"/>
-                </a:solidFill>
-                <a:ln>
-                  <a:noFill/>
-                </a:ln>
-              </p:spPr>
-              <p:style>
-                <a:lnRef idx="2">
-                  <a:schemeClr val="accent1">
-                    <a:shade val="50000"/>
-                  </a:schemeClr>
-                </a:lnRef>
-                <a:fillRef idx="1">
-                  <a:schemeClr val="accent1"/>
-                </a:fillRef>
-                <a:effectRef idx="0">
-                  <a:schemeClr val="accent1"/>
-                </a:effectRef>
-                <a:fontRef idx="minor">
-                  <a:schemeClr val="lt1"/>
-                </a:fontRef>
-              </p:style>
-              <p:txBody>
-                <a:bodyPr rtlCol="0" anchor="ctr"/>
-                <a:lstStyle/>
-                <a:p>
-                  <a:pPr algn="ctr"/>
-                  <a:endParaRPr lang="zh-CN" altLang="en-US"/>
-                </a:p>
-              </p:txBody>
-            </p:sp>
-            <p:sp>
-              <p:nvSpPr>
-                <p:cNvPr id="85" name="27"/>
-                <p:cNvSpPr/>
-                <p:nvPr/>
-              </p:nvSpPr>
-              <p:spPr>
-                <a:xfrm>
-                  <a:off x="2274912" y="1754902"/>
-                  <a:ext cx="77692" cy="77692"/>
-                </a:xfrm>
-                <a:prstGeom prst="ellipse">
-                  <a:avLst/>
-                </a:prstGeom>
-                <a:solidFill>
-                  <a:srgbClr val="0070C0"/>
-                </a:solidFill>
-                <a:ln>
-                  <a:noFill/>
-                </a:ln>
-              </p:spPr>
-              <p:style>
-                <a:lnRef idx="2">
-                  <a:schemeClr val="accent1">
-                    <a:shade val="50000"/>
-                  </a:schemeClr>
-                </a:lnRef>
-                <a:fillRef idx="1">
-                  <a:schemeClr val="accent1"/>
-                </a:fillRef>
-                <a:effectRef idx="0">
-                  <a:schemeClr val="accent1"/>
-                </a:effectRef>
-                <a:fontRef idx="minor">
-                  <a:schemeClr val="lt1"/>
-                </a:fontRef>
-              </p:style>
-              <p:txBody>
-                <a:bodyPr rtlCol="0" anchor="ctr"/>
-                <a:lstStyle/>
-                <a:p>
-                  <a:pPr algn="ctr"/>
-                  <a:endParaRPr lang="zh-CN" altLang="en-US"/>
-                </a:p>
-              </p:txBody>
-            </p:sp>
-            <p:sp>
-              <p:nvSpPr>
-                <p:cNvPr id="86" name="28"/>
-                <p:cNvSpPr/>
-                <p:nvPr/>
-              </p:nvSpPr>
-              <p:spPr>
-                <a:xfrm>
-                  <a:off x="2400140" y="1867659"/>
-                  <a:ext cx="77692" cy="77692"/>
-                </a:xfrm>
-                <a:prstGeom prst="ellipse">
-                  <a:avLst/>
-                </a:prstGeom>
-                <a:solidFill>
-                  <a:srgbClr val="0070C0"/>
-                </a:solidFill>
-                <a:ln>
-                  <a:noFill/>
-                </a:ln>
-              </p:spPr>
-              <p:style>
-                <a:lnRef idx="2">
-                  <a:schemeClr val="accent1">
-                    <a:shade val="50000"/>
-                  </a:schemeClr>
-                </a:lnRef>
-                <a:fillRef idx="1">
-                  <a:schemeClr val="accent1"/>
-                </a:fillRef>
-                <a:effectRef idx="0">
-                  <a:schemeClr val="accent1"/>
-                </a:effectRef>
-                <a:fontRef idx="minor">
-                  <a:schemeClr val="lt1"/>
-                </a:fontRef>
-              </p:style>
-              <p:txBody>
-                <a:bodyPr rtlCol="0" anchor="ctr"/>
-                <a:lstStyle/>
-                <a:p>
-                  <a:pPr algn="ctr"/>
-                  <a:endParaRPr lang="zh-CN" altLang="en-US"/>
-                </a:p>
-              </p:txBody>
-            </p:sp>
-            <p:sp>
-              <p:nvSpPr>
-                <p:cNvPr id="87" name="29"/>
-                <p:cNvSpPr/>
-                <p:nvPr/>
-              </p:nvSpPr>
-              <p:spPr>
-                <a:xfrm>
-                  <a:off x="2546076" y="1951914"/>
-                  <a:ext cx="77692" cy="77692"/>
-                </a:xfrm>
-                <a:prstGeom prst="ellipse">
-                  <a:avLst/>
-                </a:prstGeom>
-                <a:solidFill>
-                  <a:srgbClr val="0070C0"/>
-                </a:solidFill>
-                <a:ln>
-                  <a:noFill/>
-                </a:ln>
-              </p:spPr>
-              <p:style>
-                <a:lnRef idx="2">
-                  <a:schemeClr val="accent1">
-                    <a:shade val="50000"/>
-                  </a:schemeClr>
-                </a:lnRef>
-                <a:fillRef idx="1">
-                  <a:schemeClr val="accent1"/>
-                </a:fillRef>
-                <a:effectRef idx="0">
-                  <a:schemeClr val="accent1"/>
-                </a:effectRef>
-                <a:fontRef idx="minor">
-                  <a:schemeClr val="lt1"/>
-                </a:fontRef>
-              </p:style>
-              <p:txBody>
-                <a:bodyPr rtlCol="0" anchor="ctr"/>
-                <a:lstStyle/>
-                <a:p>
-                  <a:pPr algn="ctr"/>
-                  <a:endParaRPr lang="zh-CN" altLang="en-US"/>
-                </a:p>
-              </p:txBody>
-            </p:sp>
-            <p:sp>
-              <p:nvSpPr>
-                <p:cNvPr id="88" name="30"/>
-                <p:cNvSpPr/>
-                <p:nvPr/>
-              </p:nvSpPr>
-              <p:spPr>
-                <a:xfrm>
-                  <a:off x="2706339" y="2003987"/>
-                  <a:ext cx="77692" cy="77692"/>
-                </a:xfrm>
-                <a:prstGeom prst="ellipse">
-                  <a:avLst/>
-                </a:prstGeom>
-                <a:solidFill>
-                  <a:srgbClr val="0070C0"/>
-                </a:solidFill>
-                <a:ln>
-                  <a:noFill/>
-                </a:ln>
-              </p:spPr>
-              <p:style>
-                <a:lnRef idx="2">
-                  <a:schemeClr val="accent1">
-                    <a:shade val="50000"/>
-                  </a:schemeClr>
-                </a:lnRef>
-                <a:fillRef idx="1">
-                  <a:schemeClr val="accent1"/>
-                </a:fillRef>
-                <a:effectRef idx="0">
-                  <a:schemeClr val="accent1"/>
-                </a:effectRef>
-                <a:fontRef idx="minor">
-                  <a:schemeClr val="lt1"/>
-                </a:fontRef>
-              </p:style>
-              <p:txBody>
-                <a:bodyPr rtlCol="0" anchor="ctr"/>
-                <a:lstStyle/>
-                <a:p>
-                  <a:pPr algn="ctr"/>
-                  <a:endParaRPr lang="zh-CN" altLang="en-US"/>
-                </a:p>
-              </p:txBody>
-            </p:sp>
-          </p:grpSp>
-          <p:cxnSp>
-            <p:nvCxnSpPr>
-              <p:cNvPr id="50" name="直接箭头连接符 49"/>
-              <p:cNvCxnSpPr/>
-              <p:nvPr/>
-            </p:nvCxnSpPr>
-            <p:spPr>
-              <a:xfrm flipH="1">
-                <a:off x="3652558" y="1066314"/>
-                <a:ext cx="1567515" cy="1786622"/>
-              </a:xfrm>
-              <a:prstGeom prst="straightConnector1">
-                <a:avLst/>
-              </a:prstGeom>
-              <a:ln w="6350">
-                <a:solidFill>
-                  <a:schemeClr val="tx1"/>
-                </a:solidFill>
-                <a:headEnd type="none" w="med" len="med"/>
-                <a:tailEnd type="triangle" w="med" len="med"/>
-              </a:ln>
-            </p:spPr>
-            <p:style>
-              <a:lnRef idx="1">
-                <a:schemeClr val="accent1"/>
-              </a:lnRef>
-              <a:fillRef idx="0">
-                <a:schemeClr val="accent1"/>
-              </a:fillRef>
-              <a:effectRef idx="0">
-                <a:schemeClr val="accent1"/>
-              </a:effectRef>
-              <a:fontRef idx="minor">
-                <a:schemeClr val="tx1"/>
-              </a:fontRef>
-            </p:style>
-          </p:cxnSp>
-        </p:grpSp>
-        <p:cxnSp>
-          <p:nvCxnSpPr>
-            <p:cNvPr id="47" name="直接箭头连接符 46"/>
-            <p:cNvCxnSpPr>
-              <a:endCxn id="89" idx="0"/>
-            </p:cNvCxnSpPr>
-            <p:nvPr/>
-          </p:nvCxnSpPr>
-          <p:spPr>
-            <a:xfrm>
-              <a:off x="2845422" y="914193"/>
-              <a:ext cx="0" cy="610742"/>
-            </a:xfrm>
-            <a:prstGeom prst="straightConnector1">
-              <a:avLst/>
-            </a:prstGeom>
-            <a:ln>
-              <a:solidFill>
-                <a:schemeClr val="tx1"/>
-              </a:solidFill>
-              <a:headEnd type="none" w="med" len="med"/>
-              <a:tailEnd type="triangle" w="med" len="med"/>
-            </a:ln>
-          </p:spPr>
-          <p:style>
-            <a:lnRef idx="1">
-              <a:schemeClr val="accent1"/>
-            </a:lnRef>
-            <a:fillRef idx="0">
-              <a:schemeClr val="accent1"/>
-            </a:fillRef>
-            <a:effectRef idx="0">
-              <a:schemeClr val="accent1"/>
-            </a:effectRef>
-            <a:fontRef idx="minor">
-              <a:schemeClr val="tx1"/>
-            </a:fontRef>
-          </p:style>
-        </p:cxnSp>
-        <p:cxnSp>
-          <p:nvCxnSpPr>
-            <p:cNvPr id="51" name="直接箭头连接符 50"/>
-            <p:cNvCxnSpPr>
-              <a:endCxn id="89" idx="2"/>
-            </p:cNvCxnSpPr>
-            <p:nvPr/>
-          </p:nvCxnSpPr>
-          <p:spPr>
-            <a:xfrm flipH="1" flipV="1">
-              <a:off x="2845422" y="1771156"/>
-              <a:ext cx="2664" cy="511673"/>
-            </a:xfrm>
-            <a:prstGeom prst="straightConnector1">
-              <a:avLst/>
-            </a:prstGeom>
-            <a:ln>
-              <a:solidFill>
-                <a:schemeClr val="tx1"/>
-              </a:solidFill>
-              <a:headEnd type="none" w="med" len="med"/>
-              <a:tailEnd type="triangle" w="med" len="med"/>
-            </a:ln>
-          </p:spPr>
-          <p:style>
-            <a:lnRef idx="1">
-              <a:schemeClr val="accent1"/>
-            </a:lnRef>
-            <a:fillRef idx="0">
-              <a:schemeClr val="accent1"/>
-            </a:fillRef>
-            <a:effectRef idx="0">
-              <a:schemeClr val="accent1"/>
-            </a:effectRef>
-            <a:fontRef idx="minor">
-              <a:schemeClr val="tx1"/>
-            </a:fontRef>
-          </p:style>
-        </p:cxnSp>
-        <p:sp>
-          <p:nvSpPr>
-            <p:cNvPr id="89" name="TextBox 88"/>
-            <p:cNvSpPr txBox="1"/>
-            <p:nvPr/>
-          </p:nvSpPr>
-          <p:spPr>
-            <a:xfrm>
-              <a:off x="2553557" y="1524935"/>
-              <a:ext cx="583730" cy="246221"/>
-            </a:xfrm>
-            <a:prstGeom prst="rect">
-              <a:avLst/>
-            </a:prstGeom>
-            <a:noFill/>
-          </p:spPr>
-          <p:txBody>
-            <a:bodyPr wrap="square" rtlCol="0">
-              <a:spAutoFit/>
-            </a:bodyPr>
-            <a:lstStyle/>
-            <a:p>
-              <a:r>
-                <a:rPr lang="en-US" altLang="zh-CN" sz="1000" dirty="0" smtClean="0">
-                  <a:latin typeface="Times New Roman" pitchFamily="18" charset="0"/>
-                  <a:cs typeface="Times New Roman" pitchFamily="18" charset="0"/>
-                </a:rPr>
-                <a:t>π shift</a:t>
-              </a:r>
-              <a:endParaRPr lang="zh-CN" altLang="en-US" sz="1000" dirty="0">
-                <a:latin typeface="Times New Roman" pitchFamily="18" charset="0"/>
-                <a:cs typeface="Times New Roman" pitchFamily="18" charset="0"/>
-              </a:endParaRPr>
             </a:p>
           </p:txBody>
         </p:sp>
@@ -13597,247 +9265,7 @@
     </p:spTree>
     <p:extLst>
       <p:ext uri="{BB962C8B-B14F-4D97-AF65-F5344CB8AC3E}">
-        <p14:creationId xmlns:p14="http://schemas.microsoft.com/office/powerpoint/2010/main" val="2219152581"/>
-      </p:ext>
-    </p:extLst>
-  </p:cSld>
-  <p:clrMapOvr>
-    <a:masterClrMapping/>
-  </p:clrMapOvr>
-</p:sld>
-</file>
-
-<file path=ppt/slides/slide9.xml><?xml version="1.0" encoding="utf-8"?>
-<p:sld xmlns:a="http://schemas.openxmlformats.org/drawingml/2006/main" xmlns:r="http://schemas.openxmlformats.org/officeDocument/2006/relationships" xmlns:p="http://schemas.openxmlformats.org/presentationml/2006/main">
-  <p:cSld>
-    <p:spTree>
-      <p:nvGrpSpPr>
-        <p:cNvPr id="1" name=""/>
-        <p:cNvGrpSpPr/>
-        <p:nvPr/>
-      </p:nvGrpSpPr>
-      <p:grpSpPr>
-        <a:xfrm>
-          <a:off x="0" y="0"/>
-          <a:ext cx="0" cy="0"/>
-          <a:chOff x="0" y="0"/>
-          <a:chExt cx="0" cy="0"/>
-        </a:xfrm>
-      </p:grpSpPr>
-      <p:grpSp>
-        <p:nvGrpSpPr>
-          <p:cNvPr id="2" name="组合 1"/>
-          <p:cNvGrpSpPr/>
-          <p:nvPr/>
-        </p:nvGrpSpPr>
-        <p:grpSpPr>
-          <a:xfrm>
-            <a:off x="1993579" y="2276872"/>
-            <a:ext cx="4715618" cy="2165350"/>
-            <a:chOff x="1993579" y="2276872"/>
-            <a:chExt cx="4715618" cy="2165350"/>
-          </a:xfrm>
-        </p:grpSpPr>
-        <p:grpSp>
-          <p:nvGrpSpPr>
-            <p:cNvPr id="5" name="组合 4"/>
-            <p:cNvGrpSpPr/>
-            <p:nvPr/>
-          </p:nvGrpSpPr>
-          <p:grpSpPr>
-            <a:xfrm>
-              <a:off x="1993579" y="2276872"/>
-              <a:ext cx="4715618" cy="2165350"/>
-              <a:chOff x="1977589" y="2276872"/>
-              <a:chExt cx="4715618" cy="2165350"/>
-            </a:xfrm>
-          </p:grpSpPr>
-          <p:pic>
-            <p:nvPicPr>
-              <p:cNvPr id="4" name="Picture 2" descr="fig8a"/>
-              <p:cNvPicPr>
-                <a:picLocks noChangeAspect="1" noChangeArrowheads="1"/>
-              </p:cNvPicPr>
-              <p:nvPr/>
-            </p:nvPicPr>
-            <p:blipFill>
-              <a:blip r:embed="rId2">
-                <a:extLst>
-                  <a:ext uri="{28A0092B-C50C-407E-A947-70E740481C1C}">
-                    <a14:useLocalDpi xmlns:a14="http://schemas.microsoft.com/office/drawing/2010/main" val="0"/>
-                  </a:ext>
-                </a:extLst>
-              </a:blip>
-              <a:srcRect/>
-              <a:stretch>
-                <a:fillRect/>
-              </a:stretch>
-            </p:blipFill>
-            <p:spPr bwMode="auto">
-              <a:xfrm>
-                <a:off x="1977589" y="2276872"/>
-                <a:ext cx="2346325" cy="2165350"/>
-              </a:xfrm>
-              <a:prstGeom prst="rect">
-                <a:avLst/>
-              </a:prstGeom>
-              <a:noFill/>
-              <a:ln>
-                <a:noFill/>
-              </a:ln>
-              <a:extLst>
-                <a:ext uri="{909E8E84-426E-40DD-AFC4-6F175D3DCCD1}">
-                  <a14:hiddenFill xmlns:a14="http://schemas.microsoft.com/office/drawing/2010/main">
-                    <a:solidFill>
-                      <a:srgbClr val="FFFFFF"/>
-                    </a:solidFill>
-                  </a14:hiddenFill>
-                </a:ext>
-                <a:ext uri="{91240B29-F687-4F45-9708-019B960494DF}">
-                  <a14:hiddenLine xmlns:a14="http://schemas.microsoft.com/office/drawing/2010/main" w="9525">
-                    <a:solidFill>
-                      <a:srgbClr val="000000"/>
-                    </a:solidFill>
-                    <a:miter lim="800000"/>
-                    <a:headEnd/>
-                    <a:tailEnd/>
-                  </a14:hiddenLine>
-                </a:ext>
-              </a:extLst>
-            </p:spPr>
-          </p:pic>
-          <p:pic>
-            <p:nvPicPr>
-              <p:cNvPr id="2050" name="Picture 2" descr="fig8b"/>
-              <p:cNvPicPr>
-                <a:picLocks noChangeAspect="1" noChangeArrowheads="1"/>
-              </p:cNvPicPr>
-              <p:nvPr/>
-            </p:nvPicPr>
-            <p:blipFill>
-              <a:blip r:embed="rId3">
-                <a:extLst>
-                  <a:ext uri="{28A0092B-C50C-407E-A947-70E740481C1C}">
-                    <a14:useLocalDpi xmlns:a14="http://schemas.microsoft.com/office/drawing/2010/main" val="0"/>
-                  </a:ext>
-                </a:extLst>
-              </a:blip>
-              <a:srcRect/>
-              <a:stretch>
-                <a:fillRect/>
-              </a:stretch>
-            </p:blipFill>
-            <p:spPr bwMode="auto">
-              <a:xfrm>
-                <a:off x="4346882" y="2276872"/>
-                <a:ext cx="2346325" cy="2165350"/>
-              </a:xfrm>
-              <a:prstGeom prst="rect">
-                <a:avLst/>
-              </a:prstGeom>
-              <a:noFill/>
-              <a:ln>
-                <a:noFill/>
-              </a:ln>
-              <a:extLst>
-                <a:ext uri="{909E8E84-426E-40DD-AFC4-6F175D3DCCD1}">
-                  <a14:hiddenFill xmlns:a14="http://schemas.microsoft.com/office/drawing/2010/main">
-                    <a:solidFill>
-                      <a:srgbClr val="FFFFFF"/>
-                    </a:solidFill>
-                  </a14:hiddenFill>
-                </a:ext>
-                <a:ext uri="{91240B29-F687-4F45-9708-019B960494DF}">
-                  <a14:hiddenLine xmlns:a14="http://schemas.microsoft.com/office/drawing/2010/main" w="9525">
-                    <a:solidFill>
-                      <a:srgbClr val="000000"/>
-                    </a:solidFill>
-                    <a:miter lim="800000"/>
-                    <a:headEnd/>
-                    <a:tailEnd/>
-                  </a14:hiddenLine>
-                </a:ext>
-              </a:extLst>
-            </p:spPr>
-          </p:pic>
-        </p:grpSp>
-        <p:sp>
-          <p:nvSpPr>
-            <p:cNvPr id="7" name="文本框 37"/>
-            <p:cNvSpPr txBox="1"/>
-            <p:nvPr/>
-          </p:nvSpPr>
-          <p:spPr>
-            <a:xfrm>
-              <a:off x="2483768" y="2348880"/>
-              <a:ext cx="343844" cy="248339"/>
-            </a:xfrm>
-            <a:prstGeom prst="rect">
-              <a:avLst/>
-            </a:prstGeom>
-            <a:noFill/>
-          </p:spPr>
-          <p:txBody>
-            <a:bodyPr wrap="square" rtlCol="0">
-              <a:spAutoFit/>
-            </a:bodyPr>
-            <a:lstStyle/>
-            <a:p>
-              <a:r>
-                <a:rPr lang="en-US" altLang="zh-CN" sz="1000" dirty="0" smtClean="0">
-                  <a:latin typeface="Times New Roman" panose="02020603050405020304" pitchFamily="18" charset="0"/>
-                  <a:cs typeface="Times New Roman" panose="02020603050405020304" pitchFamily="18" charset="0"/>
-                </a:rPr>
-                <a:t>(a)</a:t>
-              </a:r>
-              <a:endParaRPr lang="zh-CN" altLang="en-US" sz="1000" dirty="0">
-                <a:latin typeface="Times New Roman" panose="02020603050405020304" pitchFamily="18" charset="0"/>
-                <a:cs typeface="Times New Roman" panose="02020603050405020304" pitchFamily="18" charset="0"/>
-              </a:endParaRPr>
-            </a:p>
-          </p:txBody>
-        </p:sp>
-        <p:sp>
-          <p:nvSpPr>
-            <p:cNvPr id="8" name="文本框 37"/>
-            <p:cNvSpPr txBox="1"/>
-            <p:nvPr/>
-          </p:nvSpPr>
-          <p:spPr>
-            <a:xfrm>
-              <a:off x="4860032" y="2368152"/>
-              <a:ext cx="343844" cy="248339"/>
-            </a:xfrm>
-            <a:prstGeom prst="rect">
-              <a:avLst/>
-            </a:prstGeom>
-            <a:noFill/>
-          </p:spPr>
-          <p:txBody>
-            <a:bodyPr wrap="square" rtlCol="0">
-              <a:spAutoFit/>
-            </a:bodyPr>
-            <a:lstStyle/>
-            <a:p>
-              <a:r>
-                <a:rPr lang="en-US" altLang="zh-CN" sz="1000" dirty="0" smtClean="0">
-                  <a:latin typeface="Times New Roman" panose="02020603050405020304" pitchFamily="18" charset="0"/>
-                  <a:cs typeface="Times New Roman" panose="02020603050405020304" pitchFamily="18" charset="0"/>
-                </a:rPr>
-                <a:t>(b)</a:t>
-              </a:r>
-              <a:endParaRPr lang="zh-CN" altLang="en-US" sz="1000" dirty="0">
-                <a:latin typeface="Times New Roman" panose="02020603050405020304" pitchFamily="18" charset="0"/>
-                <a:cs typeface="Times New Roman" panose="02020603050405020304" pitchFamily="18" charset="0"/>
-              </a:endParaRPr>
-            </a:p>
-          </p:txBody>
-        </p:sp>
-      </p:grpSp>
-    </p:spTree>
-    <p:extLst>
-      <p:ext uri="{BB962C8B-B14F-4D97-AF65-F5344CB8AC3E}">
-        <p14:creationId xmlns:p14="http://schemas.microsoft.com/office/powerpoint/2010/main" val="1437895253"/>
+        <p14:creationId xmlns:p14="http://schemas.microsoft.com/office/powerpoint/2010/main" val="1958307423"/>
       </p:ext>
     </p:extLst>
   </p:cSld>
